--- a/Study/statistics/PPT/43. 다중 모수의 최대우도검정.pptx
+++ b/Study/statistics/PPT/43. 다중 모수의 최대우도검정.pptx
@@ -12,6 +12,8 @@
     <p:sldId id="260" r:id="rId6"/>
     <p:sldId id="262" r:id="rId7"/>
     <p:sldId id="261" r:id="rId8"/>
+    <p:sldId id="263" r:id="rId9"/>
+    <p:sldId id="264" r:id="rId10"/>
   </p:sldIdLst>
   <p:sldSz cx="12192000" cy="6858000"/>
   <p:notesSz cx="6858000" cy="9144000"/>
@@ -3586,8 +3588,8 @@
           </a:p>
         </p:txBody>
       </p:sp>
-      <mc:AlternateContent xmlns:mc="http://schemas.openxmlformats.org/markup-compatibility/2006">
-        <mc:Choice xmlns:a14="http://schemas.microsoft.com/office/drawing/2010/main" Requires="a14">
+      <mc:AlternateContent xmlns:mc="http://schemas.openxmlformats.org/markup-compatibility/2006" xmlns:a14="http://schemas.microsoft.com/office/drawing/2010/main">
+        <mc:Choice Requires="a14">
           <p:sp>
             <p:nvSpPr>
               <p:cNvPr id="33" name="직사각형 32">
@@ -3615,6 +3617,7 @@
               </a:bodyPr>
               <a:lstStyle/>
               <a:p>
+                <a:pPr/>
                 <a14:m>
                   <m:oMathPara xmlns:m="http://schemas.openxmlformats.org/officeDocument/2006/math">
                     <m:oMathParaPr>
@@ -3635,7 +3638,7 @@
             </p:txBody>
           </p:sp>
         </mc:Choice>
-        <mc:Fallback>
+        <mc:Fallback xmlns="">
           <p:sp>
             <p:nvSpPr>
               <p:cNvPr id="33" name="직사각형 32">
@@ -4062,8 +4065,8 @@
             </a:p>
           </p:txBody>
         </p:sp>
-        <mc:AlternateContent xmlns:mc="http://schemas.openxmlformats.org/markup-compatibility/2006">
-          <mc:Choice xmlns:a14="http://schemas.microsoft.com/office/drawing/2010/main" Requires="a14">
+        <mc:AlternateContent xmlns:mc="http://schemas.openxmlformats.org/markup-compatibility/2006" xmlns:a14="http://schemas.microsoft.com/office/drawing/2010/main">
+          <mc:Choice Requires="a14">
             <p:sp>
               <p:nvSpPr>
                 <p:cNvPr id="31" name="TextBox 30">
@@ -4153,7 +4156,7 @@
               </p:txBody>
             </p:sp>
           </mc:Choice>
-          <mc:Fallback>
+          <mc:Fallback xmlns="">
             <p:sp>
               <p:nvSpPr>
                 <p:cNvPr id="31" name="TextBox 30">
@@ -4198,8 +4201,8 @@
             </p:sp>
           </mc:Fallback>
         </mc:AlternateContent>
-        <mc:AlternateContent xmlns:mc="http://schemas.openxmlformats.org/markup-compatibility/2006">
-          <mc:Choice xmlns:a14="http://schemas.microsoft.com/office/drawing/2010/main" Requires="a14">
+        <mc:AlternateContent xmlns:mc="http://schemas.openxmlformats.org/markup-compatibility/2006" xmlns:a14="http://schemas.microsoft.com/office/drawing/2010/main">
+          <mc:Choice Requires="a14">
             <p:sp>
               <p:nvSpPr>
                 <p:cNvPr id="32" name="직사각형 31">
@@ -4227,6 +4230,7 @@
                 </a:bodyPr>
                 <a:lstStyle/>
                 <a:p>
+                  <a:pPr/>
                   <a14:m>
                     <m:oMathPara xmlns:m="http://schemas.openxmlformats.org/officeDocument/2006/math">
                       <m:oMathParaPr>
@@ -4247,7 +4251,7 @@
               </p:txBody>
             </p:sp>
           </mc:Choice>
-          <mc:Fallback>
+          <mc:Fallback xmlns="">
             <p:sp>
               <p:nvSpPr>
                 <p:cNvPr id="32" name="직사각형 31">
@@ -4292,8 +4296,8 @@
             </p:sp>
           </mc:Fallback>
         </mc:AlternateContent>
-        <mc:AlternateContent xmlns:mc="http://schemas.openxmlformats.org/markup-compatibility/2006">
-          <mc:Choice xmlns:a14="http://schemas.microsoft.com/office/drawing/2010/main" Requires="a14">
+        <mc:AlternateContent xmlns:mc="http://schemas.openxmlformats.org/markup-compatibility/2006" xmlns:a14="http://schemas.microsoft.com/office/drawing/2010/main">
+          <mc:Choice Requires="a14">
             <p:sp>
               <p:nvSpPr>
                 <p:cNvPr id="34" name="TextBox 33">
@@ -4362,7 +4366,7 @@
               </p:txBody>
             </p:sp>
           </mc:Choice>
-          <mc:Fallback>
+          <mc:Fallback xmlns="">
             <p:sp>
               <p:nvSpPr>
                 <p:cNvPr id="34" name="TextBox 33">
@@ -4790,8 +4794,8 @@
             </a:p>
           </p:txBody>
         </p:sp>
-        <mc:AlternateContent xmlns:mc="http://schemas.openxmlformats.org/markup-compatibility/2006">
-          <mc:Choice xmlns:a14="http://schemas.microsoft.com/office/drawing/2010/main" Requires="a14">
+        <mc:AlternateContent xmlns:mc="http://schemas.openxmlformats.org/markup-compatibility/2006" xmlns:a14="http://schemas.microsoft.com/office/drawing/2010/main">
+          <mc:Choice Requires="a14">
             <p:sp>
               <p:nvSpPr>
                 <p:cNvPr id="43" name="TextBox 42">
@@ -4881,7 +4885,7 @@
               </p:txBody>
             </p:sp>
           </mc:Choice>
-          <mc:Fallback>
+          <mc:Fallback xmlns="">
             <p:sp>
               <p:nvSpPr>
                 <p:cNvPr id="43" name="TextBox 42">
@@ -4926,8 +4930,8 @@
             </p:sp>
           </mc:Fallback>
         </mc:AlternateContent>
-        <mc:AlternateContent xmlns:mc="http://schemas.openxmlformats.org/markup-compatibility/2006">
-          <mc:Choice xmlns:a14="http://schemas.microsoft.com/office/drawing/2010/main" Requires="a14">
+        <mc:AlternateContent xmlns:mc="http://schemas.openxmlformats.org/markup-compatibility/2006" xmlns:a14="http://schemas.microsoft.com/office/drawing/2010/main">
+          <mc:Choice Requires="a14">
             <p:sp>
               <p:nvSpPr>
                 <p:cNvPr id="44" name="직사각형 43">
@@ -4955,6 +4959,7 @@
                 </a:bodyPr>
                 <a:lstStyle/>
                 <a:p>
+                  <a:pPr/>
                   <a14:m>
                     <m:oMathPara xmlns:m="http://schemas.openxmlformats.org/officeDocument/2006/math">
                       <m:oMathParaPr>
@@ -4975,7 +4980,7 @@
               </p:txBody>
             </p:sp>
           </mc:Choice>
-          <mc:Fallback>
+          <mc:Fallback xmlns="">
             <p:sp>
               <p:nvSpPr>
                 <p:cNvPr id="44" name="직사각형 43">
@@ -5020,8 +5025,8 @@
             </p:sp>
           </mc:Fallback>
         </mc:AlternateContent>
-        <mc:AlternateContent xmlns:mc="http://schemas.openxmlformats.org/markup-compatibility/2006">
-          <mc:Choice xmlns:a14="http://schemas.microsoft.com/office/drawing/2010/main" Requires="a14">
+        <mc:AlternateContent xmlns:mc="http://schemas.openxmlformats.org/markup-compatibility/2006" xmlns:a14="http://schemas.microsoft.com/office/drawing/2010/main">
+          <mc:Choice Requires="a14">
             <p:sp>
               <p:nvSpPr>
                 <p:cNvPr id="45" name="직사각형 44">
@@ -5049,6 +5054,7 @@
                 </a:bodyPr>
                 <a:lstStyle/>
                 <a:p>
+                  <a:pPr/>
                   <a14:m>
                     <m:oMathPara xmlns:m="http://schemas.openxmlformats.org/officeDocument/2006/math">
                       <m:oMathParaPr>
@@ -5069,7 +5075,7 @@
               </p:txBody>
             </p:sp>
           </mc:Choice>
-          <mc:Fallback>
+          <mc:Fallback xmlns="">
             <p:sp>
               <p:nvSpPr>
                 <p:cNvPr id="45" name="직사각형 44">
@@ -5114,8 +5120,8 @@
             </p:sp>
           </mc:Fallback>
         </mc:AlternateContent>
-        <mc:AlternateContent xmlns:mc="http://schemas.openxmlformats.org/markup-compatibility/2006">
-          <mc:Choice xmlns:a14="http://schemas.microsoft.com/office/drawing/2010/main" Requires="a14">
+        <mc:AlternateContent xmlns:mc="http://schemas.openxmlformats.org/markup-compatibility/2006" xmlns:a14="http://schemas.microsoft.com/office/drawing/2010/main">
+          <mc:Choice Requires="a14">
             <p:sp>
               <p:nvSpPr>
                 <p:cNvPr id="46" name="TextBox 45">
@@ -5184,7 +5190,7 @@
               </p:txBody>
             </p:sp>
           </mc:Choice>
-          <mc:Fallback>
+          <mc:Fallback xmlns="">
             <p:sp>
               <p:nvSpPr>
                 <p:cNvPr id="46" name="TextBox 45">
@@ -5382,8 +5388,8 @@
             </a:p>
           </p:txBody>
         </p:sp>
-        <mc:AlternateContent xmlns:mc="http://schemas.openxmlformats.org/markup-compatibility/2006">
-          <mc:Choice xmlns:a14="http://schemas.microsoft.com/office/drawing/2010/main" Requires="a14">
+        <mc:AlternateContent xmlns:mc="http://schemas.openxmlformats.org/markup-compatibility/2006" xmlns:a14="http://schemas.microsoft.com/office/drawing/2010/main">
+          <mc:Choice Requires="a14">
             <p:sp>
               <p:nvSpPr>
                 <p:cNvPr id="52" name="직사각형 51">
@@ -5465,7 +5471,7 @@
               </p:txBody>
             </p:sp>
           </mc:Choice>
-          <mc:Fallback>
+          <mc:Fallback xmlns="">
             <p:sp>
               <p:nvSpPr>
                 <p:cNvPr id="52" name="직사각형 51">
@@ -5713,8 +5719,8 @@
           </a:p>
         </p:txBody>
       </p:sp>
-      <mc:AlternateContent xmlns:mc="http://schemas.openxmlformats.org/markup-compatibility/2006">
-        <mc:Choice xmlns:a14="http://schemas.microsoft.com/office/drawing/2010/main" Requires="a14">
+      <mc:AlternateContent xmlns:mc="http://schemas.openxmlformats.org/markup-compatibility/2006" xmlns:a14="http://schemas.microsoft.com/office/drawing/2010/main">
+        <mc:Choice Requires="a14">
           <p:sp>
             <p:nvSpPr>
               <p:cNvPr id="3" name="내용 개체 틀 2">
@@ -6044,7 +6050,7 @@
             </p:txBody>
           </p:sp>
         </mc:Choice>
-        <mc:Fallback>
+        <mc:Fallback xmlns="">
           <p:sp>
             <p:nvSpPr>
               <p:cNvPr id="3" name="내용 개체 틀 2">
@@ -6146,8 +6152,8 @@
           </a:p>
         </p:txBody>
       </p:sp>
-      <mc:AlternateContent xmlns:mc="http://schemas.openxmlformats.org/markup-compatibility/2006">
-        <mc:Choice xmlns:a14="http://schemas.microsoft.com/office/drawing/2010/main" Requires="a14">
+      <mc:AlternateContent xmlns:mc="http://schemas.openxmlformats.org/markup-compatibility/2006" xmlns:a14="http://schemas.microsoft.com/office/drawing/2010/main">
+        <mc:Choice Requires="a14">
           <p:sp>
             <p:nvSpPr>
               <p:cNvPr id="3" name="내용 개체 틀 2">
@@ -6965,7 +6971,7 @@
             </p:txBody>
           </p:sp>
         </mc:Choice>
-        <mc:Fallback>
+        <mc:Fallback xmlns="">
           <p:sp>
             <p:nvSpPr>
               <p:cNvPr id="3" name="내용 개체 틀 2">
@@ -7067,8 +7073,8 @@
           </a:p>
         </p:txBody>
       </p:sp>
-      <mc:AlternateContent xmlns:mc="http://schemas.openxmlformats.org/markup-compatibility/2006">
-        <mc:Choice xmlns:a14="http://schemas.microsoft.com/office/drawing/2010/main" Requires="a14">
+      <mc:AlternateContent xmlns:mc="http://schemas.openxmlformats.org/markup-compatibility/2006" xmlns:a14="http://schemas.microsoft.com/office/drawing/2010/main">
+        <mc:Choice Requires="a14">
           <p:sp>
             <p:nvSpPr>
               <p:cNvPr id="3" name="내용 개체 틀 2">
@@ -7936,7 +7942,7 @@
                     <m:f>
                       <m:fPr>
                         <m:ctrlPr>
-                          <a:rPr lang="en-US" altLang="ko-KR" sz="2000" b="0" i="0" smtClean="0">
+                          <a:rPr lang="en-US" altLang="ko-KR" sz="2000" b="0" i="1" smtClean="0">
                             <a:latin typeface="Cambria Math" panose="02040503050406030204" pitchFamily="18" charset="0"/>
                           </a:rPr>
                         </m:ctrlPr>
@@ -9731,7 +9737,7 @@
             </p:txBody>
           </p:sp>
         </mc:Choice>
-        <mc:Fallback>
+        <mc:Fallback xmlns="">
           <p:sp>
             <p:nvSpPr>
               <p:cNvPr id="3" name="내용 개체 틀 2">
@@ -9829,8 +9835,8 @@
           </a:p>
         </p:txBody>
       </p:sp>
-      <mc:AlternateContent xmlns:mc="http://schemas.openxmlformats.org/markup-compatibility/2006">
-        <mc:Choice xmlns:a14="http://schemas.microsoft.com/office/drawing/2010/main" Requires="a14">
+      <mc:AlternateContent xmlns:mc="http://schemas.openxmlformats.org/markup-compatibility/2006" xmlns:a14="http://schemas.microsoft.com/office/drawing/2010/main">
+        <mc:Choice Requires="a14">
           <p:sp>
             <p:nvSpPr>
               <p:cNvPr id="3" name="내용 개체 틀 2">
@@ -10782,7 +10788,7 @@
                     <m:f>
                       <m:fPr>
                         <m:ctrlPr>
-                          <a:rPr lang="en-US" altLang="ko-KR" sz="2000" b="0" i="0" smtClean="0">
+                          <a:rPr lang="en-US" altLang="ko-KR" sz="2000" b="0" i="1" smtClean="0">
                             <a:latin typeface="Cambria Math" panose="02040503050406030204" pitchFamily="18" charset="0"/>
                           </a:rPr>
                         </m:ctrlPr>
@@ -13041,7 +13047,7 @@
             </p:txBody>
           </p:sp>
         </mc:Choice>
-        <mc:Fallback>
+        <mc:Fallback xmlns="">
           <p:sp>
             <p:nvSpPr>
               <p:cNvPr id="3" name="내용 개체 틀 2">
@@ -13139,8 +13145,8 @@
           </a:p>
         </p:txBody>
       </p:sp>
-      <mc:AlternateContent xmlns:mc="http://schemas.openxmlformats.org/markup-compatibility/2006">
-        <mc:Choice xmlns:a14="http://schemas.microsoft.com/office/drawing/2010/main" Requires="a14">
+      <mc:AlternateContent xmlns:mc="http://schemas.openxmlformats.org/markup-compatibility/2006" xmlns:a14="http://schemas.microsoft.com/office/drawing/2010/main">
+        <mc:Choice Requires="a14">
           <p:sp>
             <p:nvSpPr>
               <p:cNvPr id="3" name="내용 개체 틀 2">
@@ -14696,7 +14702,7 @@
                     <m:d>
                       <m:dPr>
                         <m:ctrlPr>
-                          <a:rPr lang="en-US" altLang="ko-KR" sz="2000" b="0" i="0" smtClean="0">
+                          <a:rPr lang="en-US" altLang="ko-KR" sz="2000" b="0" i="1" smtClean="0">
                             <a:latin typeface="Cambria Math" panose="02040503050406030204" pitchFamily="18" charset="0"/>
                           </a:rPr>
                         </m:ctrlPr>
@@ -14781,7 +14787,7 @@
             </p:txBody>
           </p:sp>
         </mc:Choice>
-        <mc:Fallback>
+        <mc:Fallback xmlns="">
           <p:sp>
             <p:nvSpPr>
               <p:cNvPr id="3" name="내용 개체 틀 2">
@@ -14825,6 +14831,5954 @@
     <p:extLst>
       <p:ext uri="{BB962C8B-B14F-4D97-AF65-F5344CB8AC3E}">
         <p14:creationId xmlns:p14="http://schemas.microsoft.com/office/powerpoint/2010/main" val="3279010173"/>
+      </p:ext>
+    </p:extLst>
+  </p:cSld>
+  <p:clrMapOvr>
+    <a:masterClrMapping/>
+  </p:clrMapOvr>
+</p:sld>
+</file>
+
+<file path=ppt/slides/slide8.xml><?xml version="1.0" encoding="utf-8"?>
+<p:sld xmlns:a="http://schemas.openxmlformats.org/drawingml/2006/main" xmlns:r="http://schemas.openxmlformats.org/officeDocument/2006/relationships" xmlns:p="http://schemas.openxmlformats.org/presentationml/2006/main">
+  <p:cSld>
+    <p:spTree>
+      <p:nvGrpSpPr>
+        <p:cNvPr id="1" name=""/>
+        <p:cNvGrpSpPr/>
+        <p:nvPr/>
+      </p:nvGrpSpPr>
+      <p:grpSpPr>
+        <a:xfrm>
+          <a:off x="0" y="0"/>
+          <a:ext cx="0" cy="0"/>
+          <a:chOff x="0" y="0"/>
+          <a:chExt cx="0" cy="0"/>
+        </a:xfrm>
+      </p:grpSpPr>
+      <p:sp>
+        <p:nvSpPr>
+          <p:cNvPr id="2" name="제목 1">
+            <a:extLst>
+              <a:ext uri="{FF2B5EF4-FFF2-40B4-BE49-F238E27FC236}">
+                <a16:creationId xmlns:a16="http://schemas.microsoft.com/office/drawing/2014/main" id="{94AFAF1F-1A14-4F41-BCF5-2404A17C91ED}"/>
+              </a:ext>
+            </a:extLst>
+          </p:cNvPr>
+          <p:cNvSpPr>
+            <a:spLocks noGrp="1"/>
+          </p:cNvSpPr>
+          <p:nvPr>
+            <p:ph type="title"/>
+          </p:nvPr>
+        </p:nvSpPr>
+        <p:spPr/>
+        <p:txBody>
+          <a:bodyPr/>
+          <a:lstStyle/>
+          <a:p>
+            <a:r>
+              <a:rPr lang="ko-KR" altLang="en-US" dirty="0"/>
+              <a:t>예제</a:t>
+            </a:r>
+          </a:p>
+        </p:txBody>
+      </p:sp>
+      <mc:AlternateContent xmlns:mc="http://schemas.openxmlformats.org/markup-compatibility/2006">
+        <mc:Choice xmlns:a14="http://schemas.microsoft.com/office/drawing/2010/main" Requires="a14">
+          <p:sp>
+            <p:nvSpPr>
+              <p:cNvPr id="3" name="내용 개체 틀 2">
+                <a:extLst>
+                  <a:ext uri="{FF2B5EF4-FFF2-40B4-BE49-F238E27FC236}">
+                    <a16:creationId xmlns:a16="http://schemas.microsoft.com/office/drawing/2014/main" id="{991B573B-D922-45B1-A11B-DE1EC8009A32}"/>
+                  </a:ext>
+                </a:extLst>
+              </p:cNvPr>
+              <p:cNvSpPr>
+                <a:spLocks noGrp="1"/>
+              </p:cNvSpPr>
+              <p:nvPr>
+                <p:ph idx="1"/>
+              </p:nvPr>
+            </p:nvSpPr>
+            <p:spPr/>
+            <p:txBody>
+              <a:bodyPr>
+                <a:normAutofit fontScale="70000" lnSpcReduction="20000"/>
+              </a:bodyPr>
+              <a:lstStyle/>
+              <a:p>
+                <a14:m>
+                  <m:oMath xmlns:m="http://schemas.openxmlformats.org/officeDocument/2006/math">
+                    <m:r>
+                      <a:rPr lang="en-US" altLang="ko-KR" sz="2000" b="0" i="1" smtClean="0">
+                        <a:latin typeface="Cambria Math" panose="02040503050406030204" pitchFamily="18" charset="0"/>
+                      </a:rPr>
+                      <m:t>3</m:t>
+                    </m:r>
+                    <m:r>
+                      <a:rPr lang="ko-KR" altLang="en-US" sz="2000" i="1">
+                        <a:latin typeface="Cambria Math" panose="02040503050406030204" pitchFamily="18" charset="0"/>
+                      </a:rPr>
+                      <m:t>항</m:t>
+                    </m:r>
+                  </m:oMath>
+                </a14:m>
+                <a:r>
+                  <a:rPr lang="ko-KR" altLang="en-US" sz="2000" dirty="0"/>
+                  <a:t> 밀도함수 </a:t>
+                </a:r>
+                <a14:m>
+                  <m:oMath xmlns:m="http://schemas.openxmlformats.org/officeDocument/2006/math">
+                    <m:r>
+                      <a:rPr lang="en-US" altLang="ko-KR" sz="2000" i="1">
+                        <a:latin typeface="Cambria Math" panose="02040503050406030204" pitchFamily="18" charset="0"/>
+                      </a:rPr>
+                      <m:t>𝑓</m:t>
+                    </m:r>
+                    <m:d>
+                      <m:dPr>
+                        <m:ctrlPr>
+                          <a:rPr lang="en-US" altLang="ko-KR" sz="2000" i="1">
+                            <a:latin typeface="Cambria Math" panose="02040503050406030204" pitchFamily="18" charset="0"/>
+                          </a:rPr>
+                        </m:ctrlPr>
+                      </m:dPr>
+                      <m:e>
+                        <m:sSub>
+                          <m:sSubPr>
+                            <m:ctrlPr>
+                              <a:rPr lang="ko-KR" altLang="en-US" sz="2000" i="1">
+                                <a:latin typeface="Cambria Math" panose="02040503050406030204" pitchFamily="18" charset="0"/>
+                              </a:rPr>
+                            </m:ctrlPr>
+                          </m:sSubPr>
+                          <m:e>
+                            <m:r>
+                              <a:rPr lang="ko-KR" altLang="en-US" sz="2000" i="1">
+                                <a:latin typeface="Cambria Math" panose="02040503050406030204" pitchFamily="18" charset="0"/>
+                              </a:rPr>
+                              <m:t>𝑥</m:t>
+                            </m:r>
+                          </m:e>
+                          <m:sub>
+                            <m:r>
+                              <a:rPr lang="ko-KR" altLang="en-US" sz="2000" i="1">
+                                <a:latin typeface="Cambria Math" panose="02040503050406030204" pitchFamily="18" charset="0"/>
+                              </a:rPr>
+                              <m:t>1</m:t>
+                            </m:r>
+                          </m:sub>
+                        </m:sSub>
+                        <m:r>
+                          <a:rPr lang="en-US" altLang="ko-KR" sz="2000" i="1">
+                            <a:latin typeface="Cambria Math" panose="02040503050406030204" pitchFamily="18" charset="0"/>
+                          </a:rPr>
+                          <m:t>,</m:t>
+                        </m:r>
+                        <m:sSub>
+                          <m:sSubPr>
+                            <m:ctrlPr>
+                              <a:rPr lang="ko-KR" altLang="en-US" sz="2000" i="1">
+                                <a:latin typeface="Cambria Math" panose="02040503050406030204" pitchFamily="18" charset="0"/>
+                              </a:rPr>
+                            </m:ctrlPr>
+                          </m:sSubPr>
+                          <m:e>
+                            <m:r>
+                              <a:rPr lang="ko-KR" altLang="en-US" sz="2000" i="1">
+                                <a:latin typeface="Cambria Math" panose="02040503050406030204" pitchFamily="18" charset="0"/>
+                              </a:rPr>
+                              <m:t>𝑥</m:t>
+                            </m:r>
+                          </m:e>
+                          <m:sub>
+                            <m:r>
+                              <a:rPr lang="en-US" altLang="ko-KR" sz="2000" i="1">
+                                <a:latin typeface="Cambria Math" panose="02040503050406030204" pitchFamily="18" charset="0"/>
+                              </a:rPr>
+                              <m:t>2</m:t>
+                            </m:r>
+                          </m:sub>
+                        </m:sSub>
+                        <m:r>
+                          <a:rPr lang="en-US" altLang="ko-KR" sz="2000" b="0" i="1" smtClean="0">
+                            <a:latin typeface="Cambria Math" panose="02040503050406030204" pitchFamily="18" charset="0"/>
+                          </a:rPr>
+                          <m:t>;</m:t>
+                        </m:r>
+                        <m:sSub>
+                          <m:sSubPr>
+                            <m:ctrlPr>
+                              <a:rPr lang="en-US" altLang="ko-KR" sz="2000" i="1">
+                                <a:latin typeface="Cambria Math" panose="02040503050406030204" pitchFamily="18" charset="0"/>
+                              </a:rPr>
+                            </m:ctrlPr>
+                          </m:sSubPr>
+                          <m:e>
+                            <m:r>
+                              <a:rPr lang="en-US" altLang="ko-KR" sz="2000" i="1">
+                                <a:latin typeface="Cambria Math" panose="02040503050406030204" pitchFamily="18" charset="0"/>
+                              </a:rPr>
+                              <m:t>𝑝</m:t>
+                            </m:r>
+                          </m:e>
+                          <m:sub>
+                            <m:r>
+                              <a:rPr lang="en-US" altLang="ko-KR" sz="2000" i="1">
+                                <a:latin typeface="Cambria Math" panose="02040503050406030204" pitchFamily="18" charset="0"/>
+                              </a:rPr>
+                              <m:t>1</m:t>
+                            </m:r>
+                          </m:sub>
+                        </m:sSub>
+                        <m:r>
+                          <a:rPr lang="en-US" altLang="ko-KR" sz="2000" b="0" i="1" smtClean="0">
+                            <a:latin typeface="Cambria Math" panose="02040503050406030204" pitchFamily="18" charset="0"/>
+                          </a:rPr>
+                          <m:t>,</m:t>
+                        </m:r>
+                        <m:sSub>
+                          <m:sSubPr>
+                            <m:ctrlPr>
+                              <a:rPr lang="en-US" altLang="ko-KR" sz="2000" i="1">
+                                <a:latin typeface="Cambria Math" panose="02040503050406030204" pitchFamily="18" charset="0"/>
+                              </a:rPr>
+                            </m:ctrlPr>
+                          </m:sSubPr>
+                          <m:e>
+                            <m:r>
+                              <a:rPr lang="en-US" altLang="ko-KR" sz="2000" i="1">
+                                <a:latin typeface="Cambria Math" panose="02040503050406030204" pitchFamily="18" charset="0"/>
+                              </a:rPr>
+                              <m:t>𝑝</m:t>
+                            </m:r>
+                          </m:e>
+                          <m:sub>
+                            <m:r>
+                              <a:rPr lang="en-US" altLang="ko-KR" sz="2000" i="1">
+                                <a:latin typeface="Cambria Math" panose="02040503050406030204" pitchFamily="18" charset="0"/>
+                              </a:rPr>
+                              <m:t>2</m:t>
+                            </m:r>
+                          </m:sub>
+                        </m:sSub>
+                      </m:e>
+                    </m:d>
+                    <m:r>
+                      <a:rPr lang="en-US" altLang="ko-KR" sz="2000" i="1">
+                        <a:latin typeface="Cambria Math" panose="02040503050406030204" pitchFamily="18" charset="0"/>
+                      </a:rPr>
+                      <m:t>=</m:t>
+                    </m:r>
+                    <m:r>
+                      <a:rPr lang="en-US" altLang="ko-KR" sz="2000" b="0" i="1" smtClean="0">
+                        <a:latin typeface="Cambria Math" panose="02040503050406030204" pitchFamily="18" charset="0"/>
+                      </a:rPr>
+                      <m:t> </m:t>
+                    </m:r>
+                    <m:sSup>
+                      <m:sSupPr>
+                        <m:ctrlPr>
+                          <a:rPr lang="en-US" altLang="ko-KR" sz="2000" b="0" i="1" smtClean="0">
+                            <a:latin typeface="Cambria Math" panose="02040503050406030204" pitchFamily="18" charset="0"/>
+                          </a:rPr>
+                        </m:ctrlPr>
+                      </m:sSupPr>
+                      <m:e>
+                        <m:sSub>
+                          <m:sSubPr>
+                            <m:ctrlPr>
+                              <a:rPr lang="en-US" altLang="ko-KR" sz="2000" i="1">
+                                <a:latin typeface="Cambria Math" panose="02040503050406030204" pitchFamily="18" charset="0"/>
+                              </a:rPr>
+                            </m:ctrlPr>
+                          </m:sSubPr>
+                          <m:e>
+                            <m:r>
+                              <a:rPr lang="en-US" altLang="ko-KR" sz="2000" i="1">
+                                <a:latin typeface="Cambria Math" panose="02040503050406030204" pitchFamily="18" charset="0"/>
+                              </a:rPr>
+                              <m:t>𝑝</m:t>
+                            </m:r>
+                          </m:e>
+                          <m:sub>
+                            <m:r>
+                              <a:rPr lang="en-US" altLang="ko-KR" sz="2000" i="1">
+                                <a:latin typeface="Cambria Math" panose="02040503050406030204" pitchFamily="18" charset="0"/>
+                              </a:rPr>
+                              <m:t>1</m:t>
+                            </m:r>
+                          </m:sub>
+                        </m:sSub>
+                      </m:e>
+                      <m:sup>
+                        <m:sSub>
+                          <m:sSubPr>
+                            <m:ctrlPr>
+                              <a:rPr lang="en-US" altLang="ko-KR" sz="2000" i="1">
+                                <a:latin typeface="Cambria Math" panose="02040503050406030204" pitchFamily="18" charset="0"/>
+                              </a:rPr>
+                            </m:ctrlPr>
+                          </m:sSubPr>
+                          <m:e>
+                            <m:r>
+                              <a:rPr lang="en-US" altLang="ko-KR" sz="2000" b="0" i="1" smtClean="0">
+                                <a:latin typeface="Cambria Math" panose="02040503050406030204" pitchFamily="18" charset="0"/>
+                              </a:rPr>
+                              <m:t>𝑥</m:t>
+                            </m:r>
+                          </m:e>
+                          <m:sub>
+                            <m:r>
+                              <a:rPr lang="en-US" altLang="ko-KR" sz="2000" i="1">
+                                <a:latin typeface="Cambria Math" panose="02040503050406030204" pitchFamily="18" charset="0"/>
+                              </a:rPr>
+                              <m:t>1</m:t>
+                            </m:r>
+                          </m:sub>
+                        </m:sSub>
+                      </m:sup>
+                    </m:sSup>
+                    <m:sSup>
+                      <m:sSupPr>
+                        <m:ctrlPr>
+                          <a:rPr lang="en-US" altLang="ko-KR" sz="2000" i="1">
+                            <a:latin typeface="Cambria Math" panose="02040503050406030204" pitchFamily="18" charset="0"/>
+                          </a:rPr>
+                        </m:ctrlPr>
+                      </m:sSupPr>
+                      <m:e>
+                        <m:sSub>
+                          <m:sSubPr>
+                            <m:ctrlPr>
+                              <a:rPr lang="en-US" altLang="ko-KR" sz="2000" i="1">
+                                <a:latin typeface="Cambria Math" panose="02040503050406030204" pitchFamily="18" charset="0"/>
+                              </a:rPr>
+                            </m:ctrlPr>
+                          </m:sSubPr>
+                          <m:e>
+                            <m:r>
+                              <a:rPr lang="en-US" altLang="ko-KR" sz="2000" i="1">
+                                <a:latin typeface="Cambria Math" panose="02040503050406030204" pitchFamily="18" charset="0"/>
+                              </a:rPr>
+                              <m:t>𝑝</m:t>
+                            </m:r>
+                          </m:e>
+                          <m:sub>
+                            <m:r>
+                              <a:rPr lang="en-US" altLang="ko-KR" sz="2000" b="0" i="1" smtClean="0">
+                                <a:latin typeface="Cambria Math" panose="02040503050406030204" pitchFamily="18" charset="0"/>
+                              </a:rPr>
+                              <m:t>2</m:t>
+                            </m:r>
+                          </m:sub>
+                        </m:sSub>
+                      </m:e>
+                      <m:sup>
+                        <m:sSub>
+                          <m:sSubPr>
+                            <m:ctrlPr>
+                              <a:rPr lang="en-US" altLang="ko-KR" sz="2000" i="1">
+                                <a:latin typeface="Cambria Math" panose="02040503050406030204" pitchFamily="18" charset="0"/>
+                              </a:rPr>
+                            </m:ctrlPr>
+                          </m:sSubPr>
+                          <m:e>
+                            <m:r>
+                              <a:rPr lang="en-US" altLang="ko-KR" sz="2000" i="1">
+                                <a:latin typeface="Cambria Math" panose="02040503050406030204" pitchFamily="18" charset="0"/>
+                              </a:rPr>
+                              <m:t>𝑥</m:t>
+                            </m:r>
+                          </m:e>
+                          <m:sub>
+                            <m:r>
+                              <a:rPr lang="en-US" altLang="ko-KR" sz="2000" b="0" i="1" smtClean="0">
+                                <a:latin typeface="Cambria Math" panose="02040503050406030204" pitchFamily="18" charset="0"/>
+                              </a:rPr>
+                              <m:t>2</m:t>
+                            </m:r>
+                          </m:sub>
+                        </m:sSub>
+                      </m:sup>
+                    </m:sSup>
+                    <m:sSup>
+                      <m:sSupPr>
+                        <m:ctrlPr>
+                          <a:rPr lang="en-US" altLang="ko-KR" sz="2000" i="1" smtClean="0">
+                            <a:latin typeface="Cambria Math" panose="02040503050406030204" pitchFamily="18" charset="0"/>
+                          </a:rPr>
+                        </m:ctrlPr>
+                      </m:sSupPr>
+                      <m:e>
+                        <m:r>
+                          <a:rPr lang="en-US" altLang="ko-KR" sz="2000" i="1">
+                            <a:latin typeface="Cambria Math" panose="02040503050406030204" pitchFamily="18" charset="0"/>
+                          </a:rPr>
+                          <m:t>(1−</m:t>
+                        </m:r>
+                        <m:sSub>
+                          <m:sSubPr>
+                            <m:ctrlPr>
+                              <a:rPr lang="en-US" altLang="ko-KR" sz="2000" i="1">
+                                <a:latin typeface="Cambria Math" panose="02040503050406030204" pitchFamily="18" charset="0"/>
+                              </a:rPr>
+                            </m:ctrlPr>
+                          </m:sSubPr>
+                          <m:e>
+                            <m:r>
+                              <a:rPr lang="en-US" altLang="ko-KR" sz="2000" i="1">
+                                <a:latin typeface="Cambria Math" panose="02040503050406030204" pitchFamily="18" charset="0"/>
+                              </a:rPr>
+                              <m:t>𝑝</m:t>
+                            </m:r>
+                          </m:e>
+                          <m:sub>
+                            <m:r>
+                              <a:rPr lang="en-US" altLang="ko-KR" sz="2000" i="1">
+                                <a:latin typeface="Cambria Math" panose="02040503050406030204" pitchFamily="18" charset="0"/>
+                              </a:rPr>
+                              <m:t>1</m:t>
+                            </m:r>
+                          </m:sub>
+                        </m:sSub>
+                        <m:r>
+                          <a:rPr lang="en-US" altLang="ko-KR" sz="2000" i="1">
+                            <a:latin typeface="Cambria Math" panose="02040503050406030204" pitchFamily="18" charset="0"/>
+                          </a:rPr>
+                          <m:t>−</m:t>
+                        </m:r>
+                        <m:sSub>
+                          <m:sSubPr>
+                            <m:ctrlPr>
+                              <a:rPr lang="en-US" altLang="ko-KR" sz="2000" i="1">
+                                <a:latin typeface="Cambria Math" panose="02040503050406030204" pitchFamily="18" charset="0"/>
+                              </a:rPr>
+                            </m:ctrlPr>
+                          </m:sSubPr>
+                          <m:e>
+                            <m:r>
+                              <a:rPr lang="en-US" altLang="ko-KR" sz="2000" i="1">
+                                <a:latin typeface="Cambria Math" panose="02040503050406030204" pitchFamily="18" charset="0"/>
+                              </a:rPr>
+                              <m:t>𝑝</m:t>
+                            </m:r>
+                          </m:e>
+                          <m:sub>
+                            <m:r>
+                              <a:rPr lang="en-US" altLang="ko-KR" sz="2000" i="1">
+                                <a:latin typeface="Cambria Math" panose="02040503050406030204" pitchFamily="18" charset="0"/>
+                              </a:rPr>
+                              <m:t>2</m:t>
+                            </m:r>
+                          </m:sub>
+                        </m:sSub>
+                        <m:r>
+                          <a:rPr lang="en-US" altLang="ko-KR" sz="2000" i="1">
+                            <a:latin typeface="Cambria Math" panose="02040503050406030204" pitchFamily="18" charset="0"/>
+                          </a:rPr>
+                          <m:t>)</m:t>
+                        </m:r>
+                      </m:e>
+                      <m:sup>
+                        <m:r>
+                          <a:rPr lang="en-US" altLang="ko-KR" sz="2000" b="0" i="1" smtClean="0">
+                            <a:latin typeface="Cambria Math" panose="02040503050406030204" pitchFamily="18" charset="0"/>
+                          </a:rPr>
+                          <m:t>(</m:t>
+                        </m:r>
+                        <m:r>
+                          <a:rPr lang="en-US" altLang="ko-KR" sz="2000" b="0" i="1" smtClean="0">
+                            <a:latin typeface="Cambria Math" panose="02040503050406030204" pitchFamily="18" charset="0"/>
+                          </a:rPr>
+                          <m:t>𝑛</m:t>
+                        </m:r>
+                        <m:r>
+                          <a:rPr lang="en-US" altLang="ko-KR" sz="2000" b="0" i="1" smtClean="0">
+                            <a:latin typeface="Cambria Math" panose="02040503050406030204" pitchFamily="18" charset="0"/>
+                          </a:rPr>
+                          <m:t>−</m:t>
+                        </m:r>
+                        <m:sSub>
+                          <m:sSubPr>
+                            <m:ctrlPr>
+                              <a:rPr lang="en-US" altLang="ko-KR" sz="2000" i="1">
+                                <a:latin typeface="Cambria Math" panose="02040503050406030204" pitchFamily="18" charset="0"/>
+                              </a:rPr>
+                            </m:ctrlPr>
+                          </m:sSubPr>
+                          <m:e>
+                            <m:r>
+                              <a:rPr lang="en-US" altLang="ko-KR" sz="2000" i="1">
+                                <a:latin typeface="Cambria Math" panose="02040503050406030204" pitchFamily="18" charset="0"/>
+                              </a:rPr>
+                              <m:t>𝑥</m:t>
+                            </m:r>
+                          </m:e>
+                          <m:sub>
+                            <m:r>
+                              <a:rPr lang="en-US" altLang="ko-KR" sz="2000" i="1">
+                                <a:latin typeface="Cambria Math" panose="02040503050406030204" pitchFamily="18" charset="0"/>
+                              </a:rPr>
+                              <m:t>1</m:t>
+                            </m:r>
+                          </m:sub>
+                        </m:sSub>
+                        <m:r>
+                          <a:rPr lang="en-US" altLang="ko-KR" sz="2000" b="0" i="1" smtClean="0">
+                            <a:latin typeface="Cambria Math" panose="02040503050406030204" pitchFamily="18" charset="0"/>
+                          </a:rPr>
+                          <m:t>−</m:t>
+                        </m:r>
+                        <m:sSub>
+                          <m:sSubPr>
+                            <m:ctrlPr>
+                              <a:rPr lang="en-US" altLang="ko-KR" sz="2000" i="1">
+                                <a:latin typeface="Cambria Math" panose="02040503050406030204" pitchFamily="18" charset="0"/>
+                              </a:rPr>
+                            </m:ctrlPr>
+                          </m:sSubPr>
+                          <m:e>
+                            <m:r>
+                              <a:rPr lang="en-US" altLang="ko-KR" sz="2000" i="1">
+                                <a:latin typeface="Cambria Math" panose="02040503050406030204" pitchFamily="18" charset="0"/>
+                              </a:rPr>
+                              <m:t>𝑥</m:t>
+                            </m:r>
+                          </m:e>
+                          <m:sub>
+                            <m:r>
+                              <a:rPr lang="en-US" altLang="ko-KR" sz="2000" i="1">
+                                <a:latin typeface="Cambria Math" panose="02040503050406030204" pitchFamily="18" charset="0"/>
+                              </a:rPr>
+                              <m:t>2</m:t>
+                            </m:r>
+                          </m:sub>
+                        </m:sSub>
+                        <m:r>
+                          <a:rPr lang="en-US" altLang="ko-KR" sz="2000" b="0" i="1" smtClean="0">
+                            <a:latin typeface="Cambria Math" panose="02040503050406030204" pitchFamily="18" charset="0"/>
+                          </a:rPr>
+                          <m:t>)</m:t>
+                        </m:r>
+                      </m:sup>
+                    </m:sSup>
+                  </m:oMath>
+                </a14:m>
+                <a:r>
+                  <a:rPr lang="ko-KR" altLang="en-US" sz="2000" dirty="0"/>
+                  <a:t>이라고 할 때 </a:t>
+                </a:r>
+                <a:endParaRPr lang="en-US" altLang="ko-KR" sz="2000" dirty="0"/>
+              </a:p>
+              <a:p>
+                <a:r>
+                  <a:rPr lang="en-US" altLang="ko-KR" sz="2000" dirty="0"/>
+                  <a:t>[</a:t>
+                </a:r>
+                <a14:m>
+                  <m:oMath xmlns:m="http://schemas.openxmlformats.org/officeDocument/2006/math">
+                    <m:sSub>
+                      <m:sSubPr>
+                        <m:ctrlPr>
+                          <a:rPr lang="ko-KR" altLang="en-US" sz="2000" i="1">
+                            <a:latin typeface="Cambria Math" panose="02040503050406030204" pitchFamily="18" charset="0"/>
+                          </a:rPr>
+                        </m:ctrlPr>
+                      </m:sSubPr>
+                      <m:e>
+                        <m:r>
+                          <a:rPr lang="en-US" altLang="ko-KR" sz="2000" b="0" i="1" smtClean="0">
+                            <a:latin typeface="Cambria Math" panose="02040503050406030204" pitchFamily="18" charset="0"/>
+                          </a:rPr>
+                          <m:t>(</m:t>
+                        </m:r>
+                        <m:r>
+                          <a:rPr lang="ko-KR" altLang="en-US" sz="2000" i="1">
+                            <a:latin typeface="Cambria Math" panose="02040503050406030204" pitchFamily="18" charset="0"/>
+                          </a:rPr>
+                          <m:t>𝑥</m:t>
+                        </m:r>
+                      </m:e>
+                      <m:sub>
+                        <m:r>
+                          <a:rPr lang="ko-KR" altLang="en-US" sz="2000" i="1">
+                            <a:latin typeface="Cambria Math" panose="02040503050406030204" pitchFamily="18" charset="0"/>
+                          </a:rPr>
+                          <m:t>1</m:t>
+                        </m:r>
+                        <m:r>
+                          <a:rPr lang="en-US" altLang="ko-KR" sz="2000" b="0" i="1" smtClean="0">
+                            <a:latin typeface="Cambria Math" panose="02040503050406030204" pitchFamily="18" charset="0"/>
+                          </a:rPr>
+                          <m:t>1</m:t>
+                        </m:r>
+                      </m:sub>
+                    </m:sSub>
+                    <m:r>
+                      <a:rPr lang="en-US" altLang="ko-KR" sz="2000" i="1">
+                        <a:latin typeface="Cambria Math" panose="02040503050406030204" pitchFamily="18" charset="0"/>
+                      </a:rPr>
+                      <m:t>,</m:t>
+                    </m:r>
+                    <m:sSub>
+                      <m:sSubPr>
+                        <m:ctrlPr>
+                          <a:rPr lang="ko-KR" altLang="en-US" sz="2000" i="1">
+                            <a:latin typeface="Cambria Math" panose="02040503050406030204" pitchFamily="18" charset="0"/>
+                          </a:rPr>
+                        </m:ctrlPr>
+                      </m:sSubPr>
+                      <m:e>
+                        <m:r>
+                          <a:rPr lang="ko-KR" altLang="en-US" sz="2000" i="1">
+                            <a:latin typeface="Cambria Math" panose="02040503050406030204" pitchFamily="18" charset="0"/>
+                          </a:rPr>
+                          <m:t>𝑥</m:t>
+                        </m:r>
+                      </m:e>
+                      <m:sub>
+                        <m:r>
+                          <a:rPr lang="en-US" altLang="ko-KR" sz="2000" i="1">
+                            <a:latin typeface="Cambria Math" panose="02040503050406030204" pitchFamily="18" charset="0"/>
+                          </a:rPr>
+                          <m:t>2</m:t>
+                        </m:r>
+                        <m:r>
+                          <a:rPr lang="en-US" altLang="ko-KR" sz="2000" b="0" i="1" smtClean="0">
+                            <a:latin typeface="Cambria Math" panose="02040503050406030204" pitchFamily="18" charset="0"/>
+                          </a:rPr>
+                          <m:t>1</m:t>
+                        </m:r>
+                      </m:sub>
+                    </m:sSub>
+                    <m:r>
+                      <a:rPr lang="en-US" altLang="ko-KR" sz="2000" b="0" i="1" smtClean="0">
+                        <a:latin typeface="Cambria Math" panose="02040503050406030204" pitchFamily="18" charset="0"/>
+                      </a:rPr>
+                      <m:t>),</m:t>
+                    </m:r>
+                    <m:r>
+                      <a:rPr lang="en-US" altLang="ko-KR" sz="2000" b="0" i="1" smtClean="0">
+                        <a:latin typeface="Cambria Math" panose="02040503050406030204" pitchFamily="18" charset="0"/>
+                        <a:ea typeface="Cambria Math" panose="02040503050406030204" pitchFamily="18" charset="0"/>
+                      </a:rPr>
+                      <m:t>⋯,</m:t>
+                    </m:r>
+                  </m:oMath>
+                </a14:m>
+                <a:r>
+                  <a:rPr lang="ko-KR" altLang="en-US" sz="2000" dirty="0"/>
+                  <a:t> </a:t>
+                </a:r>
+                <a14:m>
+                  <m:oMath xmlns:m="http://schemas.openxmlformats.org/officeDocument/2006/math">
+                    <m:sSub>
+                      <m:sSubPr>
+                        <m:ctrlPr>
+                          <a:rPr lang="ko-KR" altLang="en-US" sz="2000" i="1">
+                            <a:latin typeface="Cambria Math" panose="02040503050406030204" pitchFamily="18" charset="0"/>
+                          </a:rPr>
+                        </m:ctrlPr>
+                      </m:sSubPr>
+                      <m:e>
+                        <m:r>
+                          <a:rPr lang="en-US" altLang="ko-KR" sz="2000" i="1">
+                            <a:latin typeface="Cambria Math" panose="02040503050406030204" pitchFamily="18" charset="0"/>
+                          </a:rPr>
+                          <m:t>(</m:t>
+                        </m:r>
+                        <m:r>
+                          <a:rPr lang="ko-KR" altLang="en-US" sz="2000" i="1">
+                            <a:latin typeface="Cambria Math" panose="02040503050406030204" pitchFamily="18" charset="0"/>
+                          </a:rPr>
+                          <m:t>𝑥</m:t>
+                        </m:r>
+                      </m:e>
+                      <m:sub>
+                        <m:r>
+                          <a:rPr lang="ko-KR" altLang="en-US" sz="2000" i="1">
+                            <a:latin typeface="Cambria Math" panose="02040503050406030204" pitchFamily="18" charset="0"/>
+                          </a:rPr>
+                          <m:t>1</m:t>
+                        </m:r>
+                        <m:r>
+                          <a:rPr lang="en-US" altLang="ko-KR" sz="2000" b="0" i="1" smtClean="0">
+                            <a:latin typeface="Cambria Math" panose="02040503050406030204" pitchFamily="18" charset="0"/>
+                          </a:rPr>
+                          <m:t>𝑛</m:t>
+                        </m:r>
+                      </m:sub>
+                    </m:sSub>
+                    <m:r>
+                      <a:rPr lang="en-US" altLang="ko-KR" sz="2000" i="1">
+                        <a:latin typeface="Cambria Math" panose="02040503050406030204" pitchFamily="18" charset="0"/>
+                      </a:rPr>
+                      <m:t>,</m:t>
+                    </m:r>
+                    <m:sSub>
+                      <m:sSubPr>
+                        <m:ctrlPr>
+                          <a:rPr lang="ko-KR" altLang="en-US" sz="2000" i="1">
+                            <a:latin typeface="Cambria Math" panose="02040503050406030204" pitchFamily="18" charset="0"/>
+                          </a:rPr>
+                        </m:ctrlPr>
+                      </m:sSubPr>
+                      <m:e>
+                        <m:r>
+                          <a:rPr lang="ko-KR" altLang="en-US" sz="2000" i="1">
+                            <a:latin typeface="Cambria Math" panose="02040503050406030204" pitchFamily="18" charset="0"/>
+                          </a:rPr>
+                          <m:t>𝑥</m:t>
+                        </m:r>
+                      </m:e>
+                      <m:sub>
+                        <m:r>
+                          <a:rPr lang="en-US" altLang="ko-KR" sz="2000" i="1">
+                            <a:latin typeface="Cambria Math" panose="02040503050406030204" pitchFamily="18" charset="0"/>
+                          </a:rPr>
+                          <m:t>2</m:t>
+                        </m:r>
+                        <m:r>
+                          <a:rPr lang="en-US" altLang="ko-KR" sz="2000" b="0" i="1" smtClean="0">
+                            <a:latin typeface="Cambria Math" panose="02040503050406030204" pitchFamily="18" charset="0"/>
+                          </a:rPr>
+                          <m:t>𝑛</m:t>
+                        </m:r>
+                      </m:sub>
+                    </m:sSub>
+                    <m:r>
+                      <a:rPr lang="en-US" altLang="ko-KR" sz="2000" i="1">
+                        <a:latin typeface="Cambria Math" panose="02040503050406030204" pitchFamily="18" charset="0"/>
+                      </a:rPr>
+                      <m:t>)</m:t>
+                    </m:r>
+                  </m:oMath>
+                </a14:m>
+                <a:r>
+                  <a:rPr lang="en-US" altLang="ko-KR" sz="2000" dirty="0"/>
+                  <a:t>]</a:t>
+                </a:r>
+                <a:r>
+                  <a:rPr lang="ko-KR" altLang="en-US" sz="2000" dirty="0"/>
+                  <a:t>을 이 분포에서 추출한 확률표본이라고 하자</a:t>
+                </a:r>
+                <a:r>
+                  <a:rPr lang="en-US" altLang="ko-KR" sz="2000" dirty="0"/>
+                  <a:t>.</a:t>
+                </a:r>
+                <a:br>
+                  <a:rPr lang="en-US" altLang="ko-KR" sz="2000" dirty="0"/>
+                </a:br>
+                <a:br>
+                  <a:rPr lang="en-US" altLang="ko-KR" sz="2000" dirty="0"/>
+                </a:br>
+                <a:r>
+                  <a:rPr lang="ko-KR" altLang="en-US" sz="2000" dirty="0"/>
+                  <a:t> </a:t>
+                </a:r>
+                <a14:m>
+                  <m:oMath xmlns:m="http://schemas.openxmlformats.org/officeDocument/2006/math">
+                    <m:sSub>
+                      <m:sSubPr>
+                        <m:ctrlPr>
+                          <a:rPr lang="en-US" altLang="ko-KR" sz="2000" b="0" i="1" smtClean="0">
+                            <a:latin typeface="Cambria Math" panose="02040503050406030204" pitchFamily="18" charset="0"/>
+                          </a:rPr>
+                        </m:ctrlPr>
+                      </m:sSubPr>
+                      <m:e>
+                        <m:r>
+                          <a:rPr lang="en-US" altLang="ko-KR" sz="2000" b="0" i="1" smtClean="0">
+                            <a:latin typeface="Cambria Math" panose="02040503050406030204" pitchFamily="18" charset="0"/>
+                          </a:rPr>
+                          <m:t>𝐻</m:t>
+                        </m:r>
+                      </m:e>
+                      <m:sub>
+                        <m:r>
+                          <a:rPr lang="en-US" altLang="ko-KR" sz="2000" b="0" i="1" smtClean="0">
+                            <a:latin typeface="Cambria Math" panose="02040503050406030204" pitchFamily="18" charset="0"/>
+                          </a:rPr>
+                          <m:t>0</m:t>
+                        </m:r>
+                      </m:sub>
+                    </m:sSub>
+                  </m:oMath>
+                </a14:m>
+                <a:r>
+                  <a:rPr lang="ko-KR" altLang="en-US" sz="2000" dirty="0"/>
+                  <a:t> </a:t>
+                </a:r>
+                <a:r>
+                  <a:rPr lang="en-US" altLang="ko-KR" sz="2000" dirty="0"/>
+                  <a:t>: </a:t>
+                </a:r>
+                <a14:m>
+                  <m:oMath xmlns:m="http://schemas.openxmlformats.org/officeDocument/2006/math">
+                    <m:sSub>
+                      <m:sSubPr>
+                        <m:ctrlPr>
+                          <a:rPr lang="en-US" altLang="ko-KR" sz="2000" i="1">
+                            <a:latin typeface="Cambria Math" panose="02040503050406030204" pitchFamily="18" charset="0"/>
+                          </a:rPr>
+                        </m:ctrlPr>
+                      </m:sSubPr>
+                      <m:e>
+                        <m:r>
+                          <a:rPr lang="en-US" altLang="ko-KR" sz="2000" b="0" i="1" smtClean="0">
+                            <a:latin typeface="Cambria Math" panose="02040503050406030204" pitchFamily="18" charset="0"/>
+                          </a:rPr>
+                          <m:t>𝑝</m:t>
+                        </m:r>
+                      </m:e>
+                      <m:sub>
+                        <m:r>
+                          <a:rPr lang="en-US" altLang="ko-KR" sz="2000" b="0" i="1" smtClean="0">
+                            <a:latin typeface="Cambria Math" panose="02040503050406030204" pitchFamily="18" charset="0"/>
+                          </a:rPr>
+                          <m:t>1</m:t>
+                        </m:r>
+                      </m:sub>
+                    </m:sSub>
+                  </m:oMath>
+                </a14:m>
+                <a:r>
+                  <a:rPr lang="en-US" altLang="ko-KR" sz="2000" dirty="0"/>
+                  <a:t>=</a:t>
+                </a:r>
+                <a:r>
+                  <a:rPr lang="ko-KR" altLang="en-US" sz="2000" dirty="0"/>
+                  <a:t> </a:t>
+                </a:r>
+                <a14:m>
+                  <m:oMath xmlns:m="http://schemas.openxmlformats.org/officeDocument/2006/math">
+                    <m:sSub>
+                      <m:sSubPr>
+                        <m:ctrlPr>
+                          <a:rPr lang="en-US" altLang="ko-KR" sz="2000" i="1">
+                            <a:latin typeface="Cambria Math" panose="02040503050406030204" pitchFamily="18" charset="0"/>
+                          </a:rPr>
+                        </m:ctrlPr>
+                      </m:sSubPr>
+                      <m:e>
+                        <m:r>
+                          <a:rPr lang="en-US" altLang="ko-KR" sz="2000" i="1">
+                            <a:latin typeface="Cambria Math" panose="02040503050406030204" pitchFamily="18" charset="0"/>
+                          </a:rPr>
+                          <m:t>𝑝</m:t>
+                        </m:r>
+                      </m:e>
+                      <m:sub>
+                        <m:r>
+                          <a:rPr lang="en-US" altLang="ko-KR" sz="2000" b="0" i="1" smtClean="0">
+                            <a:latin typeface="Cambria Math" panose="02040503050406030204" pitchFamily="18" charset="0"/>
+                          </a:rPr>
+                          <m:t>2</m:t>
+                        </m:r>
+                      </m:sub>
+                    </m:sSub>
+                    <m:r>
+                      <a:rPr lang="en-US" altLang="ko-KR" sz="2000" i="1">
+                        <a:latin typeface="Cambria Math" panose="02040503050406030204" pitchFamily="18" charset="0"/>
+                      </a:rPr>
+                      <m:t> </m:t>
+                    </m:r>
+                  </m:oMath>
+                </a14:m>
+                <a:r>
+                  <a:rPr lang="en-US" altLang="ko-KR" sz="2000" dirty="0"/>
+                  <a:t>VS </a:t>
+                </a:r>
+                <a14:m>
+                  <m:oMath xmlns:m="http://schemas.openxmlformats.org/officeDocument/2006/math">
+                    <m:sSub>
+                      <m:sSubPr>
+                        <m:ctrlPr>
+                          <a:rPr lang="en-US" altLang="ko-KR" sz="2000" b="0" i="1" smtClean="0">
+                            <a:latin typeface="Cambria Math" panose="02040503050406030204" pitchFamily="18" charset="0"/>
+                          </a:rPr>
+                        </m:ctrlPr>
+                      </m:sSubPr>
+                      <m:e>
+                        <m:r>
+                          <a:rPr lang="en-US" altLang="ko-KR" sz="2000" b="0" i="1" smtClean="0">
+                            <a:latin typeface="Cambria Math" panose="02040503050406030204" pitchFamily="18" charset="0"/>
+                          </a:rPr>
+                          <m:t>𝐻</m:t>
+                        </m:r>
+                      </m:e>
+                      <m:sub>
+                        <m:r>
+                          <a:rPr lang="en-US" altLang="ko-KR" sz="2000" b="0" i="1" smtClean="0">
+                            <a:latin typeface="Cambria Math" panose="02040503050406030204" pitchFamily="18" charset="0"/>
+                          </a:rPr>
+                          <m:t>1</m:t>
+                        </m:r>
+                      </m:sub>
+                    </m:sSub>
+                  </m:oMath>
+                </a14:m>
+                <a:r>
+                  <a:rPr lang="ko-KR" altLang="en-US" sz="2000" dirty="0"/>
+                  <a:t> </a:t>
+                </a:r>
+                <a:r>
+                  <a:rPr lang="en-US" altLang="ko-KR" sz="2000" dirty="0"/>
+                  <a:t>:</a:t>
+                </a:r>
+                <a14:m>
+                  <m:oMath xmlns:m="http://schemas.openxmlformats.org/officeDocument/2006/math">
+                    <m:sSub>
+                      <m:sSubPr>
+                        <m:ctrlPr>
+                          <a:rPr lang="en-US" altLang="ko-KR" sz="2000" i="1">
+                            <a:latin typeface="Cambria Math" panose="02040503050406030204" pitchFamily="18" charset="0"/>
+                          </a:rPr>
+                        </m:ctrlPr>
+                      </m:sSubPr>
+                      <m:e>
+                        <m:r>
+                          <a:rPr lang="en-US" altLang="ko-KR" sz="2000" i="1">
+                            <a:latin typeface="Cambria Math" panose="02040503050406030204" pitchFamily="18" charset="0"/>
+                          </a:rPr>
+                          <m:t>𝑝</m:t>
+                        </m:r>
+                      </m:e>
+                      <m:sub>
+                        <m:r>
+                          <a:rPr lang="en-US" altLang="ko-KR" sz="2000" i="1">
+                            <a:latin typeface="Cambria Math" panose="02040503050406030204" pitchFamily="18" charset="0"/>
+                          </a:rPr>
+                          <m:t>1</m:t>
+                        </m:r>
+                      </m:sub>
+                    </m:sSub>
+                    <m:r>
+                      <a:rPr lang="ko-KR" altLang="en-US" sz="2000" i="1" dirty="0" smtClean="0">
+                        <a:latin typeface="Cambria Math" panose="02040503050406030204" pitchFamily="18" charset="0"/>
+                      </a:rPr>
+                      <m:t>≠</m:t>
+                    </m:r>
+                    <m:sSub>
+                      <m:sSubPr>
+                        <m:ctrlPr>
+                          <a:rPr lang="en-US" altLang="ko-KR" sz="2000" i="1">
+                            <a:latin typeface="Cambria Math" panose="02040503050406030204" pitchFamily="18" charset="0"/>
+                          </a:rPr>
+                        </m:ctrlPr>
+                      </m:sSubPr>
+                      <m:e>
+                        <m:r>
+                          <a:rPr lang="en-US" altLang="ko-KR" sz="2000" i="1">
+                            <a:latin typeface="Cambria Math" panose="02040503050406030204" pitchFamily="18" charset="0"/>
+                          </a:rPr>
+                          <m:t>𝑝</m:t>
+                        </m:r>
+                      </m:e>
+                      <m:sub>
+                        <m:r>
+                          <a:rPr lang="en-US" altLang="ko-KR" sz="2000" i="1">
+                            <a:latin typeface="Cambria Math" panose="02040503050406030204" pitchFamily="18" charset="0"/>
+                          </a:rPr>
+                          <m:t>2</m:t>
+                        </m:r>
+                      </m:sub>
+                    </m:sSub>
+                    <m:r>
+                      <a:rPr lang="ko-KR" altLang="en-US" sz="2000" i="1">
+                        <a:latin typeface="Cambria Math" panose="02040503050406030204" pitchFamily="18" charset="0"/>
+                      </a:rPr>
+                      <m:t>를</m:t>
+                    </m:r>
+                  </m:oMath>
+                </a14:m>
+                <a:r>
+                  <a:rPr lang="en-US" altLang="ko-KR" sz="2000" dirty="0"/>
+                  <a:t> </a:t>
+                </a:r>
+                <a:r>
+                  <a:rPr lang="ko-KR" altLang="en-US" sz="2000" dirty="0"/>
+                  <a:t>검증하면</a:t>
+                </a:r>
+                <a:endParaRPr lang="en-US" altLang="ko-KR" sz="2000" dirty="0"/>
+              </a:p>
+              <a:p>
+                <a:pPr marL="457200" indent="-457200">
+                  <a:buAutoNum type="arabicPeriod"/>
+                </a:pPr>
+                <a14:m>
+                  <m:oMath xmlns:m="http://schemas.openxmlformats.org/officeDocument/2006/math">
+                    <m:sSub>
+                      <m:sSubPr>
+                        <m:ctrlPr>
+                          <a:rPr lang="en-US" altLang="ko-KR" sz="2000" i="1" dirty="0" smtClean="0">
+                            <a:latin typeface="Cambria Math" panose="02040503050406030204" pitchFamily="18" charset="0"/>
+                          </a:rPr>
+                        </m:ctrlPr>
+                      </m:sSubPr>
+                      <m:e>
+                        <m:r>
+                          <a:rPr lang="en-US" altLang="ko-KR" sz="2000" i="1" dirty="0">
+                            <a:latin typeface="Cambria Math" panose="02040503050406030204" pitchFamily="18" charset="0"/>
+                          </a:rPr>
+                          <m:t>𝑇</m:t>
+                        </m:r>
+                      </m:e>
+                      <m:sub>
+                        <m:r>
+                          <a:rPr lang="en-US" altLang="ko-KR" sz="2000" b="0" i="1" dirty="0" smtClean="0">
+                            <a:latin typeface="Cambria Math" panose="02040503050406030204" pitchFamily="18" charset="0"/>
+                          </a:rPr>
+                          <m:t>𝑗</m:t>
+                        </m:r>
+                      </m:sub>
+                    </m:sSub>
+                  </m:oMath>
+                </a14:m>
+                <a:r>
+                  <a:rPr lang="en-US" altLang="ko-KR" sz="2000" dirty="0"/>
+                  <a:t>=</a:t>
+                </a:r>
+                <a14:m>
+                  <m:oMath xmlns:m="http://schemas.openxmlformats.org/officeDocument/2006/math">
+                    <m:r>
+                      <a:rPr lang="en-US" altLang="ko-KR" sz="2000" i="1" dirty="0" smtClean="0">
+                        <a:latin typeface="Cambria Math" panose="02040503050406030204" pitchFamily="18" charset="0"/>
+                      </a:rPr>
+                      <m:t>𝛴</m:t>
+                    </m:r>
+                    <m:sSub>
+                      <m:sSubPr>
+                        <m:ctrlPr>
+                          <a:rPr lang="en-US" altLang="ko-KR" sz="2000" i="1" dirty="0" smtClean="0">
+                            <a:latin typeface="Cambria Math" panose="02040503050406030204" pitchFamily="18" charset="0"/>
+                          </a:rPr>
+                        </m:ctrlPr>
+                      </m:sSubPr>
+                      <m:e>
+                        <m:r>
+                          <a:rPr lang="en-US" altLang="ko-KR" sz="2000" i="1" dirty="0" smtClean="0">
+                            <a:latin typeface="Cambria Math" panose="02040503050406030204" pitchFamily="18" charset="0"/>
+                          </a:rPr>
+                          <m:t>𝑥</m:t>
+                        </m:r>
+                      </m:e>
+                      <m:sub>
+                        <m:r>
+                          <a:rPr lang="en-US" altLang="ko-KR" sz="2000" b="0" i="1" dirty="0" smtClean="0">
+                            <a:latin typeface="Cambria Math" panose="02040503050406030204" pitchFamily="18" charset="0"/>
+                          </a:rPr>
+                          <m:t>𝑗</m:t>
+                        </m:r>
+                        <m:r>
+                          <a:rPr lang="en-US" altLang="ko-KR" sz="2000" i="1" dirty="0" smtClean="0">
+                            <a:latin typeface="Cambria Math" panose="02040503050406030204" pitchFamily="18" charset="0"/>
+                          </a:rPr>
+                          <m:t>𝑖</m:t>
+                        </m:r>
+                      </m:sub>
+                    </m:sSub>
+                  </m:oMath>
+                </a14:m>
+                <a:r>
+                  <a:rPr lang="en-US" altLang="ko-KR" sz="2000" dirty="0"/>
+                  <a:t> </a:t>
+                </a:r>
+                <a:r>
+                  <a:rPr lang="ko-KR" altLang="en-US" sz="2000" dirty="0"/>
+                  <a:t>라고 하면</a:t>
+                </a:r>
+                <a:r>
+                  <a:rPr lang="en-US" altLang="ko-KR" sz="2000" dirty="0"/>
+                  <a:t>, </a:t>
+                </a:r>
+                <a:r>
+                  <a:rPr lang="ko-KR" altLang="en-US" sz="2000" dirty="0"/>
+                  <a:t>이 때</a:t>
+                </a:r>
+                <a:endParaRPr lang="en-US" altLang="ko-KR" sz="2000" dirty="0"/>
+              </a:p>
+              <a:p>
+                <a:pPr marL="457200" indent="-457200">
+                  <a:buAutoNum type="arabicParenR"/>
+                </a:pPr>
+                <a14:m>
+                  <m:oMath xmlns:m="http://schemas.openxmlformats.org/officeDocument/2006/math">
+                    <m:r>
+                      <a:rPr lang="en-US" altLang="ko-KR" sz="2000" i="1">
+                        <a:latin typeface="Cambria Math" panose="02040503050406030204" pitchFamily="18" charset="0"/>
+                      </a:rPr>
+                      <m:t>𝐿</m:t>
+                    </m:r>
+                    <m:d>
+                      <m:dPr>
+                        <m:ctrlPr>
+                          <a:rPr lang="en-US" altLang="ko-KR" sz="2000" i="1">
+                            <a:latin typeface="Cambria Math" panose="02040503050406030204" pitchFamily="18" charset="0"/>
+                          </a:rPr>
+                        </m:ctrlPr>
+                      </m:dPr>
+                      <m:e>
+                        <m:acc>
+                          <m:accPr>
+                            <m:chr m:val="̂"/>
+                            <m:ctrlPr>
+                              <a:rPr lang="en-US" altLang="ko-KR" sz="2000" i="1">
+                                <a:latin typeface="Cambria Math" panose="02040503050406030204" pitchFamily="18" charset="0"/>
+                              </a:rPr>
+                            </m:ctrlPr>
+                          </m:accPr>
+                          <m:e>
+                            <m:r>
+                              <a:rPr lang="ko-KR" altLang="en-US" sz="2000" i="1">
+                                <a:latin typeface="Cambria Math" panose="02040503050406030204" pitchFamily="18" charset="0"/>
+                              </a:rPr>
+                              <m:t>𝛺</m:t>
+                            </m:r>
+                          </m:e>
+                        </m:acc>
+                      </m:e>
+                    </m:d>
+                    <m:r>
+                      <a:rPr lang="ko-KR" altLang="en-US" sz="2000" i="1">
+                        <a:latin typeface="Cambria Math" panose="02040503050406030204" pitchFamily="18" charset="0"/>
+                      </a:rPr>
+                      <m:t> </m:t>
+                    </m:r>
+                  </m:oMath>
+                </a14:m>
+                <a:r>
+                  <a:rPr lang="ko-KR" altLang="en-US" sz="2000" dirty="0" err="1"/>
+                  <a:t>를</a:t>
+                </a:r>
+                <a:r>
+                  <a:rPr lang="ko-KR" altLang="en-US" sz="2000" dirty="0"/>
+                  <a:t> 구하면</a:t>
+                </a:r>
+                <a:endParaRPr lang="en-US" altLang="ko-KR" sz="2000" dirty="0"/>
+              </a:p>
+              <a:p>
+                <a:pPr marL="0" indent="0">
+                  <a:buNone/>
+                </a:pPr>
+                <a:r>
+                  <a:rPr lang="en-US" altLang="ko-KR" sz="2000" dirty="0"/>
+                  <a:t>(1) 1)</a:t>
+                </a:r>
+                <a14:m>
+                  <m:oMath xmlns:m="http://schemas.openxmlformats.org/officeDocument/2006/math">
+                    <m:sSub>
+                      <m:sSubPr>
+                        <m:ctrlPr>
+                          <a:rPr lang="en-US" altLang="ko-KR" sz="2000" i="1">
+                            <a:latin typeface="Cambria Math" panose="02040503050406030204" pitchFamily="18" charset="0"/>
+                          </a:rPr>
+                        </m:ctrlPr>
+                      </m:sSubPr>
+                      <m:e>
+                        <m:acc>
+                          <m:accPr>
+                            <m:chr m:val="̂"/>
+                            <m:ctrlPr>
+                              <a:rPr lang="en-US" altLang="ko-KR" sz="2000" i="1">
+                                <a:latin typeface="Cambria Math" panose="02040503050406030204" pitchFamily="18" charset="0"/>
+                              </a:rPr>
+                            </m:ctrlPr>
+                          </m:accPr>
+                          <m:e>
+                            <m:r>
+                              <a:rPr lang="en-US" altLang="ko-KR" sz="2000" i="1">
+                                <a:latin typeface="Cambria Math" panose="02040503050406030204" pitchFamily="18" charset="0"/>
+                              </a:rPr>
+                              <m:t>𝑝</m:t>
+                            </m:r>
+                          </m:e>
+                        </m:acc>
+                      </m:e>
+                      <m:sub>
+                        <m:r>
+                          <a:rPr lang="en-US" altLang="ko-KR" sz="2000" i="1">
+                            <a:latin typeface="Cambria Math" panose="02040503050406030204" pitchFamily="18" charset="0"/>
+                          </a:rPr>
+                          <m:t>𝑚𝑙𝑒</m:t>
+                        </m:r>
+                      </m:sub>
+                    </m:sSub>
+                  </m:oMath>
+                </a14:m>
+                <a:r>
+                  <a:rPr lang="en-US" altLang="ko-KR" sz="2000" i="1" dirty="0">
+                    <a:latin typeface="Cambria Math" panose="02040503050406030204" pitchFamily="18" charset="0"/>
+                  </a:rPr>
+                  <a:t>= </a:t>
+                </a:r>
+                <a14:m>
+                  <m:oMath xmlns:m="http://schemas.openxmlformats.org/officeDocument/2006/math">
+                    <m:f>
+                      <m:fPr>
+                        <m:ctrlPr>
+                          <a:rPr lang="en-US" altLang="ko-KR" sz="2000" i="1" dirty="0">
+                            <a:latin typeface="Cambria Math" panose="02040503050406030204" pitchFamily="18" charset="0"/>
+                          </a:rPr>
+                        </m:ctrlPr>
+                      </m:fPr>
+                      <m:num>
+                        <m:sSub>
+                          <m:sSubPr>
+                            <m:ctrlPr>
+                              <a:rPr lang="en-US" altLang="ko-KR" sz="2000" i="1" dirty="0">
+                                <a:latin typeface="Cambria Math" panose="02040503050406030204" pitchFamily="18" charset="0"/>
+                              </a:rPr>
+                            </m:ctrlPr>
+                          </m:sSubPr>
+                          <m:e>
+                            <m:r>
+                              <a:rPr lang="en-US" altLang="ko-KR" sz="2000" i="1" dirty="0">
+                                <a:latin typeface="Cambria Math" panose="02040503050406030204" pitchFamily="18" charset="0"/>
+                              </a:rPr>
+                              <m:t>𝑇</m:t>
+                            </m:r>
+                          </m:e>
+                          <m:sub>
+                            <m:r>
+                              <a:rPr lang="en-US" altLang="ko-KR" sz="2000" i="1" dirty="0">
+                                <a:latin typeface="Cambria Math" panose="02040503050406030204" pitchFamily="18" charset="0"/>
+                              </a:rPr>
+                              <m:t>𝑗</m:t>
+                            </m:r>
+                          </m:sub>
+                        </m:sSub>
+                      </m:num>
+                      <m:den>
+                        <m:r>
+                          <a:rPr lang="en-US" altLang="ko-KR" sz="2000" i="1" dirty="0">
+                            <a:latin typeface="Cambria Math" panose="02040503050406030204" pitchFamily="18" charset="0"/>
+                          </a:rPr>
+                          <m:t>𝑛</m:t>
+                        </m:r>
+                      </m:den>
+                    </m:f>
+                  </m:oMath>
+                </a14:m>
+                <a:r>
+                  <a:rPr lang="en-US" altLang="ko-KR" sz="2000" i="1" dirty="0">
+                    <a:latin typeface="Cambria Math" panose="02040503050406030204" pitchFamily="18" charset="0"/>
+                  </a:rPr>
+                  <a:t> </a:t>
+                </a:r>
+                <a:r>
+                  <a:rPr lang="ko-KR" altLang="en-US" sz="2000" i="1" dirty="0">
+                    <a:latin typeface="Cambria Math" panose="02040503050406030204" pitchFamily="18" charset="0"/>
+                  </a:rPr>
+                  <a:t>이다</a:t>
+                </a:r>
+                <a:r>
+                  <a:rPr lang="en-US" altLang="ko-KR" sz="2000" i="1" dirty="0">
+                    <a:latin typeface="Cambria Math" panose="02040503050406030204" pitchFamily="18" charset="0"/>
+                  </a:rPr>
+                  <a:t>.(j=1,2)</a:t>
+                </a:r>
+                <a:endParaRPr lang="en-US" altLang="ko-KR" sz="2000" dirty="0"/>
+              </a:p>
+              <a:p>
+                <a:pPr marL="0" indent="0">
+                  <a:buNone/>
+                </a:pPr>
+                <a:r>
+                  <a:rPr lang="en-US" altLang="ko-KR" sz="2000" dirty="0"/>
+                  <a:t>(2) </a:t>
+                </a:r>
+                <a14:m>
+                  <m:oMath xmlns:m="http://schemas.openxmlformats.org/officeDocument/2006/math">
+                    <m:r>
+                      <a:rPr lang="en-US" altLang="ko-KR" sz="2000" i="1">
+                        <a:latin typeface="Cambria Math" panose="02040503050406030204" pitchFamily="18" charset="0"/>
+                      </a:rPr>
+                      <m:t>𝐿</m:t>
+                    </m:r>
+                    <m:d>
+                      <m:dPr>
+                        <m:ctrlPr>
+                          <a:rPr lang="en-US" altLang="ko-KR" sz="2000" i="1">
+                            <a:latin typeface="Cambria Math" panose="02040503050406030204" pitchFamily="18" charset="0"/>
+                          </a:rPr>
+                        </m:ctrlPr>
+                      </m:dPr>
+                      <m:e>
+                        <m:acc>
+                          <m:accPr>
+                            <m:chr m:val="̂"/>
+                            <m:ctrlPr>
+                              <a:rPr lang="en-US" altLang="ko-KR" sz="2000" i="1">
+                                <a:latin typeface="Cambria Math" panose="02040503050406030204" pitchFamily="18" charset="0"/>
+                              </a:rPr>
+                            </m:ctrlPr>
+                          </m:accPr>
+                          <m:e>
+                            <m:r>
+                              <a:rPr lang="ko-KR" altLang="en-US" sz="2000" i="1">
+                                <a:latin typeface="Cambria Math" panose="02040503050406030204" pitchFamily="18" charset="0"/>
+                              </a:rPr>
+                              <m:t>𝛺</m:t>
+                            </m:r>
+                          </m:e>
+                        </m:acc>
+                      </m:e>
+                    </m:d>
+                    <m:r>
+                      <a:rPr lang="ko-KR" altLang="en-US" sz="2000" i="1">
+                        <a:latin typeface="Cambria Math" panose="02040503050406030204" pitchFamily="18" charset="0"/>
+                      </a:rPr>
+                      <m:t> </m:t>
+                    </m:r>
+                  </m:oMath>
+                </a14:m>
+                <a:r>
+                  <a:rPr lang="en-US" altLang="ko-KR" sz="2000" i="1" dirty="0">
+                    <a:latin typeface="Cambria Math" panose="02040503050406030204" pitchFamily="18" charset="0"/>
+                  </a:rPr>
+                  <a:t> = </a:t>
+                </a:r>
+                <a14:m>
+                  <m:oMath xmlns:m="http://schemas.openxmlformats.org/officeDocument/2006/math">
+                    <m:sSup>
+                      <m:sSupPr>
+                        <m:ctrlPr>
+                          <a:rPr lang="en-US" altLang="ko-KR" sz="2000" i="1" smtClean="0">
+                            <a:solidFill>
+                              <a:srgbClr val="FF0000"/>
+                            </a:solidFill>
+                            <a:latin typeface="Cambria Math" panose="02040503050406030204" pitchFamily="18" charset="0"/>
+                          </a:rPr>
+                        </m:ctrlPr>
+                      </m:sSupPr>
+                      <m:e>
+                        <m:acc>
+                          <m:accPr>
+                            <m:chr m:val="̂"/>
+                            <m:ctrlPr>
+                              <a:rPr lang="en-US" altLang="ko-KR" sz="2000" i="1">
+                                <a:solidFill>
+                                  <a:srgbClr val="FF0000"/>
+                                </a:solidFill>
+                                <a:latin typeface="Cambria Math" panose="02040503050406030204" pitchFamily="18" charset="0"/>
+                              </a:rPr>
+                            </m:ctrlPr>
+                          </m:accPr>
+                          <m:e>
+                            <m:sSub>
+                              <m:sSubPr>
+                                <m:ctrlPr>
+                                  <a:rPr lang="en-US" altLang="ko-KR" sz="2000" i="1">
+                                    <a:solidFill>
+                                      <a:srgbClr val="FF0000"/>
+                                    </a:solidFill>
+                                    <a:latin typeface="Cambria Math" panose="02040503050406030204" pitchFamily="18" charset="0"/>
+                                  </a:rPr>
+                                </m:ctrlPr>
+                              </m:sSubPr>
+                              <m:e>
+                                <m:r>
+                                  <a:rPr lang="en-US" altLang="ko-KR" sz="2000" i="1">
+                                    <a:solidFill>
+                                      <a:srgbClr val="FF0000"/>
+                                    </a:solidFill>
+                                    <a:latin typeface="Cambria Math" panose="02040503050406030204" pitchFamily="18" charset="0"/>
+                                  </a:rPr>
+                                  <m:t>𝑝</m:t>
+                                </m:r>
+                              </m:e>
+                              <m:sub>
+                                <m:r>
+                                  <a:rPr lang="en-US" altLang="ko-KR" sz="2000" i="1">
+                                    <a:solidFill>
+                                      <a:srgbClr val="FF0000"/>
+                                    </a:solidFill>
+                                    <a:latin typeface="Cambria Math" panose="02040503050406030204" pitchFamily="18" charset="0"/>
+                                  </a:rPr>
+                                  <m:t>1</m:t>
+                                </m:r>
+                              </m:sub>
+                            </m:sSub>
+                          </m:e>
+                        </m:acc>
+                      </m:e>
+                      <m:sup>
+                        <m:r>
+                          <a:rPr lang="en-US" altLang="ko-KR" sz="2000" b="0" i="1" smtClean="0">
+                            <a:solidFill>
+                              <a:srgbClr val="FF0000"/>
+                            </a:solidFill>
+                            <a:latin typeface="Cambria Math" panose="02040503050406030204" pitchFamily="18" charset="0"/>
+                          </a:rPr>
+                          <m:t>𝑛</m:t>
+                        </m:r>
+                        <m:acc>
+                          <m:accPr>
+                            <m:chr m:val="̂"/>
+                            <m:ctrlPr>
+                              <a:rPr lang="en-US" altLang="ko-KR" sz="2000" i="1" smtClean="0">
+                                <a:solidFill>
+                                  <a:srgbClr val="FF0000"/>
+                                </a:solidFill>
+                                <a:latin typeface="Cambria Math" panose="02040503050406030204" pitchFamily="18" charset="0"/>
+                              </a:rPr>
+                            </m:ctrlPr>
+                          </m:accPr>
+                          <m:e>
+                            <m:sSub>
+                              <m:sSubPr>
+                                <m:ctrlPr>
+                                  <a:rPr lang="en-US" altLang="ko-KR" sz="2000" i="1" smtClean="0">
+                                    <a:solidFill>
+                                      <a:srgbClr val="FF0000"/>
+                                    </a:solidFill>
+                                    <a:latin typeface="Cambria Math" panose="02040503050406030204" pitchFamily="18" charset="0"/>
+                                  </a:rPr>
+                                </m:ctrlPr>
+                              </m:sSubPr>
+                              <m:e>
+                                <m:r>
+                                  <a:rPr lang="en-US" altLang="ko-KR" sz="2000" i="1">
+                                    <a:solidFill>
+                                      <a:srgbClr val="FF0000"/>
+                                    </a:solidFill>
+                                    <a:latin typeface="Cambria Math" panose="02040503050406030204" pitchFamily="18" charset="0"/>
+                                  </a:rPr>
+                                  <m:t>𝑝</m:t>
+                                </m:r>
+                              </m:e>
+                              <m:sub>
+                                <m:r>
+                                  <a:rPr lang="en-US" altLang="ko-KR" sz="2000" i="1">
+                                    <a:solidFill>
+                                      <a:srgbClr val="FF0000"/>
+                                    </a:solidFill>
+                                    <a:latin typeface="Cambria Math" panose="02040503050406030204" pitchFamily="18" charset="0"/>
+                                  </a:rPr>
+                                  <m:t>1</m:t>
+                                </m:r>
+                              </m:sub>
+                            </m:sSub>
+                          </m:e>
+                        </m:acc>
+                      </m:sup>
+                    </m:sSup>
+                    <m:sSup>
+                      <m:sSupPr>
+                        <m:ctrlPr>
+                          <a:rPr lang="en-US" altLang="ko-KR" sz="2000" i="1">
+                            <a:solidFill>
+                              <a:srgbClr val="FF0000"/>
+                            </a:solidFill>
+                            <a:latin typeface="Cambria Math" panose="02040503050406030204" pitchFamily="18" charset="0"/>
+                          </a:rPr>
+                        </m:ctrlPr>
+                      </m:sSupPr>
+                      <m:e>
+                        <m:acc>
+                          <m:accPr>
+                            <m:chr m:val="̂"/>
+                            <m:ctrlPr>
+                              <a:rPr lang="en-US" altLang="ko-KR" sz="2000" i="1" smtClean="0">
+                                <a:solidFill>
+                                  <a:srgbClr val="FF0000"/>
+                                </a:solidFill>
+                                <a:latin typeface="Cambria Math" panose="02040503050406030204" pitchFamily="18" charset="0"/>
+                              </a:rPr>
+                            </m:ctrlPr>
+                          </m:accPr>
+                          <m:e>
+                            <m:sSub>
+                              <m:sSubPr>
+                                <m:ctrlPr>
+                                  <a:rPr lang="en-US" altLang="ko-KR" sz="2000" i="1">
+                                    <a:solidFill>
+                                      <a:srgbClr val="FF0000"/>
+                                    </a:solidFill>
+                                    <a:latin typeface="Cambria Math" panose="02040503050406030204" pitchFamily="18" charset="0"/>
+                                  </a:rPr>
+                                </m:ctrlPr>
+                              </m:sSubPr>
+                              <m:e>
+                                <m:r>
+                                  <a:rPr lang="en-US" altLang="ko-KR" sz="2000" i="1">
+                                    <a:solidFill>
+                                      <a:srgbClr val="FF0000"/>
+                                    </a:solidFill>
+                                    <a:latin typeface="Cambria Math" panose="02040503050406030204" pitchFamily="18" charset="0"/>
+                                  </a:rPr>
+                                  <m:t>𝑝</m:t>
+                                </m:r>
+                              </m:e>
+                              <m:sub>
+                                <m:r>
+                                  <a:rPr lang="en-US" altLang="ko-KR" sz="2000" b="0" i="1" smtClean="0">
+                                    <a:solidFill>
+                                      <a:srgbClr val="FF0000"/>
+                                    </a:solidFill>
+                                    <a:latin typeface="Cambria Math" panose="02040503050406030204" pitchFamily="18" charset="0"/>
+                                  </a:rPr>
+                                  <m:t>2</m:t>
+                                </m:r>
+                              </m:sub>
+                            </m:sSub>
+                          </m:e>
+                        </m:acc>
+                      </m:e>
+                      <m:sup>
+                        <m:r>
+                          <a:rPr lang="en-US" altLang="ko-KR" sz="2000" i="1">
+                            <a:solidFill>
+                              <a:srgbClr val="FF0000"/>
+                            </a:solidFill>
+                            <a:latin typeface="Cambria Math" panose="02040503050406030204" pitchFamily="18" charset="0"/>
+                          </a:rPr>
+                          <m:t>𝑛</m:t>
+                        </m:r>
+                        <m:acc>
+                          <m:accPr>
+                            <m:chr m:val="̂"/>
+                            <m:ctrlPr>
+                              <a:rPr lang="en-US" altLang="ko-KR" sz="2000" i="1" smtClean="0">
+                                <a:solidFill>
+                                  <a:srgbClr val="FF0000"/>
+                                </a:solidFill>
+                                <a:latin typeface="Cambria Math" panose="02040503050406030204" pitchFamily="18" charset="0"/>
+                              </a:rPr>
+                            </m:ctrlPr>
+                          </m:accPr>
+                          <m:e>
+                            <m:sSub>
+                              <m:sSubPr>
+                                <m:ctrlPr>
+                                  <a:rPr lang="en-US" altLang="ko-KR" sz="2000" i="1" smtClean="0">
+                                    <a:solidFill>
+                                      <a:srgbClr val="FF0000"/>
+                                    </a:solidFill>
+                                    <a:latin typeface="Cambria Math" panose="02040503050406030204" pitchFamily="18" charset="0"/>
+                                  </a:rPr>
+                                </m:ctrlPr>
+                              </m:sSubPr>
+                              <m:e>
+                                <m:r>
+                                  <a:rPr lang="en-US" altLang="ko-KR" sz="2000" i="1">
+                                    <a:solidFill>
+                                      <a:srgbClr val="FF0000"/>
+                                    </a:solidFill>
+                                    <a:latin typeface="Cambria Math" panose="02040503050406030204" pitchFamily="18" charset="0"/>
+                                  </a:rPr>
+                                  <m:t>𝑝</m:t>
+                                </m:r>
+                              </m:e>
+                              <m:sub>
+                                <m:r>
+                                  <a:rPr lang="en-US" altLang="ko-KR" sz="2000" b="0" i="1" smtClean="0">
+                                    <a:solidFill>
+                                      <a:srgbClr val="FF0000"/>
+                                    </a:solidFill>
+                                    <a:latin typeface="Cambria Math" panose="02040503050406030204" pitchFamily="18" charset="0"/>
+                                  </a:rPr>
+                                  <m:t>2</m:t>
+                                </m:r>
+                              </m:sub>
+                            </m:sSub>
+                          </m:e>
+                        </m:acc>
+                      </m:sup>
+                    </m:sSup>
+                    <m:sSup>
+                      <m:sSupPr>
+                        <m:ctrlPr>
+                          <a:rPr lang="en-US" altLang="ko-KR" sz="2000" i="1">
+                            <a:solidFill>
+                              <a:srgbClr val="FF0000"/>
+                            </a:solidFill>
+                            <a:latin typeface="Cambria Math" panose="02040503050406030204" pitchFamily="18" charset="0"/>
+                          </a:rPr>
+                        </m:ctrlPr>
+                      </m:sSupPr>
+                      <m:e>
+                        <m:r>
+                          <a:rPr lang="en-US" altLang="ko-KR" sz="2000" i="1">
+                            <a:solidFill>
+                              <a:srgbClr val="FF0000"/>
+                            </a:solidFill>
+                            <a:latin typeface="Cambria Math" panose="02040503050406030204" pitchFamily="18" charset="0"/>
+                          </a:rPr>
+                          <m:t>(1−</m:t>
+                        </m:r>
+                        <m:acc>
+                          <m:accPr>
+                            <m:chr m:val="̂"/>
+                            <m:ctrlPr>
+                              <a:rPr lang="en-US" altLang="ko-KR" sz="2000" i="1" smtClean="0">
+                                <a:solidFill>
+                                  <a:srgbClr val="FF0000"/>
+                                </a:solidFill>
+                                <a:latin typeface="Cambria Math" panose="02040503050406030204" pitchFamily="18" charset="0"/>
+                              </a:rPr>
+                            </m:ctrlPr>
+                          </m:accPr>
+                          <m:e>
+                            <m:sSub>
+                              <m:sSubPr>
+                                <m:ctrlPr>
+                                  <a:rPr lang="en-US" altLang="ko-KR" sz="2000" i="1" smtClean="0">
+                                    <a:solidFill>
+                                      <a:srgbClr val="FF0000"/>
+                                    </a:solidFill>
+                                    <a:latin typeface="Cambria Math" panose="02040503050406030204" pitchFamily="18" charset="0"/>
+                                  </a:rPr>
+                                </m:ctrlPr>
+                              </m:sSubPr>
+                              <m:e>
+                                <m:r>
+                                  <a:rPr lang="en-US" altLang="ko-KR" sz="2000" i="1">
+                                    <a:solidFill>
+                                      <a:srgbClr val="FF0000"/>
+                                    </a:solidFill>
+                                    <a:latin typeface="Cambria Math" panose="02040503050406030204" pitchFamily="18" charset="0"/>
+                                  </a:rPr>
+                                  <m:t>𝑝</m:t>
+                                </m:r>
+                              </m:e>
+                              <m:sub>
+                                <m:r>
+                                  <a:rPr lang="en-US" altLang="ko-KR" sz="2000" i="1">
+                                    <a:solidFill>
+                                      <a:srgbClr val="FF0000"/>
+                                    </a:solidFill>
+                                    <a:latin typeface="Cambria Math" panose="02040503050406030204" pitchFamily="18" charset="0"/>
+                                  </a:rPr>
+                                  <m:t>1</m:t>
+                                </m:r>
+                              </m:sub>
+                            </m:sSub>
+                          </m:e>
+                        </m:acc>
+                        <m:r>
+                          <a:rPr lang="en-US" altLang="ko-KR" sz="2000" i="1">
+                            <a:solidFill>
+                              <a:srgbClr val="FF0000"/>
+                            </a:solidFill>
+                            <a:latin typeface="Cambria Math" panose="02040503050406030204" pitchFamily="18" charset="0"/>
+                          </a:rPr>
+                          <m:t>−</m:t>
+                        </m:r>
+                        <m:acc>
+                          <m:accPr>
+                            <m:chr m:val="̂"/>
+                            <m:ctrlPr>
+                              <a:rPr lang="en-US" altLang="ko-KR" sz="2000" i="1" smtClean="0">
+                                <a:solidFill>
+                                  <a:srgbClr val="FF0000"/>
+                                </a:solidFill>
+                                <a:latin typeface="Cambria Math" panose="02040503050406030204" pitchFamily="18" charset="0"/>
+                              </a:rPr>
+                            </m:ctrlPr>
+                          </m:accPr>
+                          <m:e>
+                            <m:sSub>
+                              <m:sSubPr>
+                                <m:ctrlPr>
+                                  <a:rPr lang="en-US" altLang="ko-KR" sz="2000" i="1">
+                                    <a:solidFill>
+                                      <a:srgbClr val="FF0000"/>
+                                    </a:solidFill>
+                                    <a:latin typeface="Cambria Math" panose="02040503050406030204" pitchFamily="18" charset="0"/>
+                                  </a:rPr>
+                                </m:ctrlPr>
+                              </m:sSubPr>
+                              <m:e>
+                                <m:r>
+                                  <a:rPr lang="en-US" altLang="ko-KR" sz="2000" i="1">
+                                    <a:solidFill>
+                                      <a:srgbClr val="FF0000"/>
+                                    </a:solidFill>
+                                    <a:latin typeface="Cambria Math" panose="02040503050406030204" pitchFamily="18" charset="0"/>
+                                  </a:rPr>
+                                  <m:t>𝑝</m:t>
+                                </m:r>
+                              </m:e>
+                              <m:sub>
+                                <m:r>
+                                  <a:rPr lang="en-US" altLang="ko-KR" sz="2000" b="0" i="1" smtClean="0">
+                                    <a:solidFill>
+                                      <a:srgbClr val="FF0000"/>
+                                    </a:solidFill>
+                                    <a:latin typeface="Cambria Math" panose="02040503050406030204" pitchFamily="18" charset="0"/>
+                                  </a:rPr>
+                                  <m:t>2</m:t>
+                                </m:r>
+                              </m:sub>
+                            </m:sSub>
+                          </m:e>
+                        </m:acc>
+                        <m:r>
+                          <a:rPr lang="en-US" altLang="ko-KR" sz="2000" i="1">
+                            <a:solidFill>
+                              <a:srgbClr val="FF0000"/>
+                            </a:solidFill>
+                            <a:latin typeface="Cambria Math" panose="02040503050406030204" pitchFamily="18" charset="0"/>
+                          </a:rPr>
+                          <m:t>)</m:t>
+                        </m:r>
+                      </m:e>
+                      <m:sup>
+                        <m:r>
+                          <a:rPr lang="en-US" altLang="ko-KR" sz="2000" b="0" i="1" smtClean="0">
+                            <a:solidFill>
+                              <a:srgbClr val="FF0000"/>
+                            </a:solidFill>
+                            <a:latin typeface="Cambria Math" panose="02040503050406030204" pitchFamily="18" charset="0"/>
+                          </a:rPr>
+                          <m:t>𝑛</m:t>
+                        </m:r>
+                        <m:r>
+                          <a:rPr lang="en-US" altLang="ko-KR" sz="2000" i="1">
+                            <a:solidFill>
+                              <a:srgbClr val="FF0000"/>
+                            </a:solidFill>
+                            <a:latin typeface="Cambria Math" panose="02040503050406030204" pitchFamily="18" charset="0"/>
+                          </a:rPr>
+                          <m:t>(1−</m:t>
+                        </m:r>
+                        <m:acc>
+                          <m:accPr>
+                            <m:chr m:val="̂"/>
+                            <m:ctrlPr>
+                              <a:rPr lang="en-US" altLang="ko-KR" sz="2000" i="1" smtClean="0">
+                                <a:solidFill>
+                                  <a:srgbClr val="FF0000"/>
+                                </a:solidFill>
+                                <a:latin typeface="Cambria Math" panose="02040503050406030204" pitchFamily="18" charset="0"/>
+                              </a:rPr>
+                            </m:ctrlPr>
+                          </m:accPr>
+                          <m:e>
+                            <m:sSub>
+                              <m:sSubPr>
+                                <m:ctrlPr>
+                                  <a:rPr lang="en-US" altLang="ko-KR" sz="2000" i="1">
+                                    <a:solidFill>
+                                      <a:srgbClr val="FF0000"/>
+                                    </a:solidFill>
+                                    <a:latin typeface="Cambria Math" panose="02040503050406030204" pitchFamily="18" charset="0"/>
+                                  </a:rPr>
+                                </m:ctrlPr>
+                              </m:sSubPr>
+                              <m:e>
+                                <m:r>
+                                  <a:rPr lang="en-US" altLang="ko-KR" sz="2000" i="1">
+                                    <a:solidFill>
+                                      <a:srgbClr val="FF0000"/>
+                                    </a:solidFill>
+                                    <a:latin typeface="Cambria Math" panose="02040503050406030204" pitchFamily="18" charset="0"/>
+                                  </a:rPr>
+                                  <m:t>𝑝</m:t>
+                                </m:r>
+                              </m:e>
+                              <m:sub>
+                                <m:r>
+                                  <a:rPr lang="en-US" altLang="ko-KR" sz="2000" i="1">
+                                    <a:solidFill>
+                                      <a:srgbClr val="FF0000"/>
+                                    </a:solidFill>
+                                    <a:latin typeface="Cambria Math" panose="02040503050406030204" pitchFamily="18" charset="0"/>
+                                  </a:rPr>
+                                  <m:t>1</m:t>
+                                </m:r>
+                              </m:sub>
+                            </m:sSub>
+                          </m:e>
+                        </m:acc>
+                        <m:r>
+                          <a:rPr lang="en-US" altLang="ko-KR" sz="2000" i="1">
+                            <a:solidFill>
+                              <a:srgbClr val="FF0000"/>
+                            </a:solidFill>
+                            <a:latin typeface="Cambria Math" panose="02040503050406030204" pitchFamily="18" charset="0"/>
+                          </a:rPr>
+                          <m:t>−</m:t>
+                        </m:r>
+                        <m:acc>
+                          <m:accPr>
+                            <m:chr m:val="̂"/>
+                            <m:ctrlPr>
+                              <a:rPr lang="en-US" altLang="ko-KR" sz="2000" i="1" smtClean="0">
+                                <a:solidFill>
+                                  <a:srgbClr val="FF0000"/>
+                                </a:solidFill>
+                                <a:latin typeface="Cambria Math" panose="02040503050406030204" pitchFamily="18" charset="0"/>
+                              </a:rPr>
+                            </m:ctrlPr>
+                          </m:accPr>
+                          <m:e>
+                            <m:sSub>
+                              <m:sSubPr>
+                                <m:ctrlPr>
+                                  <a:rPr lang="en-US" altLang="ko-KR" sz="2000" i="1">
+                                    <a:solidFill>
+                                      <a:srgbClr val="FF0000"/>
+                                    </a:solidFill>
+                                    <a:latin typeface="Cambria Math" panose="02040503050406030204" pitchFamily="18" charset="0"/>
+                                  </a:rPr>
+                                </m:ctrlPr>
+                              </m:sSubPr>
+                              <m:e>
+                                <m:r>
+                                  <a:rPr lang="en-US" altLang="ko-KR" sz="2000" i="1">
+                                    <a:solidFill>
+                                      <a:srgbClr val="FF0000"/>
+                                    </a:solidFill>
+                                    <a:latin typeface="Cambria Math" panose="02040503050406030204" pitchFamily="18" charset="0"/>
+                                  </a:rPr>
+                                  <m:t>𝑝</m:t>
+                                </m:r>
+                              </m:e>
+                              <m:sub>
+                                <m:r>
+                                  <a:rPr lang="en-US" altLang="ko-KR" sz="2000" i="1">
+                                    <a:solidFill>
+                                      <a:srgbClr val="FF0000"/>
+                                    </a:solidFill>
+                                    <a:latin typeface="Cambria Math" panose="02040503050406030204" pitchFamily="18" charset="0"/>
+                                  </a:rPr>
+                                  <m:t>2</m:t>
+                                </m:r>
+                              </m:sub>
+                            </m:sSub>
+                          </m:e>
+                        </m:acc>
+                        <m:r>
+                          <a:rPr lang="en-US" altLang="ko-KR" sz="2000" i="1">
+                            <a:solidFill>
+                              <a:srgbClr val="FF0000"/>
+                            </a:solidFill>
+                            <a:latin typeface="Cambria Math" panose="02040503050406030204" pitchFamily="18" charset="0"/>
+                          </a:rPr>
+                          <m:t>)</m:t>
+                        </m:r>
+                      </m:sup>
+                    </m:sSup>
+                  </m:oMath>
+                </a14:m>
+                <a:endParaRPr lang="en-US" altLang="ko-KR" sz="2000" i="1" dirty="0">
+                  <a:latin typeface="Cambria Math" panose="02040503050406030204" pitchFamily="18" charset="0"/>
+                </a:endParaRPr>
+              </a:p>
+              <a:p>
+                <a:pPr marL="0" indent="0">
+                  <a:buNone/>
+                </a:pPr>
+                <a:r>
+                  <a:rPr lang="en-US" altLang="ko-KR" sz="2000" i="1" dirty="0">
+                    <a:latin typeface="Cambria Math" panose="02040503050406030204" pitchFamily="18" charset="0"/>
+                  </a:rPr>
+                  <a:t>2) </a:t>
+                </a:r>
+                <a14:m>
+                  <m:oMath xmlns:m="http://schemas.openxmlformats.org/officeDocument/2006/math">
+                    <m:r>
+                      <a:rPr lang="en-US" altLang="ko-KR" sz="2000" b="0" i="1">
+                        <a:latin typeface="Cambria Math" panose="02040503050406030204" pitchFamily="18" charset="0"/>
+                      </a:rPr>
+                      <m:t>𝐿</m:t>
+                    </m:r>
+                    <m:d>
+                      <m:dPr>
+                        <m:ctrlPr>
+                          <a:rPr lang="en-US" altLang="ko-KR" sz="2000" i="1">
+                            <a:latin typeface="Cambria Math" panose="02040503050406030204" pitchFamily="18" charset="0"/>
+                          </a:rPr>
+                        </m:ctrlPr>
+                      </m:dPr>
+                      <m:e>
+                        <m:acc>
+                          <m:accPr>
+                            <m:chr m:val="̂"/>
+                            <m:ctrlPr>
+                              <a:rPr lang="en-US" altLang="ko-KR" sz="2000" i="1">
+                                <a:latin typeface="Cambria Math" panose="02040503050406030204" pitchFamily="18" charset="0"/>
+                              </a:rPr>
+                            </m:ctrlPr>
+                          </m:accPr>
+                          <m:e>
+                            <m:r>
+                              <a:rPr lang="en-US" altLang="ko-KR" sz="2000" b="0" i="1">
+                                <a:latin typeface="Cambria Math" panose="02040503050406030204" pitchFamily="18" charset="0"/>
+                              </a:rPr>
+                              <m:t>𝑤</m:t>
+                            </m:r>
+                          </m:e>
+                        </m:acc>
+                      </m:e>
+                    </m:d>
+                    <m:r>
+                      <a:rPr lang="en-US" altLang="ko-KR" sz="2000" b="0" i="1">
+                        <a:latin typeface="Cambria Math" panose="02040503050406030204" pitchFamily="18" charset="0"/>
+                      </a:rPr>
+                      <m:t> </m:t>
+                    </m:r>
+                  </m:oMath>
+                </a14:m>
+                <a:r>
+                  <a:rPr lang="ko-KR" altLang="en-US" sz="2000" dirty="0"/>
+                  <a:t>를 정의하면</a:t>
+                </a:r>
+                <a:endParaRPr lang="en-US" altLang="ko-KR" sz="2000" dirty="0"/>
+              </a:p>
+              <a:p>
+                <a:pPr marL="457200" indent="-457200">
+                  <a:buAutoNum type="arabicParenBoth"/>
+                </a:pPr>
+                <a14:m>
+                  <m:oMath xmlns:m="http://schemas.openxmlformats.org/officeDocument/2006/math">
+                    <m:r>
+                      <a:rPr lang="en-US" altLang="ko-KR" sz="2000" i="1">
+                        <a:latin typeface="Cambria Math" panose="02040503050406030204" pitchFamily="18" charset="0"/>
+                      </a:rPr>
+                      <m:t>𝐿</m:t>
+                    </m:r>
+                    <m:d>
+                      <m:dPr>
+                        <m:ctrlPr>
+                          <a:rPr lang="en-US" altLang="ko-KR" sz="2000" i="1">
+                            <a:latin typeface="Cambria Math" panose="02040503050406030204" pitchFamily="18" charset="0"/>
+                          </a:rPr>
+                        </m:ctrlPr>
+                      </m:dPr>
+                      <m:e>
+                        <m:r>
+                          <a:rPr lang="en-US" altLang="ko-KR" sz="2000" i="1">
+                            <a:latin typeface="Cambria Math" panose="02040503050406030204" pitchFamily="18" charset="0"/>
+                          </a:rPr>
+                          <m:t>𝑤</m:t>
+                        </m:r>
+                      </m:e>
+                    </m:d>
+                  </m:oMath>
+                </a14:m>
+                <a:r>
+                  <a:rPr lang="en-US" altLang="ko-KR" sz="2000" i="1" dirty="0">
+                    <a:latin typeface="Cambria Math" panose="02040503050406030204" pitchFamily="18" charset="0"/>
+                  </a:rPr>
+                  <a:t> = </a:t>
+                </a:r>
+                <a14:m>
+                  <m:oMath xmlns:m="http://schemas.openxmlformats.org/officeDocument/2006/math">
+                    <m:sSup>
+                      <m:sSupPr>
+                        <m:ctrlPr>
+                          <a:rPr lang="en-US" altLang="ko-KR" sz="2000" i="1">
+                            <a:latin typeface="Cambria Math" panose="02040503050406030204" pitchFamily="18" charset="0"/>
+                          </a:rPr>
+                        </m:ctrlPr>
+                      </m:sSupPr>
+                      <m:e>
+                        <m:r>
+                          <a:rPr lang="en-US" altLang="ko-KR" sz="2000" b="0" i="1" smtClean="0">
+                            <a:latin typeface="Cambria Math" panose="02040503050406030204" pitchFamily="18" charset="0"/>
+                          </a:rPr>
+                          <m:t>𝑝</m:t>
+                        </m:r>
+                      </m:e>
+                      <m:sup>
+                        <m:sSub>
+                          <m:sSubPr>
+                            <m:ctrlPr>
+                              <a:rPr lang="en-US" altLang="ko-KR" sz="2000" i="1" dirty="0">
+                                <a:latin typeface="Cambria Math" panose="02040503050406030204" pitchFamily="18" charset="0"/>
+                              </a:rPr>
+                            </m:ctrlPr>
+                          </m:sSubPr>
+                          <m:e>
+                            <m:r>
+                              <a:rPr lang="en-US" altLang="ko-KR" sz="2000" i="1" dirty="0">
+                                <a:latin typeface="Cambria Math" panose="02040503050406030204" pitchFamily="18" charset="0"/>
+                              </a:rPr>
+                              <m:t>𝑇</m:t>
+                            </m:r>
+                          </m:e>
+                          <m:sub>
+                            <m:r>
+                              <a:rPr lang="en-US" altLang="ko-KR" sz="2000" b="0" i="1" dirty="0" smtClean="0">
+                                <a:latin typeface="Cambria Math" panose="02040503050406030204" pitchFamily="18" charset="0"/>
+                              </a:rPr>
+                              <m:t>1</m:t>
+                            </m:r>
+                          </m:sub>
+                        </m:sSub>
+                        <m:r>
+                          <a:rPr lang="en-US" altLang="ko-KR" sz="2000" b="0" i="1" dirty="0" smtClean="0">
+                            <a:latin typeface="Cambria Math" panose="02040503050406030204" pitchFamily="18" charset="0"/>
+                          </a:rPr>
+                          <m:t>+</m:t>
+                        </m:r>
+                        <m:sSub>
+                          <m:sSubPr>
+                            <m:ctrlPr>
+                              <a:rPr lang="en-US" altLang="ko-KR" sz="2000" i="1" dirty="0">
+                                <a:latin typeface="Cambria Math" panose="02040503050406030204" pitchFamily="18" charset="0"/>
+                              </a:rPr>
+                            </m:ctrlPr>
+                          </m:sSubPr>
+                          <m:e>
+                            <m:r>
+                              <a:rPr lang="en-US" altLang="ko-KR" sz="2000" i="1" dirty="0">
+                                <a:latin typeface="Cambria Math" panose="02040503050406030204" pitchFamily="18" charset="0"/>
+                              </a:rPr>
+                              <m:t>𝑇</m:t>
+                            </m:r>
+                          </m:e>
+                          <m:sub>
+                            <m:r>
+                              <a:rPr lang="en-US" altLang="ko-KR" sz="2000" b="0" i="1" dirty="0" smtClean="0">
+                                <a:latin typeface="Cambria Math" panose="02040503050406030204" pitchFamily="18" charset="0"/>
+                              </a:rPr>
+                              <m:t>2</m:t>
+                            </m:r>
+                          </m:sub>
+                        </m:sSub>
+                      </m:sup>
+                    </m:sSup>
+                    <m:sSup>
+                      <m:sSupPr>
+                        <m:ctrlPr>
+                          <a:rPr lang="en-US" altLang="ko-KR" sz="2000" i="1" smtClean="0">
+                            <a:latin typeface="Cambria Math" panose="02040503050406030204" pitchFamily="18" charset="0"/>
+                          </a:rPr>
+                        </m:ctrlPr>
+                      </m:sSupPr>
+                      <m:e>
+                        <m:r>
+                          <m:rPr>
+                            <m:nor/>
+                          </m:rPr>
+                          <a:rPr lang="en-US" altLang="ko-KR" sz="2000" i="1" dirty="0">
+                            <a:latin typeface="Cambria Math" panose="02040503050406030204" pitchFamily="18" charset="0"/>
+                          </a:rPr>
+                          <m:t>(1-2</m:t>
+                        </m:r>
+                        <m:r>
+                          <m:rPr>
+                            <m:nor/>
+                          </m:rPr>
+                          <a:rPr lang="en-US" altLang="ko-KR" sz="2000" b="0" i="1" dirty="0" smtClean="0">
+                            <a:latin typeface="Cambria Math" panose="02040503050406030204" pitchFamily="18" charset="0"/>
+                          </a:rPr>
+                          <m:t>p</m:t>
+                        </m:r>
+                        <m:r>
+                          <m:rPr>
+                            <m:nor/>
+                          </m:rPr>
+                          <a:rPr lang="en-US" altLang="ko-KR" sz="2000" i="1" dirty="0">
+                            <a:latin typeface="Cambria Math" panose="02040503050406030204" pitchFamily="18" charset="0"/>
+                          </a:rPr>
+                          <m:t>) </m:t>
+                        </m:r>
+                      </m:e>
+                      <m:sup>
+                        <m:r>
+                          <a:rPr lang="en-US" altLang="ko-KR" sz="2000" b="0" i="1" smtClean="0">
+                            <a:latin typeface="Cambria Math" panose="02040503050406030204" pitchFamily="18" charset="0"/>
+                          </a:rPr>
+                          <m:t>𝑛</m:t>
+                        </m:r>
+                        <m:r>
+                          <a:rPr lang="en-US" altLang="ko-KR" sz="2000" b="0" i="1" smtClean="0">
+                            <a:latin typeface="Cambria Math" panose="02040503050406030204" pitchFamily="18" charset="0"/>
+                          </a:rPr>
+                          <m:t>−</m:t>
+                        </m:r>
+                        <m:sSub>
+                          <m:sSubPr>
+                            <m:ctrlPr>
+                              <a:rPr lang="en-US" altLang="ko-KR" sz="2000" i="1" dirty="0">
+                                <a:latin typeface="Cambria Math" panose="02040503050406030204" pitchFamily="18" charset="0"/>
+                              </a:rPr>
+                            </m:ctrlPr>
+                          </m:sSubPr>
+                          <m:e>
+                            <m:r>
+                              <a:rPr lang="en-US" altLang="ko-KR" sz="2000" i="1" dirty="0">
+                                <a:latin typeface="Cambria Math" panose="02040503050406030204" pitchFamily="18" charset="0"/>
+                              </a:rPr>
+                              <m:t>𝑇</m:t>
+                            </m:r>
+                          </m:e>
+                          <m:sub>
+                            <m:r>
+                              <a:rPr lang="en-US" altLang="ko-KR" sz="2000" i="1" dirty="0">
+                                <a:latin typeface="Cambria Math" panose="02040503050406030204" pitchFamily="18" charset="0"/>
+                              </a:rPr>
+                              <m:t>1</m:t>
+                            </m:r>
+                          </m:sub>
+                        </m:sSub>
+                        <m:r>
+                          <a:rPr lang="en-US" altLang="ko-KR" sz="2000" i="1" dirty="0">
+                            <a:latin typeface="Cambria Math" panose="02040503050406030204" pitchFamily="18" charset="0"/>
+                          </a:rPr>
+                          <m:t>+</m:t>
+                        </m:r>
+                        <m:sSub>
+                          <m:sSubPr>
+                            <m:ctrlPr>
+                              <a:rPr lang="en-US" altLang="ko-KR" sz="2000" i="1" dirty="0">
+                                <a:latin typeface="Cambria Math" panose="02040503050406030204" pitchFamily="18" charset="0"/>
+                              </a:rPr>
+                            </m:ctrlPr>
+                          </m:sSubPr>
+                          <m:e>
+                            <m:r>
+                              <a:rPr lang="en-US" altLang="ko-KR" sz="2000" i="1" dirty="0">
+                                <a:latin typeface="Cambria Math" panose="02040503050406030204" pitchFamily="18" charset="0"/>
+                              </a:rPr>
+                              <m:t>𝑇</m:t>
+                            </m:r>
+                          </m:e>
+                          <m:sub>
+                            <m:r>
+                              <a:rPr lang="en-US" altLang="ko-KR" sz="2000" i="1" dirty="0">
+                                <a:latin typeface="Cambria Math" panose="02040503050406030204" pitchFamily="18" charset="0"/>
+                              </a:rPr>
+                              <m:t>2</m:t>
+                            </m:r>
+                          </m:sub>
+                        </m:sSub>
+                      </m:sup>
+                    </m:sSup>
+                  </m:oMath>
+                </a14:m>
+                <a:endParaRPr lang="en-US" altLang="ko-KR" sz="2000" i="1" dirty="0">
+                  <a:latin typeface="Cambria Math" panose="02040503050406030204" pitchFamily="18" charset="0"/>
+                </a:endParaRPr>
+              </a:p>
+              <a:p>
+                <a:pPr marL="457200" indent="-457200">
+                  <a:buAutoNum type="arabicParenBoth"/>
+                </a:pPr>
+                <a:r>
+                  <a:rPr lang="ko-KR" altLang="en-US" sz="2000" dirty="0"/>
+                  <a:t>이 때 </a:t>
+                </a:r>
+                <a:r>
+                  <a:rPr lang="en-US" altLang="ko-KR" sz="2000" dirty="0"/>
+                  <a:t>MLE</a:t>
+                </a:r>
+                <a:r>
+                  <a:rPr lang="ko-KR" altLang="en-US" sz="2000" dirty="0"/>
+                  <a:t>를 구하면</a:t>
+                </a:r>
+                <a:r>
+                  <a:rPr lang="en-US" altLang="ko-KR" sz="2000" dirty="0"/>
+                  <a:t> </a:t>
+                </a:r>
+              </a:p>
+              <a:p>
+                <a:pPr>
+                  <a:buFontTx/>
+                  <a:buChar char="-"/>
+                </a:pPr>
+                <a14:m>
+                  <m:oMath xmlns:m="http://schemas.openxmlformats.org/officeDocument/2006/math">
+                    <m:f>
+                      <m:fPr>
+                        <m:ctrlPr>
+                          <a:rPr lang="en-US" altLang="ko-KR" sz="2000" b="0" i="1" smtClean="0">
+                            <a:latin typeface="Cambria Math" panose="02040503050406030204" pitchFamily="18" charset="0"/>
+                          </a:rPr>
+                        </m:ctrlPr>
+                      </m:fPr>
+                      <m:num>
+                        <m:r>
+                          <a:rPr lang="ko-KR" altLang="en-US" sz="2000" i="1" smtClean="0">
+                            <a:latin typeface="Cambria Math" panose="02040503050406030204" pitchFamily="18" charset="0"/>
+                          </a:rPr>
+                          <m:t>𝜕</m:t>
+                        </m:r>
+                        <m:r>
+                          <a:rPr lang="en-US" altLang="ko-KR" sz="2000" b="0" i="1" smtClean="0">
+                            <a:latin typeface="Cambria Math" panose="02040503050406030204" pitchFamily="18" charset="0"/>
+                          </a:rPr>
+                          <m:t>𝑙</m:t>
+                        </m:r>
+                        <m:d>
+                          <m:dPr>
+                            <m:ctrlPr>
+                              <a:rPr lang="en-US" altLang="ko-KR" sz="2000" b="0" i="1" smtClean="0">
+                                <a:latin typeface="Cambria Math" panose="02040503050406030204" pitchFamily="18" charset="0"/>
+                              </a:rPr>
+                            </m:ctrlPr>
+                          </m:dPr>
+                          <m:e>
+                            <m:r>
+                              <a:rPr lang="en-US" altLang="ko-KR" sz="2000" i="1">
+                                <a:latin typeface="Cambria Math" panose="02040503050406030204" pitchFamily="18" charset="0"/>
+                              </a:rPr>
+                              <m:t>𝑤</m:t>
+                            </m:r>
+                          </m:e>
+                        </m:d>
+                      </m:num>
+                      <m:den>
+                        <m:r>
+                          <a:rPr lang="ko-KR" altLang="en-US" sz="2000" i="1">
+                            <a:latin typeface="Cambria Math" panose="02040503050406030204" pitchFamily="18" charset="0"/>
+                          </a:rPr>
+                          <m:t>𝜕</m:t>
+                        </m:r>
+                        <m:r>
+                          <a:rPr lang="en-US" altLang="ko-KR" sz="2000" i="1">
+                            <a:latin typeface="Cambria Math" panose="02040503050406030204" pitchFamily="18" charset="0"/>
+                          </a:rPr>
+                          <m:t>𝑝</m:t>
+                        </m:r>
+                      </m:den>
+                    </m:f>
+                  </m:oMath>
+                </a14:m>
+                <a:r>
+                  <a:rPr lang="en-US" altLang="ko-KR" sz="2000" dirty="0"/>
+                  <a:t> = </a:t>
+                </a:r>
+                <a14:m>
+                  <m:oMath xmlns:m="http://schemas.openxmlformats.org/officeDocument/2006/math">
+                    <m:f>
+                      <m:fPr>
+                        <m:ctrlPr>
+                          <a:rPr lang="en-US" altLang="ko-KR" sz="2000" b="0" i="1" dirty="0" smtClean="0">
+                            <a:latin typeface="Cambria Math" panose="02040503050406030204" pitchFamily="18" charset="0"/>
+                          </a:rPr>
+                        </m:ctrlPr>
+                      </m:fPr>
+                      <m:num>
+                        <m:sSub>
+                          <m:sSubPr>
+                            <m:ctrlPr>
+                              <a:rPr lang="en-US" altLang="ko-KR" sz="2000" i="1" dirty="0">
+                                <a:latin typeface="Cambria Math" panose="02040503050406030204" pitchFamily="18" charset="0"/>
+                              </a:rPr>
+                            </m:ctrlPr>
+                          </m:sSubPr>
+                          <m:e>
+                            <m:r>
+                              <a:rPr lang="en-US" altLang="ko-KR" sz="2000" i="1" dirty="0">
+                                <a:latin typeface="Cambria Math" panose="02040503050406030204" pitchFamily="18" charset="0"/>
+                              </a:rPr>
+                              <m:t>(</m:t>
+                            </m:r>
+                            <m:r>
+                              <a:rPr lang="en-US" altLang="ko-KR" sz="2000" i="1" dirty="0">
+                                <a:latin typeface="Cambria Math" panose="02040503050406030204" pitchFamily="18" charset="0"/>
+                              </a:rPr>
+                              <m:t>𝑇</m:t>
+                            </m:r>
+                          </m:e>
+                          <m:sub>
+                            <m:r>
+                              <a:rPr lang="en-US" altLang="ko-KR" sz="2000" i="1" dirty="0">
+                                <a:latin typeface="Cambria Math" panose="02040503050406030204" pitchFamily="18" charset="0"/>
+                              </a:rPr>
+                              <m:t>1</m:t>
+                            </m:r>
+                          </m:sub>
+                        </m:sSub>
+                        <m:r>
+                          <a:rPr lang="en-US" altLang="ko-KR" sz="2000" i="1" dirty="0">
+                            <a:latin typeface="Cambria Math" panose="02040503050406030204" pitchFamily="18" charset="0"/>
+                          </a:rPr>
+                          <m:t>+</m:t>
+                        </m:r>
+                        <m:sSub>
+                          <m:sSubPr>
+                            <m:ctrlPr>
+                              <a:rPr lang="en-US" altLang="ko-KR" sz="2000" i="1" dirty="0">
+                                <a:latin typeface="Cambria Math" panose="02040503050406030204" pitchFamily="18" charset="0"/>
+                              </a:rPr>
+                            </m:ctrlPr>
+                          </m:sSubPr>
+                          <m:e>
+                            <m:r>
+                              <a:rPr lang="en-US" altLang="ko-KR" sz="2000" i="1" dirty="0">
+                                <a:latin typeface="Cambria Math" panose="02040503050406030204" pitchFamily="18" charset="0"/>
+                              </a:rPr>
+                              <m:t>𝑇</m:t>
+                            </m:r>
+                          </m:e>
+                          <m:sub>
+                            <m:r>
+                              <a:rPr lang="en-US" altLang="ko-KR" sz="2000" i="1" dirty="0">
+                                <a:latin typeface="Cambria Math" panose="02040503050406030204" pitchFamily="18" charset="0"/>
+                              </a:rPr>
+                              <m:t>2</m:t>
+                            </m:r>
+                          </m:sub>
+                        </m:sSub>
+                        <m:r>
+                          <a:rPr lang="en-US" altLang="ko-KR" sz="2000" i="1" dirty="0">
+                            <a:latin typeface="Cambria Math" panose="02040503050406030204" pitchFamily="18" charset="0"/>
+                          </a:rPr>
+                          <m:t>)</m:t>
+                        </m:r>
+                      </m:num>
+                      <m:den>
+                        <m:r>
+                          <a:rPr lang="en-US" altLang="ko-KR" sz="2000" b="0" i="1" dirty="0" smtClean="0">
+                            <a:latin typeface="Cambria Math" panose="02040503050406030204" pitchFamily="18" charset="0"/>
+                          </a:rPr>
+                          <m:t>𝑃</m:t>
+                        </m:r>
+                      </m:den>
+                    </m:f>
+                  </m:oMath>
+                </a14:m>
+                <a:r>
+                  <a:rPr lang="en-US" altLang="ko-KR" sz="2000" dirty="0"/>
+                  <a:t> - </a:t>
+                </a:r>
+                <a14:m>
+                  <m:oMath xmlns:m="http://schemas.openxmlformats.org/officeDocument/2006/math">
+                    <m:f>
+                      <m:fPr>
+                        <m:ctrlPr>
+                          <a:rPr lang="en-US" altLang="ko-KR" sz="2000" i="1" dirty="0">
+                            <a:latin typeface="Cambria Math" panose="02040503050406030204" pitchFamily="18" charset="0"/>
+                          </a:rPr>
+                        </m:ctrlPr>
+                      </m:fPr>
+                      <m:num>
+                        <m:sSub>
+                          <m:sSubPr>
+                            <m:ctrlPr>
+                              <a:rPr lang="en-US" altLang="ko-KR" sz="2000" i="1" dirty="0">
+                                <a:latin typeface="Cambria Math" panose="02040503050406030204" pitchFamily="18" charset="0"/>
+                              </a:rPr>
+                            </m:ctrlPr>
+                          </m:sSubPr>
+                          <m:e>
+                            <m:r>
+                              <a:rPr lang="en-US" altLang="ko-KR" sz="2000" i="1" dirty="0">
+                                <a:latin typeface="Cambria Math" panose="02040503050406030204" pitchFamily="18" charset="0"/>
+                              </a:rPr>
+                              <m:t>(</m:t>
+                            </m:r>
+                            <m:r>
+                              <a:rPr lang="en-US" altLang="ko-KR" sz="2000" b="0" i="1" dirty="0" smtClean="0">
+                                <a:latin typeface="Cambria Math" panose="02040503050406030204" pitchFamily="18" charset="0"/>
+                              </a:rPr>
+                              <m:t>𝑛</m:t>
+                            </m:r>
+                            <m:r>
+                              <a:rPr lang="en-US" altLang="ko-KR" sz="2000" b="0" i="1" dirty="0" smtClean="0">
+                                <a:latin typeface="Cambria Math" panose="02040503050406030204" pitchFamily="18" charset="0"/>
+                              </a:rPr>
+                              <m:t>−</m:t>
+                            </m:r>
+                            <m:r>
+                              <a:rPr lang="en-US" altLang="ko-KR" sz="2000" i="1" dirty="0">
+                                <a:latin typeface="Cambria Math" panose="02040503050406030204" pitchFamily="18" charset="0"/>
+                              </a:rPr>
+                              <m:t>𝑇</m:t>
+                            </m:r>
+                          </m:e>
+                          <m:sub>
+                            <m:r>
+                              <a:rPr lang="en-US" altLang="ko-KR" sz="2000" i="1" dirty="0">
+                                <a:latin typeface="Cambria Math" panose="02040503050406030204" pitchFamily="18" charset="0"/>
+                              </a:rPr>
+                              <m:t>1</m:t>
+                            </m:r>
+                          </m:sub>
+                        </m:sSub>
+                        <m:r>
+                          <a:rPr lang="en-US" altLang="ko-KR" sz="2000" b="0" i="1" dirty="0" smtClean="0">
+                            <a:latin typeface="Cambria Math" panose="02040503050406030204" pitchFamily="18" charset="0"/>
+                          </a:rPr>
+                          <m:t>−</m:t>
+                        </m:r>
+                        <m:sSub>
+                          <m:sSubPr>
+                            <m:ctrlPr>
+                              <a:rPr lang="en-US" altLang="ko-KR" sz="2000" i="1" dirty="0">
+                                <a:latin typeface="Cambria Math" panose="02040503050406030204" pitchFamily="18" charset="0"/>
+                              </a:rPr>
+                            </m:ctrlPr>
+                          </m:sSubPr>
+                          <m:e>
+                            <m:r>
+                              <a:rPr lang="en-US" altLang="ko-KR" sz="2000" i="1" dirty="0">
+                                <a:latin typeface="Cambria Math" panose="02040503050406030204" pitchFamily="18" charset="0"/>
+                              </a:rPr>
+                              <m:t>𝑇</m:t>
+                            </m:r>
+                          </m:e>
+                          <m:sub>
+                            <m:r>
+                              <a:rPr lang="en-US" altLang="ko-KR" sz="2000" i="1" dirty="0">
+                                <a:latin typeface="Cambria Math" panose="02040503050406030204" pitchFamily="18" charset="0"/>
+                              </a:rPr>
+                              <m:t>2</m:t>
+                            </m:r>
+                          </m:sub>
+                        </m:sSub>
+                        <m:r>
+                          <a:rPr lang="en-US" altLang="ko-KR" sz="2000" i="1" dirty="0">
+                            <a:latin typeface="Cambria Math" panose="02040503050406030204" pitchFamily="18" charset="0"/>
+                          </a:rPr>
+                          <m:t>)</m:t>
+                        </m:r>
+                      </m:num>
+                      <m:den>
+                        <m:r>
+                          <a:rPr lang="en-US" altLang="ko-KR" sz="2000" b="0" i="1" dirty="0" smtClean="0">
+                            <a:latin typeface="Cambria Math" panose="02040503050406030204" pitchFamily="18" charset="0"/>
+                          </a:rPr>
+                          <m:t>1−2</m:t>
+                        </m:r>
+                        <m:r>
+                          <a:rPr lang="en-US" altLang="ko-KR" sz="2000" i="1" dirty="0">
+                            <a:latin typeface="Cambria Math" panose="02040503050406030204" pitchFamily="18" charset="0"/>
+                          </a:rPr>
+                          <m:t>𝑃</m:t>
+                        </m:r>
+                      </m:den>
+                    </m:f>
+                  </m:oMath>
+                </a14:m>
+                <a:r>
+                  <a:rPr lang="en-US" altLang="ko-KR" sz="2000" dirty="0"/>
+                  <a:t> = 0 </a:t>
+                </a:r>
+                <a:r>
+                  <a:rPr lang="ko-KR" altLang="en-US" sz="2000" dirty="0"/>
+                  <a:t>에서</a:t>
+                </a:r>
+                <a:endParaRPr lang="en-US" altLang="ko-KR" sz="2000" dirty="0"/>
+              </a:p>
+              <a:p>
+                <a:pPr>
+                  <a:buFontTx/>
+                  <a:buChar char="-"/>
+                </a:pPr>
+                <a14:m>
+                  <m:oMath xmlns:m="http://schemas.openxmlformats.org/officeDocument/2006/math">
+                    <m:acc>
+                      <m:accPr>
+                        <m:chr m:val="̂"/>
+                        <m:ctrlPr>
+                          <a:rPr lang="en-US" altLang="ko-KR" sz="2000" i="1">
+                            <a:latin typeface="Cambria Math" panose="02040503050406030204" pitchFamily="18" charset="0"/>
+                          </a:rPr>
+                        </m:ctrlPr>
+                      </m:accPr>
+                      <m:e>
+                        <m:r>
+                          <a:rPr lang="en-US" altLang="ko-KR" sz="2000" i="1">
+                            <a:latin typeface="Cambria Math" panose="02040503050406030204" pitchFamily="18" charset="0"/>
+                          </a:rPr>
+                          <m:t>𝑝</m:t>
+                        </m:r>
+                      </m:e>
+                    </m:acc>
+                  </m:oMath>
+                </a14:m>
+                <a:r>
+                  <a:rPr lang="en-US" altLang="ko-KR" sz="2000" dirty="0"/>
+                  <a:t> = </a:t>
+                </a:r>
+                <a14:m>
+                  <m:oMath xmlns:m="http://schemas.openxmlformats.org/officeDocument/2006/math">
+                    <m:f>
+                      <m:fPr>
+                        <m:ctrlPr>
+                          <a:rPr lang="en-US" altLang="ko-KR" sz="2000" i="1" dirty="0">
+                            <a:latin typeface="Cambria Math" panose="02040503050406030204" pitchFamily="18" charset="0"/>
+                          </a:rPr>
+                        </m:ctrlPr>
+                      </m:fPr>
+                      <m:num>
+                        <m:sSub>
+                          <m:sSubPr>
+                            <m:ctrlPr>
+                              <a:rPr lang="en-US" altLang="ko-KR" sz="2000" i="1" dirty="0">
+                                <a:latin typeface="Cambria Math" panose="02040503050406030204" pitchFamily="18" charset="0"/>
+                              </a:rPr>
+                            </m:ctrlPr>
+                          </m:sSubPr>
+                          <m:e>
+                            <m:r>
+                              <a:rPr lang="en-US" altLang="ko-KR" sz="2000" i="1" dirty="0">
+                                <a:latin typeface="Cambria Math" panose="02040503050406030204" pitchFamily="18" charset="0"/>
+                              </a:rPr>
+                              <m:t>(</m:t>
+                            </m:r>
+                            <m:r>
+                              <a:rPr lang="en-US" altLang="ko-KR" sz="2000" i="1" dirty="0">
+                                <a:latin typeface="Cambria Math" panose="02040503050406030204" pitchFamily="18" charset="0"/>
+                              </a:rPr>
+                              <m:t>𝑇</m:t>
+                            </m:r>
+                          </m:e>
+                          <m:sub>
+                            <m:r>
+                              <a:rPr lang="en-US" altLang="ko-KR" sz="2000" i="1" dirty="0">
+                                <a:latin typeface="Cambria Math" panose="02040503050406030204" pitchFamily="18" charset="0"/>
+                              </a:rPr>
+                              <m:t>1</m:t>
+                            </m:r>
+                          </m:sub>
+                        </m:sSub>
+                        <m:r>
+                          <a:rPr lang="en-US" altLang="ko-KR" sz="2000" i="1" dirty="0">
+                            <a:latin typeface="Cambria Math" panose="02040503050406030204" pitchFamily="18" charset="0"/>
+                          </a:rPr>
+                          <m:t>+</m:t>
+                        </m:r>
+                        <m:sSub>
+                          <m:sSubPr>
+                            <m:ctrlPr>
+                              <a:rPr lang="en-US" altLang="ko-KR" sz="2000" i="1" dirty="0">
+                                <a:latin typeface="Cambria Math" panose="02040503050406030204" pitchFamily="18" charset="0"/>
+                              </a:rPr>
+                            </m:ctrlPr>
+                          </m:sSubPr>
+                          <m:e>
+                            <m:r>
+                              <a:rPr lang="en-US" altLang="ko-KR" sz="2000" i="1" dirty="0">
+                                <a:latin typeface="Cambria Math" panose="02040503050406030204" pitchFamily="18" charset="0"/>
+                              </a:rPr>
+                              <m:t>𝑇</m:t>
+                            </m:r>
+                          </m:e>
+                          <m:sub>
+                            <m:r>
+                              <a:rPr lang="en-US" altLang="ko-KR" sz="2000" i="1" dirty="0">
+                                <a:latin typeface="Cambria Math" panose="02040503050406030204" pitchFamily="18" charset="0"/>
+                              </a:rPr>
+                              <m:t>2</m:t>
+                            </m:r>
+                          </m:sub>
+                        </m:sSub>
+                        <m:r>
+                          <a:rPr lang="en-US" altLang="ko-KR" sz="2000" i="1" dirty="0">
+                            <a:latin typeface="Cambria Math" panose="02040503050406030204" pitchFamily="18" charset="0"/>
+                          </a:rPr>
+                          <m:t>)</m:t>
+                        </m:r>
+                      </m:num>
+                      <m:den>
+                        <m:r>
+                          <a:rPr lang="en-US" altLang="ko-KR" sz="2000" b="0" i="1" dirty="0" smtClean="0">
+                            <a:latin typeface="Cambria Math" panose="02040503050406030204" pitchFamily="18" charset="0"/>
+                          </a:rPr>
+                          <m:t>2</m:t>
+                        </m:r>
+                        <m:r>
+                          <a:rPr lang="en-US" altLang="ko-KR" sz="2000" b="0" i="1" dirty="0" smtClean="0">
+                            <a:latin typeface="Cambria Math" panose="02040503050406030204" pitchFamily="18" charset="0"/>
+                          </a:rPr>
+                          <m:t>𝑛</m:t>
+                        </m:r>
+                      </m:den>
+                    </m:f>
+                  </m:oMath>
+                </a14:m>
+                <a:r>
+                  <a:rPr lang="en-US" altLang="ko-KR" sz="2000" dirty="0"/>
+                  <a:t>= </a:t>
+                </a:r>
+                <a14:m>
+                  <m:oMath xmlns:m="http://schemas.openxmlformats.org/officeDocument/2006/math">
+                    <m:f>
+                      <m:fPr>
+                        <m:ctrlPr>
+                          <a:rPr lang="en-US" altLang="ko-KR" sz="2000" i="1" dirty="0">
+                            <a:latin typeface="Cambria Math" panose="02040503050406030204" pitchFamily="18" charset="0"/>
+                          </a:rPr>
+                        </m:ctrlPr>
+                      </m:fPr>
+                      <m:num>
+                        <m:sSub>
+                          <m:sSubPr>
+                            <m:ctrlPr>
+                              <a:rPr lang="en-US" altLang="ko-KR" sz="2000" i="1" dirty="0" smtClean="0">
+                                <a:latin typeface="Cambria Math" panose="02040503050406030204" pitchFamily="18" charset="0"/>
+                              </a:rPr>
+                            </m:ctrlPr>
+                          </m:sSubPr>
+                          <m:e>
+                            <m:r>
+                              <a:rPr lang="en-US" altLang="ko-KR" sz="2000" i="1" dirty="0">
+                                <a:latin typeface="Cambria Math" panose="02040503050406030204" pitchFamily="18" charset="0"/>
+                              </a:rPr>
+                              <m:t>(</m:t>
+                            </m:r>
+                            <m:acc>
+                              <m:accPr>
+                                <m:chr m:val="̂"/>
+                                <m:ctrlPr>
+                                  <a:rPr lang="en-US" altLang="ko-KR" sz="2000" i="1">
+                                    <a:latin typeface="Cambria Math" panose="02040503050406030204" pitchFamily="18" charset="0"/>
+                                  </a:rPr>
+                                </m:ctrlPr>
+                              </m:accPr>
+                              <m:e>
+                                <m:r>
+                                  <a:rPr lang="en-US" altLang="ko-KR" sz="2000" i="1">
+                                    <a:latin typeface="Cambria Math" panose="02040503050406030204" pitchFamily="18" charset="0"/>
+                                  </a:rPr>
+                                  <m:t>𝑝</m:t>
+                                </m:r>
+                              </m:e>
+                            </m:acc>
+                          </m:e>
+                          <m:sub>
+                            <m:r>
+                              <a:rPr lang="en-US" altLang="ko-KR" sz="2000" i="1" dirty="0">
+                                <a:latin typeface="Cambria Math" panose="02040503050406030204" pitchFamily="18" charset="0"/>
+                              </a:rPr>
+                              <m:t>1</m:t>
+                            </m:r>
+                          </m:sub>
+                        </m:sSub>
+                        <m:r>
+                          <a:rPr lang="en-US" altLang="ko-KR" sz="2000" i="1" dirty="0">
+                            <a:latin typeface="Cambria Math" panose="02040503050406030204" pitchFamily="18" charset="0"/>
+                          </a:rPr>
+                          <m:t>+</m:t>
+                        </m:r>
+                        <m:sSub>
+                          <m:sSubPr>
+                            <m:ctrlPr>
+                              <a:rPr lang="en-US" altLang="ko-KR" sz="2000" i="1" dirty="0">
+                                <a:latin typeface="Cambria Math" panose="02040503050406030204" pitchFamily="18" charset="0"/>
+                              </a:rPr>
+                            </m:ctrlPr>
+                          </m:sSubPr>
+                          <m:e>
+                            <m:acc>
+                              <m:accPr>
+                                <m:chr m:val="̂"/>
+                                <m:ctrlPr>
+                                  <a:rPr lang="en-US" altLang="ko-KR" sz="2000" i="1">
+                                    <a:latin typeface="Cambria Math" panose="02040503050406030204" pitchFamily="18" charset="0"/>
+                                  </a:rPr>
+                                </m:ctrlPr>
+                              </m:accPr>
+                              <m:e>
+                                <m:r>
+                                  <a:rPr lang="en-US" altLang="ko-KR" sz="2000" i="1">
+                                    <a:latin typeface="Cambria Math" panose="02040503050406030204" pitchFamily="18" charset="0"/>
+                                  </a:rPr>
+                                  <m:t>𝑝</m:t>
+                                </m:r>
+                              </m:e>
+                            </m:acc>
+                          </m:e>
+                          <m:sub>
+                            <m:r>
+                              <a:rPr lang="en-US" altLang="ko-KR" sz="2000" i="1" dirty="0">
+                                <a:latin typeface="Cambria Math" panose="02040503050406030204" pitchFamily="18" charset="0"/>
+                              </a:rPr>
+                              <m:t>2</m:t>
+                            </m:r>
+                          </m:sub>
+                        </m:sSub>
+                        <m:r>
+                          <a:rPr lang="en-US" altLang="ko-KR" sz="2000" i="1" dirty="0">
+                            <a:latin typeface="Cambria Math" panose="02040503050406030204" pitchFamily="18" charset="0"/>
+                          </a:rPr>
+                          <m:t>)</m:t>
+                        </m:r>
+                      </m:num>
+                      <m:den>
+                        <m:r>
+                          <a:rPr lang="en-US" altLang="ko-KR" sz="2000" i="1" dirty="0">
+                            <a:latin typeface="Cambria Math" panose="02040503050406030204" pitchFamily="18" charset="0"/>
+                          </a:rPr>
+                          <m:t>2</m:t>
+                        </m:r>
+                      </m:den>
+                    </m:f>
+                  </m:oMath>
+                </a14:m>
+                <a:endParaRPr lang="en-US" altLang="ko-KR" sz="2000" dirty="0"/>
+              </a:p>
+              <a:p>
+                <a:pPr marL="0" indent="0">
+                  <a:buNone/>
+                </a:pPr>
+                <a:r>
+                  <a:rPr lang="en-US" altLang="ko-KR" sz="2000" dirty="0"/>
+                  <a:t>(3) </a:t>
+                </a:r>
+                <a:r>
+                  <a:rPr lang="ko-KR" altLang="en-US" sz="2000" dirty="0"/>
+                  <a:t>따라서 </a:t>
+                </a:r>
+                <a14:m>
+                  <m:oMath xmlns:m="http://schemas.openxmlformats.org/officeDocument/2006/math">
+                    <m:r>
+                      <a:rPr lang="en-US" altLang="ko-KR" sz="2000" i="1">
+                        <a:latin typeface="Cambria Math" panose="02040503050406030204" pitchFamily="18" charset="0"/>
+                      </a:rPr>
+                      <m:t>𝐿</m:t>
+                    </m:r>
+                    <m:d>
+                      <m:dPr>
+                        <m:ctrlPr>
+                          <a:rPr lang="en-US" altLang="ko-KR" sz="2000" b="0" i="1" smtClean="0">
+                            <a:latin typeface="Cambria Math" panose="02040503050406030204" pitchFamily="18" charset="0"/>
+                          </a:rPr>
+                        </m:ctrlPr>
+                      </m:dPr>
+                      <m:e>
+                        <m:acc>
+                          <m:accPr>
+                            <m:chr m:val="̂"/>
+                            <m:ctrlPr>
+                              <a:rPr lang="en-US" altLang="ko-KR" sz="2000" i="1">
+                                <a:latin typeface="Cambria Math" panose="02040503050406030204" pitchFamily="18" charset="0"/>
+                              </a:rPr>
+                            </m:ctrlPr>
+                          </m:accPr>
+                          <m:e>
+                            <m:r>
+                              <a:rPr lang="en-US" altLang="ko-KR" sz="2000" i="1">
+                                <a:latin typeface="Cambria Math" panose="02040503050406030204" pitchFamily="18" charset="0"/>
+                              </a:rPr>
+                              <m:t>𝑤</m:t>
+                            </m:r>
+                          </m:e>
+                        </m:acc>
+                      </m:e>
+                    </m:d>
+                    <m:r>
+                      <a:rPr lang="en-US" altLang="ko-KR" sz="2000" b="0" i="1" smtClean="0">
+                        <a:latin typeface="Cambria Math" panose="02040503050406030204" pitchFamily="18" charset="0"/>
+                      </a:rPr>
+                      <m:t>= </m:t>
+                    </m:r>
+                    <m:sSup>
+                      <m:sSupPr>
+                        <m:ctrlPr>
+                          <a:rPr lang="en-US" altLang="ko-KR" sz="2000" i="1" smtClean="0">
+                            <a:solidFill>
+                              <a:srgbClr val="FF0000"/>
+                            </a:solidFill>
+                            <a:latin typeface="Cambria Math" panose="02040503050406030204" pitchFamily="18" charset="0"/>
+                          </a:rPr>
+                        </m:ctrlPr>
+                      </m:sSupPr>
+                      <m:e>
+                        <m:f>
+                          <m:fPr>
+                            <m:ctrlPr>
+                              <a:rPr lang="en-US" altLang="ko-KR" sz="2000" i="1" dirty="0">
+                                <a:solidFill>
+                                  <a:srgbClr val="FF0000"/>
+                                </a:solidFill>
+                                <a:latin typeface="Cambria Math" panose="02040503050406030204" pitchFamily="18" charset="0"/>
+                              </a:rPr>
+                            </m:ctrlPr>
+                          </m:fPr>
+                          <m:num>
+                            <m:sSub>
+                              <m:sSubPr>
+                                <m:ctrlPr>
+                                  <a:rPr lang="en-US" altLang="ko-KR" sz="2000" i="1" dirty="0">
+                                    <a:solidFill>
+                                      <a:srgbClr val="FF0000"/>
+                                    </a:solidFill>
+                                    <a:latin typeface="Cambria Math" panose="02040503050406030204" pitchFamily="18" charset="0"/>
+                                  </a:rPr>
+                                </m:ctrlPr>
+                              </m:sSubPr>
+                              <m:e>
+                                <m:r>
+                                  <a:rPr lang="en-US" altLang="ko-KR" sz="2000" i="1" dirty="0">
+                                    <a:solidFill>
+                                      <a:srgbClr val="FF0000"/>
+                                    </a:solidFill>
+                                    <a:latin typeface="Cambria Math" panose="02040503050406030204" pitchFamily="18" charset="0"/>
+                                  </a:rPr>
+                                  <m:t>(</m:t>
+                                </m:r>
+                                <m:acc>
+                                  <m:accPr>
+                                    <m:chr m:val="̂"/>
+                                    <m:ctrlPr>
+                                      <a:rPr lang="en-US" altLang="ko-KR" sz="2000" i="1">
+                                        <a:solidFill>
+                                          <a:srgbClr val="FF0000"/>
+                                        </a:solidFill>
+                                        <a:latin typeface="Cambria Math" panose="02040503050406030204" pitchFamily="18" charset="0"/>
+                                      </a:rPr>
+                                    </m:ctrlPr>
+                                  </m:accPr>
+                                  <m:e>
+                                    <m:r>
+                                      <a:rPr lang="en-US" altLang="ko-KR" sz="2000" i="1">
+                                        <a:solidFill>
+                                          <a:srgbClr val="FF0000"/>
+                                        </a:solidFill>
+                                        <a:latin typeface="Cambria Math" panose="02040503050406030204" pitchFamily="18" charset="0"/>
+                                      </a:rPr>
+                                      <m:t>𝑝</m:t>
+                                    </m:r>
+                                  </m:e>
+                                </m:acc>
+                              </m:e>
+                              <m:sub>
+                                <m:r>
+                                  <a:rPr lang="en-US" altLang="ko-KR" sz="2000" i="1" dirty="0">
+                                    <a:solidFill>
+                                      <a:srgbClr val="FF0000"/>
+                                    </a:solidFill>
+                                    <a:latin typeface="Cambria Math" panose="02040503050406030204" pitchFamily="18" charset="0"/>
+                                  </a:rPr>
+                                  <m:t>1</m:t>
+                                </m:r>
+                              </m:sub>
+                            </m:sSub>
+                            <m:r>
+                              <a:rPr lang="en-US" altLang="ko-KR" sz="2000" i="1" dirty="0">
+                                <a:solidFill>
+                                  <a:srgbClr val="FF0000"/>
+                                </a:solidFill>
+                                <a:latin typeface="Cambria Math" panose="02040503050406030204" pitchFamily="18" charset="0"/>
+                              </a:rPr>
+                              <m:t>+</m:t>
+                            </m:r>
+                            <m:sSub>
+                              <m:sSubPr>
+                                <m:ctrlPr>
+                                  <a:rPr lang="en-US" altLang="ko-KR" sz="2000" i="1" dirty="0">
+                                    <a:solidFill>
+                                      <a:srgbClr val="FF0000"/>
+                                    </a:solidFill>
+                                    <a:latin typeface="Cambria Math" panose="02040503050406030204" pitchFamily="18" charset="0"/>
+                                  </a:rPr>
+                                </m:ctrlPr>
+                              </m:sSubPr>
+                              <m:e>
+                                <m:acc>
+                                  <m:accPr>
+                                    <m:chr m:val="̂"/>
+                                    <m:ctrlPr>
+                                      <a:rPr lang="en-US" altLang="ko-KR" sz="2000" i="1">
+                                        <a:solidFill>
+                                          <a:srgbClr val="FF0000"/>
+                                        </a:solidFill>
+                                        <a:latin typeface="Cambria Math" panose="02040503050406030204" pitchFamily="18" charset="0"/>
+                                      </a:rPr>
+                                    </m:ctrlPr>
+                                  </m:accPr>
+                                  <m:e>
+                                    <m:r>
+                                      <a:rPr lang="en-US" altLang="ko-KR" sz="2000" i="1">
+                                        <a:solidFill>
+                                          <a:srgbClr val="FF0000"/>
+                                        </a:solidFill>
+                                        <a:latin typeface="Cambria Math" panose="02040503050406030204" pitchFamily="18" charset="0"/>
+                                      </a:rPr>
+                                      <m:t>𝑝</m:t>
+                                    </m:r>
+                                  </m:e>
+                                </m:acc>
+                              </m:e>
+                              <m:sub>
+                                <m:r>
+                                  <a:rPr lang="en-US" altLang="ko-KR" sz="2000" i="1" dirty="0">
+                                    <a:solidFill>
+                                      <a:srgbClr val="FF0000"/>
+                                    </a:solidFill>
+                                    <a:latin typeface="Cambria Math" panose="02040503050406030204" pitchFamily="18" charset="0"/>
+                                  </a:rPr>
+                                  <m:t>2</m:t>
+                                </m:r>
+                              </m:sub>
+                            </m:sSub>
+                            <m:r>
+                              <a:rPr lang="en-US" altLang="ko-KR" sz="2000" i="1" dirty="0">
+                                <a:solidFill>
+                                  <a:srgbClr val="FF0000"/>
+                                </a:solidFill>
+                                <a:latin typeface="Cambria Math" panose="02040503050406030204" pitchFamily="18" charset="0"/>
+                              </a:rPr>
+                              <m:t>)</m:t>
+                            </m:r>
+                          </m:num>
+                          <m:den>
+                            <m:r>
+                              <a:rPr lang="en-US" altLang="ko-KR" sz="2000" i="1" dirty="0">
+                                <a:solidFill>
+                                  <a:srgbClr val="FF0000"/>
+                                </a:solidFill>
+                                <a:latin typeface="Cambria Math" panose="02040503050406030204" pitchFamily="18" charset="0"/>
+                              </a:rPr>
+                              <m:t>2</m:t>
+                            </m:r>
+                          </m:den>
+                        </m:f>
+                      </m:e>
+                      <m:sup>
+                        <m:r>
+                          <a:rPr lang="en-US" altLang="ko-KR" sz="2000" b="0" i="1" smtClean="0">
+                            <a:solidFill>
+                              <a:srgbClr val="FF0000"/>
+                            </a:solidFill>
+                            <a:latin typeface="Cambria Math" panose="02040503050406030204" pitchFamily="18" charset="0"/>
+                          </a:rPr>
+                          <m:t>𝑛</m:t>
+                        </m:r>
+                        <m:r>
+                          <a:rPr lang="en-US" altLang="ko-KR" sz="2000" b="0" i="1" smtClean="0">
+                            <a:solidFill>
+                              <a:srgbClr val="FF0000"/>
+                            </a:solidFill>
+                            <a:latin typeface="Cambria Math" panose="02040503050406030204" pitchFamily="18" charset="0"/>
+                          </a:rPr>
+                          <m:t>(</m:t>
+                        </m:r>
+                        <m:sSub>
+                          <m:sSubPr>
+                            <m:ctrlPr>
+                              <a:rPr lang="en-US" altLang="ko-KR" sz="2000" i="1" dirty="0">
+                                <a:solidFill>
+                                  <a:srgbClr val="FF0000"/>
+                                </a:solidFill>
+                                <a:latin typeface="Cambria Math" panose="02040503050406030204" pitchFamily="18" charset="0"/>
+                              </a:rPr>
+                            </m:ctrlPr>
+                          </m:sSubPr>
+                          <m:e>
+                            <m:acc>
+                              <m:accPr>
+                                <m:chr m:val="̂"/>
+                                <m:ctrlPr>
+                                  <a:rPr lang="en-US" altLang="ko-KR" sz="2000" i="1" smtClean="0">
+                                    <a:solidFill>
+                                      <a:srgbClr val="FF0000"/>
+                                    </a:solidFill>
+                                    <a:latin typeface="Cambria Math" panose="02040503050406030204" pitchFamily="18" charset="0"/>
+                                  </a:rPr>
+                                </m:ctrlPr>
+                              </m:accPr>
+                              <m:e>
+                                <m:r>
+                                  <a:rPr lang="en-US" altLang="ko-KR" sz="2000" i="1">
+                                    <a:solidFill>
+                                      <a:srgbClr val="FF0000"/>
+                                    </a:solidFill>
+                                    <a:latin typeface="Cambria Math" panose="02040503050406030204" pitchFamily="18" charset="0"/>
+                                  </a:rPr>
+                                  <m:t>𝑝</m:t>
+                                </m:r>
+                              </m:e>
+                            </m:acc>
+                          </m:e>
+                          <m:sub>
+                            <m:r>
+                              <a:rPr lang="en-US" altLang="ko-KR" sz="2000" i="1" dirty="0">
+                                <a:solidFill>
+                                  <a:srgbClr val="FF0000"/>
+                                </a:solidFill>
+                                <a:latin typeface="Cambria Math" panose="02040503050406030204" pitchFamily="18" charset="0"/>
+                              </a:rPr>
+                              <m:t>1</m:t>
+                            </m:r>
+                          </m:sub>
+                        </m:sSub>
+                        <m:r>
+                          <a:rPr lang="en-US" altLang="ko-KR" sz="2000" i="1" dirty="0">
+                            <a:solidFill>
+                              <a:srgbClr val="FF0000"/>
+                            </a:solidFill>
+                            <a:latin typeface="Cambria Math" panose="02040503050406030204" pitchFamily="18" charset="0"/>
+                          </a:rPr>
+                          <m:t>+</m:t>
+                        </m:r>
+                        <m:sSub>
+                          <m:sSubPr>
+                            <m:ctrlPr>
+                              <a:rPr lang="en-US" altLang="ko-KR" sz="2000" i="1" dirty="0">
+                                <a:solidFill>
+                                  <a:srgbClr val="FF0000"/>
+                                </a:solidFill>
+                                <a:latin typeface="Cambria Math" panose="02040503050406030204" pitchFamily="18" charset="0"/>
+                              </a:rPr>
+                            </m:ctrlPr>
+                          </m:sSubPr>
+                          <m:e>
+                            <m:acc>
+                              <m:accPr>
+                                <m:chr m:val="̂"/>
+                                <m:ctrlPr>
+                                  <a:rPr lang="en-US" altLang="ko-KR" sz="2000" i="1">
+                                    <a:solidFill>
+                                      <a:srgbClr val="FF0000"/>
+                                    </a:solidFill>
+                                    <a:latin typeface="Cambria Math" panose="02040503050406030204" pitchFamily="18" charset="0"/>
+                                  </a:rPr>
+                                </m:ctrlPr>
+                              </m:accPr>
+                              <m:e>
+                                <m:r>
+                                  <a:rPr lang="en-US" altLang="ko-KR" sz="2000" i="1">
+                                    <a:solidFill>
+                                      <a:srgbClr val="FF0000"/>
+                                    </a:solidFill>
+                                    <a:latin typeface="Cambria Math" panose="02040503050406030204" pitchFamily="18" charset="0"/>
+                                  </a:rPr>
+                                  <m:t>𝑝</m:t>
+                                </m:r>
+                              </m:e>
+                            </m:acc>
+                          </m:e>
+                          <m:sub>
+                            <m:r>
+                              <a:rPr lang="en-US" altLang="ko-KR" sz="2000" i="1" dirty="0">
+                                <a:solidFill>
+                                  <a:srgbClr val="FF0000"/>
+                                </a:solidFill>
+                                <a:latin typeface="Cambria Math" panose="02040503050406030204" pitchFamily="18" charset="0"/>
+                              </a:rPr>
+                              <m:t>2</m:t>
+                            </m:r>
+                          </m:sub>
+                        </m:sSub>
+                        <m:r>
+                          <a:rPr lang="en-US" altLang="ko-KR" sz="2000" b="0" i="1" dirty="0" smtClean="0">
+                            <a:solidFill>
+                              <a:srgbClr val="FF0000"/>
+                            </a:solidFill>
+                            <a:latin typeface="Cambria Math" panose="02040503050406030204" pitchFamily="18" charset="0"/>
+                          </a:rPr>
+                          <m:t>)</m:t>
+                        </m:r>
+                      </m:sup>
+                    </m:sSup>
+                    <m:sSup>
+                      <m:sSupPr>
+                        <m:ctrlPr>
+                          <a:rPr lang="en-US" altLang="ko-KR" sz="2000" i="1">
+                            <a:solidFill>
+                              <a:srgbClr val="FF0000"/>
+                            </a:solidFill>
+                            <a:latin typeface="Cambria Math" panose="02040503050406030204" pitchFamily="18" charset="0"/>
+                          </a:rPr>
+                        </m:ctrlPr>
+                      </m:sSupPr>
+                      <m:e>
+                        <m:r>
+                          <m:rPr>
+                            <m:nor/>
+                          </m:rPr>
+                          <a:rPr lang="en-US" altLang="ko-KR" sz="2000" i="1" dirty="0">
+                            <a:solidFill>
+                              <a:srgbClr val="FF0000"/>
+                            </a:solidFill>
+                            <a:latin typeface="Cambria Math" panose="02040503050406030204" pitchFamily="18" charset="0"/>
+                          </a:rPr>
+                          <m:t>(1−</m:t>
+                        </m:r>
+                        <m:sSub>
+                          <m:sSubPr>
+                            <m:ctrlPr>
+                              <a:rPr lang="en-US" altLang="ko-KR" sz="2000" i="1" dirty="0">
+                                <a:solidFill>
+                                  <a:srgbClr val="FF0000"/>
+                                </a:solidFill>
+                                <a:latin typeface="Cambria Math" panose="02040503050406030204" pitchFamily="18" charset="0"/>
+                              </a:rPr>
+                            </m:ctrlPr>
+                          </m:sSubPr>
+                          <m:e>
+                            <m:r>
+                              <a:rPr lang="en-US" altLang="ko-KR" sz="2000" b="0" i="1" dirty="0" smtClean="0">
+                                <a:solidFill>
+                                  <a:srgbClr val="FF0000"/>
+                                </a:solidFill>
+                                <a:latin typeface="Cambria Math" panose="02040503050406030204" pitchFamily="18" charset="0"/>
+                              </a:rPr>
+                              <m:t> </m:t>
+                            </m:r>
+                            <m:acc>
+                              <m:accPr>
+                                <m:chr m:val="̂"/>
+                                <m:ctrlPr>
+                                  <a:rPr lang="en-US" altLang="ko-KR" sz="2000" i="1">
+                                    <a:solidFill>
+                                      <a:srgbClr val="FF0000"/>
+                                    </a:solidFill>
+                                    <a:latin typeface="Cambria Math" panose="02040503050406030204" pitchFamily="18" charset="0"/>
+                                  </a:rPr>
+                                </m:ctrlPr>
+                              </m:accPr>
+                              <m:e>
+                                <m:r>
+                                  <a:rPr lang="en-US" altLang="ko-KR" sz="2000" i="1">
+                                    <a:solidFill>
+                                      <a:srgbClr val="FF0000"/>
+                                    </a:solidFill>
+                                    <a:latin typeface="Cambria Math" panose="02040503050406030204" pitchFamily="18" charset="0"/>
+                                  </a:rPr>
+                                  <m:t>𝑝</m:t>
+                                </m:r>
+                              </m:e>
+                            </m:acc>
+                          </m:e>
+                          <m:sub>
+                            <m:r>
+                              <a:rPr lang="en-US" altLang="ko-KR" sz="2000" i="1" dirty="0">
+                                <a:solidFill>
+                                  <a:srgbClr val="FF0000"/>
+                                </a:solidFill>
+                                <a:latin typeface="Cambria Math" panose="02040503050406030204" pitchFamily="18" charset="0"/>
+                              </a:rPr>
+                              <m:t>1</m:t>
+                            </m:r>
+                          </m:sub>
+                        </m:sSub>
+                        <m:r>
+                          <a:rPr lang="en-US" altLang="ko-KR" sz="2000" i="1" dirty="0">
+                            <a:solidFill>
+                              <a:srgbClr val="FF0000"/>
+                            </a:solidFill>
+                            <a:latin typeface="Cambria Math" panose="02040503050406030204" pitchFamily="18" charset="0"/>
+                          </a:rPr>
+                          <m:t>+</m:t>
+                        </m:r>
+                        <m:sSub>
+                          <m:sSubPr>
+                            <m:ctrlPr>
+                              <a:rPr lang="en-US" altLang="ko-KR" sz="2000" i="1" dirty="0">
+                                <a:solidFill>
+                                  <a:srgbClr val="FF0000"/>
+                                </a:solidFill>
+                                <a:latin typeface="Cambria Math" panose="02040503050406030204" pitchFamily="18" charset="0"/>
+                              </a:rPr>
+                            </m:ctrlPr>
+                          </m:sSubPr>
+                          <m:e>
+                            <m:acc>
+                              <m:accPr>
+                                <m:chr m:val="̂"/>
+                                <m:ctrlPr>
+                                  <a:rPr lang="en-US" altLang="ko-KR" sz="2000" i="1">
+                                    <a:solidFill>
+                                      <a:srgbClr val="FF0000"/>
+                                    </a:solidFill>
+                                    <a:latin typeface="Cambria Math" panose="02040503050406030204" pitchFamily="18" charset="0"/>
+                                  </a:rPr>
+                                </m:ctrlPr>
+                              </m:accPr>
+                              <m:e>
+                                <m:r>
+                                  <a:rPr lang="en-US" altLang="ko-KR" sz="2000" i="1">
+                                    <a:solidFill>
+                                      <a:srgbClr val="FF0000"/>
+                                    </a:solidFill>
+                                    <a:latin typeface="Cambria Math" panose="02040503050406030204" pitchFamily="18" charset="0"/>
+                                  </a:rPr>
+                                  <m:t>𝑝</m:t>
+                                </m:r>
+                              </m:e>
+                            </m:acc>
+                          </m:e>
+                          <m:sub>
+                            <m:r>
+                              <a:rPr lang="en-US" altLang="ko-KR" sz="2000" i="1" dirty="0">
+                                <a:solidFill>
+                                  <a:srgbClr val="FF0000"/>
+                                </a:solidFill>
+                                <a:latin typeface="Cambria Math" panose="02040503050406030204" pitchFamily="18" charset="0"/>
+                              </a:rPr>
+                              <m:t>2</m:t>
+                            </m:r>
+                          </m:sub>
+                        </m:sSub>
+                        <m:r>
+                          <m:rPr>
+                            <m:nor/>
+                          </m:rPr>
+                          <a:rPr lang="en-US" altLang="ko-KR" sz="2000" i="1" dirty="0">
+                            <a:solidFill>
+                              <a:srgbClr val="FF0000"/>
+                            </a:solidFill>
+                            <a:latin typeface="Cambria Math" panose="02040503050406030204" pitchFamily="18" charset="0"/>
+                          </a:rPr>
+                          <m:t>) </m:t>
+                        </m:r>
+                      </m:e>
+                      <m:sup>
+                        <m:r>
+                          <a:rPr lang="en-US" altLang="ko-KR" sz="2000" i="1">
+                            <a:solidFill>
+                              <a:srgbClr val="FF0000"/>
+                            </a:solidFill>
+                            <a:latin typeface="Cambria Math" panose="02040503050406030204" pitchFamily="18" charset="0"/>
+                          </a:rPr>
+                          <m:t>𝑛</m:t>
+                        </m:r>
+                        <m:r>
+                          <a:rPr lang="en-US" altLang="ko-KR" sz="2000" i="1">
+                            <a:solidFill>
+                              <a:srgbClr val="FF0000"/>
+                            </a:solidFill>
+                            <a:latin typeface="Cambria Math" panose="02040503050406030204" pitchFamily="18" charset="0"/>
+                          </a:rPr>
+                          <m:t>(</m:t>
+                        </m:r>
+                        <m:sSub>
+                          <m:sSubPr>
+                            <m:ctrlPr>
+                              <a:rPr lang="en-US" altLang="ko-KR" sz="2000" i="1" dirty="0">
+                                <a:solidFill>
+                                  <a:srgbClr val="FF0000"/>
+                                </a:solidFill>
+                                <a:latin typeface="Cambria Math" panose="02040503050406030204" pitchFamily="18" charset="0"/>
+                              </a:rPr>
+                            </m:ctrlPr>
+                          </m:sSubPr>
+                          <m:e>
+                            <m:r>
+                              <a:rPr lang="en-US" altLang="ko-KR" sz="2000" i="1">
+                                <a:solidFill>
+                                  <a:srgbClr val="FF0000"/>
+                                </a:solidFill>
+                                <a:latin typeface="Cambria Math" panose="02040503050406030204" pitchFamily="18" charset="0"/>
+                              </a:rPr>
+                              <m:t>1−</m:t>
+                            </m:r>
+                            <m:acc>
+                              <m:accPr>
+                                <m:chr m:val="̂"/>
+                                <m:ctrlPr>
+                                  <a:rPr lang="en-US" altLang="ko-KR" sz="2000" i="1">
+                                    <a:solidFill>
+                                      <a:srgbClr val="FF0000"/>
+                                    </a:solidFill>
+                                    <a:latin typeface="Cambria Math" panose="02040503050406030204" pitchFamily="18" charset="0"/>
+                                  </a:rPr>
+                                </m:ctrlPr>
+                              </m:accPr>
+                              <m:e>
+                                <m:r>
+                                  <a:rPr lang="en-US" altLang="ko-KR" sz="2000" i="1">
+                                    <a:solidFill>
+                                      <a:srgbClr val="FF0000"/>
+                                    </a:solidFill>
+                                    <a:latin typeface="Cambria Math" panose="02040503050406030204" pitchFamily="18" charset="0"/>
+                                  </a:rPr>
+                                  <m:t>𝑝</m:t>
+                                </m:r>
+                              </m:e>
+                            </m:acc>
+                          </m:e>
+                          <m:sub>
+                            <m:r>
+                              <a:rPr lang="en-US" altLang="ko-KR" sz="2000" i="1" dirty="0">
+                                <a:solidFill>
+                                  <a:srgbClr val="FF0000"/>
+                                </a:solidFill>
+                                <a:latin typeface="Cambria Math" panose="02040503050406030204" pitchFamily="18" charset="0"/>
+                              </a:rPr>
+                              <m:t>1</m:t>
+                            </m:r>
+                          </m:sub>
+                        </m:sSub>
+                        <m:r>
+                          <a:rPr lang="en-US" altLang="ko-KR" sz="2000" b="0" i="1" dirty="0" smtClean="0">
+                            <a:solidFill>
+                              <a:srgbClr val="FF0000"/>
+                            </a:solidFill>
+                            <a:latin typeface="Cambria Math" panose="02040503050406030204" pitchFamily="18" charset="0"/>
+                          </a:rPr>
+                          <m:t>−</m:t>
+                        </m:r>
+                        <m:sSub>
+                          <m:sSubPr>
+                            <m:ctrlPr>
+                              <a:rPr lang="en-US" altLang="ko-KR" sz="2000" i="1" dirty="0">
+                                <a:solidFill>
+                                  <a:srgbClr val="FF0000"/>
+                                </a:solidFill>
+                                <a:latin typeface="Cambria Math" panose="02040503050406030204" pitchFamily="18" charset="0"/>
+                              </a:rPr>
+                            </m:ctrlPr>
+                          </m:sSubPr>
+                          <m:e>
+                            <m:acc>
+                              <m:accPr>
+                                <m:chr m:val="̂"/>
+                                <m:ctrlPr>
+                                  <a:rPr lang="en-US" altLang="ko-KR" sz="2000" i="1">
+                                    <a:solidFill>
+                                      <a:srgbClr val="FF0000"/>
+                                    </a:solidFill>
+                                    <a:latin typeface="Cambria Math" panose="02040503050406030204" pitchFamily="18" charset="0"/>
+                                  </a:rPr>
+                                </m:ctrlPr>
+                              </m:accPr>
+                              <m:e>
+                                <m:r>
+                                  <a:rPr lang="en-US" altLang="ko-KR" sz="2000" i="1">
+                                    <a:solidFill>
+                                      <a:srgbClr val="FF0000"/>
+                                    </a:solidFill>
+                                    <a:latin typeface="Cambria Math" panose="02040503050406030204" pitchFamily="18" charset="0"/>
+                                  </a:rPr>
+                                  <m:t>𝑝</m:t>
+                                </m:r>
+                              </m:e>
+                            </m:acc>
+                          </m:e>
+                          <m:sub>
+                            <m:r>
+                              <a:rPr lang="en-US" altLang="ko-KR" sz="2000" i="1" dirty="0">
+                                <a:solidFill>
+                                  <a:srgbClr val="FF0000"/>
+                                </a:solidFill>
+                                <a:latin typeface="Cambria Math" panose="02040503050406030204" pitchFamily="18" charset="0"/>
+                              </a:rPr>
+                              <m:t>2</m:t>
+                            </m:r>
+                          </m:sub>
+                        </m:sSub>
+                        <m:r>
+                          <a:rPr lang="en-US" altLang="ko-KR" sz="2000" i="1" dirty="0">
+                            <a:solidFill>
+                              <a:srgbClr val="FF0000"/>
+                            </a:solidFill>
+                            <a:latin typeface="Cambria Math" panose="02040503050406030204" pitchFamily="18" charset="0"/>
+                          </a:rPr>
+                          <m:t>)</m:t>
+                        </m:r>
+                      </m:sup>
+                    </m:sSup>
+                  </m:oMath>
+                </a14:m>
+                <a:endParaRPr lang="en-US" altLang="ko-KR" sz="2000" dirty="0"/>
+              </a:p>
+            </p:txBody>
+          </p:sp>
+        </mc:Choice>
+        <mc:Fallback>
+          <p:sp>
+            <p:nvSpPr>
+              <p:cNvPr id="3" name="내용 개체 틀 2">
+                <a:extLst>
+                  <a:ext uri="{FF2B5EF4-FFF2-40B4-BE49-F238E27FC236}">
+                    <a16:creationId xmlns:a16="http://schemas.microsoft.com/office/drawing/2014/main" id="{991B573B-D922-45B1-A11B-DE1EC8009A32}"/>
+                  </a:ext>
+                </a:extLst>
+              </p:cNvPr>
+              <p:cNvSpPr>
+                <a:spLocks noGrp="1" noRot="1" noChangeAspect="1" noMove="1" noResize="1" noEditPoints="1" noAdjustHandles="1" noChangeArrowheads="1" noChangeShapeType="1" noTextEdit="1"/>
+              </p:cNvSpPr>
+              <p:nvPr>
+                <p:ph idx="1"/>
+              </p:nvPr>
+            </p:nvSpPr>
+            <p:spPr>
+              <a:blipFill>
+                <a:blip r:embed="rId2"/>
+                <a:stretch>
+                  <a:fillRect l="-290" t="-1541"/>
+                </a:stretch>
+              </a:blipFill>
+            </p:spPr>
+            <p:txBody>
+              <a:bodyPr/>
+              <a:lstStyle/>
+              <a:p>
+                <a:r>
+                  <a:rPr lang="ko-KR" altLang="en-US">
+                    <a:noFill/>
+                  </a:rPr>
+                  <a:t> </a:t>
+                </a:r>
+              </a:p>
+            </p:txBody>
+          </p:sp>
+        </mc:Fallback>
+      </mc:AlternateContent>
+    </p:spTree>
+    <p:extLst>
+      <p:ext uri="{BB962C8B-B14F-4D97-AF65-F5344CB8AC3E}">
+        <p14:creationId xmlns:p14="http://schemas.microsoft.com/office/powerpoint/2010/main" val="877779066"/>
+      </p:ext>
+    </p:extLst>
+  </p:cSld>
+  <p:clrMapOvr>
+    <a:masterClrMapping/>
+  </p:clrMapOvr>
+</p:sld>
+</file>
+
+<file path=ppt/slides/slide9.xml><?xml version="1.0" encoding="utf-8"?>
+<p:sld xmlns:a="http://schemas.openxmlformats.org/drawingml/2006/main" xmlns:r="http://schemas.openxmlformats.org/officeDocument/2006/relationships" xmlns:p="http://schemas.openxmlformats.org/presentationml/2006/main">
+  <p:cSld>
+    <p:spTree>
+      <p:nvGrpSpPr>
+        <p:cNvPr id="1" name=""/>
+        <p:cNvGrpSpPr/>
+        <p:nvPr/>
+      </p:nvGrpSpPr>
+      <p:grpSpPr>
+        <a:xfrm>
+          <a:off x="0" y="0"/>
+          <a:ext cx="0" cy="0"/>
+          <a:chOff x="0" y="0"/>
+          <a:chExt cx="0" cy="0"/>
+        </a:xfrm>
+      </p:grpSpPr>
+      <p:sp>
+        <p:nvSpPr>
+          <p:cNvPr id="2" name="제목 1">
+            <a:extLst>
+              <a:ext uri="{FF2B5EF4-FFF2-40B4-BE49-F238E27FC236}">
+                <a16:creationId xmlns:a16="http://schemas.microsoft.com/office/drawing/2014/main" id="{94AFAF1F-1A14-4F41-BCF5-2404A17C91ED}"/>
+              </a:ext>
+            </a:extLst>
+          </p:cNvPr>
+          <p:cNvSpPr>
+            <a:spLocks noGrp="1"/>
+          </p:cNvSpPr>
+          <p:nvPr>
+            <p:ph type="title"/>
+          </p:nvPr>
+        </p:nvSpPr>
+        <p:spPr/>
+        <p:txBody>
+          <a:bodyPr/>
+          <a:lstStyle/>
+          <a:p>
+            <a:r>
+              <a:rPr lang="ko-KR" altLang="en-US" dirty="0"/>
+              <a:t>예제</a:t>
+            </a:r>
+          </a:p>
+        </p:txBody>
+      </p:sp>
+      <mc:AlternateContent xmlns:mc="http://schemas.openxmlformats.org/markup-compatibility/2006">
+        <mc:Choice xmlns:a14="http://schemas.microsoft.com/office/drawing/2010/main" Requires="a14">
+          <p:sp>
+            <p:nvSpPr>
+              <p:cNvPr id="3" name="내용 개체 틀 2">
+                <a:extLst>
+                  <a:ext uri="{FF2B5EF4-FFF2-40B4-BE49-F238E27FC236}">
+                    <a16:creationId xmlns:a16="http://schemas.microsoft.com/office/drawing/2014/main" id="{991B573B-D922-45B1-A11B-DE1EC8009A32}"/>
+                  </a:ext>
+                </a:extLst>
+              </p:cNvPr>
+              <p:cNvSpPr>
+                <a:spLocks noGrp="1"/>
+              </p:cNvSpPr>
+              <p:nvPr>
+                <p:ph idx="1"/>
+              </p:nvPr>
+            </p:nvSpPr>
+            <p:spPr/>
+            <p:txBody>
+              <a:bodyPr>
+                <a:normAutofit/>
+              </a:bodyPr>
+              <a:lstStyle/>
+              <a:p>
+                <a14:m>
+                  <m:oMath xmlns:m="http://schemas.openxmlformats.org/officeDocument/2006/math">
+                    <m:r>
+                      <a:rPr lang="en-US" altLang="ko-KR" sz="1300" b="0" i="1" smtClean="0">
+                        <a:latin typeface="Cambria Math" panose="02040503050406030204" pitchFamily="18" charset="0"/>
+                      </a:rPr>
+                      <m:t>3</m:t>
+                    </m:r>
+                    <m:r>
+                      <a:rPr lang="ko-KR" altLang="en-US" sz="1300" i="1">
+                        <a:latin typeface="Cambria Math" panose="02040503050406030204" pitchFamily="18" charset="0"/>
+                      </a:rPr>
+                      <m:t>항</m:t>
+                    </m:r>
+                  </m:oMath>
+                </a14:m>
+                <a:r>
+                  <a:rPr lang="ko-KR" altLang="en-US" sz="1300" dirty="0"/>
+                  <a:t> 밀도함수 </a:t>
+                </a:r>
+                <a14:m>
+                  <m:oMath xmlns:m="http://schemas.openxmlformats.org/officeDocument/2006/math">
+                    <m:r>
+                      <a:rPr lang="en-US" altLang="ko-KR" sz="1300" i="1">
+                        <a:latin typeface="Cambria Math" panose="02040503050406030204" pitchFamily="18" charset="0"/>
+                      </a:rPr>
+                      <m:t>𝑓</m:t>
+                    </m:r>
+                    <m:d>
+                      <m:dPr>
+                        <m:ctrlPr>
+                          <a:rPr lang="en-US" altLang="ko-KR" sz="1300" i="1">
+                            <a:latin typeface="Cambria Math" panose="02040503050406030204" pitchFamily="18" charset="0"/>
+                          </a:rPr>
+                        </m:ctrlPr>
+                      </m:dPr>
+                      <m:e>
+                        <m:sSub>
+                          <m:sSubPr>
+                            <m:ctrlPr>
+                              <a:rPr lang="ko-KR" altLang="en-US" sz="1300" i="1">
+                                <a:latin typeface="Cambria Math" panose="02040503050406030204" pitchFamily="18" charset="0"/>
+                              </a:rPr>
+                            </m:ctrlPr>
+                          </m:sSubPr>
+                          <m:e>
+                            <m:r>
+                              <a:rPr lang="ko-KR" altLang="en-US" sz="1300" i="1">
+                                <a:latin typeface="Cambria Math" panose="02040503050406030204" pitchFamily="18" charset="0"/>
+                              </a:rPr>
+                              <m:t>𝑥</m:t>
+                            </m:r>
+                          </m:e>
+                          <m:sub>
+                            <m:r>
+                              <a:rPr lang="ko-KR" altLang="en-US" sz="1300" i="1">
+                                <a:latin typeface="Cambria Math" panose="02040503050406030204" pitchFamily="18" charset="0"/>
+                              </a:rPr>
+                              <m:t>1</m:t>
+                            </m:r>
+                          </m:sub>
+                        </m:sSub>
+                        <m:r>
+                          <a:rPr lang="en-US" altLang="ko-KR" sz="1300" i="1">
+                            <a:latin typeface="Cambria Math" panose="02040503050406030204" pitchFamily="18" charset="0"/>
+                          </a:rPr>
+                          <m:t>,</m:t>
+                        </m:r>
+                        <m:sSub>
+                          <m:sSubPr>
+                            <m:ctrlPr>
+                              <a:rPr lang="ko-KR" altLang="en-US" sz="1300" i="1">
+                                <a:latin typeface="Cambria Math" panose="02040503050406030204" pitchFamily="18" charset="0"/>
+                              </a:rPr>
+                            </m:ctrlPr>
+                          </m:sSubPr>
+                          <m:e>
+                            <m:r>
+                              <a:rPr lang="ko-KR" altLang="en-US" sz="1300" i="1">
+                                <a:latin typeface="Cambria Math" panose="02040503050406030204" pitchFamily="18" charset="0"/>
+                              </a:rPr>
+                              <m:t>𝑥</m:t>
+                            </m:r>
+                          </m:e>
+                          <m:sub>
+                            <m:r>
+                              <a:rPr lang="en-US" altLang="ko-KR" sz="1300" i="1">
+                                <a:latin typeface="Cambria Math" panose="02040503050406030204" pitchFamily="18" charset="0"/>
+                              </a:rPr>
+                              <m:t>2</m:t>
+                            </m:r>
+                          </m:sub>
+                        </m:sSub>
+                        <m:r>
+                          <a:rPr lang="en-US" altLang="ko-KR" sz="1300" b="0" i="1" smtClean="0">
+                            <a:latin typeface="Cambria Math" panose="02040503050406030204" pitchFamily="18" charset="0"/>
+                          </a:rPr>
+                          <m:t>;</m:t>
+                        </m:r>
+                        <m:sSub>
+                          <m:sSubPr>
+                            <m:ctrlPr>
+                              <a:rPr lang="en-US" altLang="ko-KR" sz="1300" i="1">
+                                <a:latin typeface="Cambria Math" panose="02040503050406030204" pitchFamily="18" charset="0"/>
+                              </a:rPr>
+                            </m:ctrlPr>
+                          </m:sSubPr>
+                          <m:e>
+                            <m:r>
+                              <a:rPr lang="en-US" altLang="ko-KR" sz="1300" i="1">
+                                <a:latin typeface="Cambria Math" panose="02040503050406030204" pitchFamily="18" charset="0"/>
+                              </a:rPr>
+                              <m:t>𝑝</m:t>
+                            </m:r>
+                          </m:e>
+                          <m:sub>
+                            <m:r>
+                              <a:rPr lang="en-US" altLang="ko-KR" sz="1300" i="1">
+                                <a:latin typeface="Cambria Math" panose="02040503050406030204" pitchFamily="18" charset="0"/>
+                              </a:rPr>
+                              <m:t>1</m:t>
+                            </m:r>
+                          </m:sub>
+                        </m:sSub>
+                        <m:r>
+                          <a:rPr lang="en-US" altLang="ko-KR" sz="1300" b="0" i="1" smtClean="0">
+                            <a:latin typeface="Cambria Math" panose="02040503050406030204" pitchFamily="18" charset="0"/>
+                          </a:rPr>
+                          <m:t>,</m:t>
+                        </m:r>
+                        <m:sSub>
+                          <m:sSubPr>
+                            <m:ctrlPr>
+                              <a:rPr lang="en-US" altLang="ko-KR" sz="1300" i="1">
+                                <a:latin typeface="Cambria Math" panose="02040503050406030204" pitchFamily="18" charset="0"/>
+                              </a:rPr>
+                            </m:ctrlPr>
+                          </m:sSubPr>
+                          <m:e>
+                            <m:r>
+                              <a:rPr lang="en-US" altLang="ko-KR" sz="1300" i="1">
+                                <a:latin typeface="Cambria Math" panose="02040503050406030204" pitchFamily="18" charset="0"/>
+                              </a:rPr>
+                              <m:t>𝑝</m:t>
+                            </m:r>
+                          </m:e>
+                          <m:sub>
+                            <m:r>
+                              <a:rPr lang="en-US" altLang="ko-KR" sz="1300" i="1">
+                                <a:latin typeface="Cambria Math" panose="02040503050406030204" pitchFamily="18" charset="0"/>
+                              </a:rPr>
+                              <m:t>2</m:t>
+                            </m:r>
+                          </m:sub>
+                        </m:sSub>
+                      </m:e>
+                    </m:d>
+                    <m:r>
+                      <a:rPr lang="en-US" altLang="ko-KR" sz="1300" i="1">
+                        <a:latin typeface="Cambria Math" panose="02040503050406030204" pitchFamily="18" charset="0"/>
+                      </a:rPr>
+                      <m:t>=</m:t>
+                    </m:r>
+                    <m:r>
+                      <a:rPr lang="en-US" altLang="ko-KR" sz="1300" b="0" i="1" smtClean="0">
+                        <a:latin typeface="Cambria Math" panose="02040503050406030204" pitchFamily="18" charset="0"/>
+                      </a:rPr>
+                      <m:t> </m:t>
+                    </m:r>
+                    <m:sSup>
+                      <m:sSupPr>
+                        <m:ctrlPr>
+                          <a:rPr lang="en-US" altLang="ko-KR" sz="1300" b="0" i="1" smtClean="0">
+                            <a:latin typeface="Cambria Math" panose="02040503050406030204" pitchFamily="18" charset="0"/>
+                          </a:rPr>
+                        </m:ctrlPr>
+                      </m:sSupPr>
+                      <m:e>
+                        <m:sSub>
+                          <m:sSubPr>
+                            <m:ctrlPr>
+                              <a:rPr lang="en-US" altLang="ko-KR" sz="1300" i="1">
+                                <a:latin typeface="Cambria Math" panose="02040503050406030204" pitchFamily="18" charset="0"/>
+                              </a:rPr>
+                            </m:ctrlPr>
+                          </m:sSubPr>
+                          <m:e>
+                            <m:r>
+                              <a:rPr lang="en-US" altLang="ko-KR" sz="1300" i="1">
+                                <a:latin typeface="Cambria Math" panose="02040503050406030204" pitchFamily="18" charset="0"/>
+                              </a:rPr>
+                              <m:t>𝑝</m:t>
+                            </m:r>
+                          </m:e>
+                          <m:sub>
+                            <m:r>
+                              <a:rPr lang="en-US" altLang="ko-KR" sz="1300" i="1">
+                                <a:latin typeface="Cambria Math" panose="02040503050406030204" pitchFamily="18" charset="0"/>
+                              </a:rPr>
+                              <m:t>1</m:t>
+                            </m:r>
+                          </m:sub>
+                        </m:sSub>
+                      </m:e>
+                      <m:sup>
+                        <m:sSub>
+                          <m:sSubPr>
+                            <m:ctrlPr>
+                              <a:rPr lang="en-US" altLang="ko-KR" sz="1300" i="1">
+                                <a:latin typeface="Cambria Math" panose="02040503050406030204" pitchFamily="18" charset="0"/>
+                              </a:rPr>
+                            </m:ctrlPr>
+                          </m:sSubPr>
+                          <m:e>
+                            <m:r>
+                              <a:rPr lang="en-US" altLang="ko-KR" sz="1300" b="0" i="1" smtClean="0">
+                                <a:latin typeface="Cambria Math" panose="02040503050406030204" pitchFamily="18" charset="0"/>
+                              </a:rPr>
+                              <m:t>𝑥</m:t>
+                            </m:r>
+                          </m:e>
+                          <m:sub>
+                            <m:r>
+                              <a:rPr lang="en-US" altLang="ko-KR" sz="1300" i="1">
+                                <a:latin typeface="Cambria Math" panose="02040503050406030204" pitchFamily="18" charset="0"/>
+                              </a:rPr>
+                              <m:t>1</m:t>
+                            </m:r>
+                          </m:sub>
+                        </m:sSub>
+                      </m:sup>
+                    </m:sSup>
+                    <m:sSup>
+                      <m:sSupPr>
+                        <m:ctrlPr>
+                          <a:rPr lang="en-US" altLang="ko-KR" sz="1300" i="1">
+                            <a:latin typeface="Cambria Math" panose="02040503050406030204" pitchFamily="18" charset="0"/>
+                          </a:rPr>
+                        </m:ctrlPr>
+                      </m:sSupPr>
+                      <m:e>
+                        <m:sSub>
+                          <m:sSubPr>
+                            <m:ctrlPr>
+                              <a:rPr lang="en-US" altLang="ko-KR" sz="1300" i="1">
+                                <a:latin typeface="Cambria Math" panose="02040503050406030204" pitchFamily="18" charset="0"/>
+                              </a:rPr>
+                            </m:ctrlPr>
+                          </m:sSubPr>
+                          <m:e>
+                            <m:r>
+                              <a:rPr lang="en-US" altLang="ko-KR" sz="1300" i="1">
+                                <a:latin typeface="Cambria Math" panose="02040503050406030204" pitchFamily="18" charset="0"/>
+                              </a:rPr>
+                              <m:t>𝑝</m:t>
+                            </m:r>
+                          </m:e>
+                          <m:sub>
+                            <m:r>
+                              <a:rPr lang="en-US" altLang="ko-KR" sz="1300" b="0" i="1" smtClean="0">
+                                <a:latin typeface="Cambria Math" panose="02040503050406030204" pitchFamily="18" charset="0"/>
+                              </a:rPr>
+                              <m:t>2</m:t>
+                            </m:r>
+                          </m:sub>
+                        </m:sSub>
+                      </m:e>
+                      <m:sup>
+                        <m:sSub>
+                          <m:sSubPr>
+                            <m:ctrlPr>
+                              <a:rPr lang="en-US" altLang="ko-KR" sz="1300" i="1">
+                                <a:latin typeface="Cambria Math" panose="02040503050406030204" pitchFamily="18" charset="0"/>
+                              </a:rPr>
+                            </m:ctrlPr>
+                          </m:sSubPr>
+                          <m:e>
+                            <m:r>
+                              <a:rPr lang="en-US" altLang="ko-KR" sz="1300" i="1">
+                                <a:latin typeface="Cambria Math" panose="02040503050406030204" pitchFamily="18" charset="0"/>
+                              </a:rPr>
+                              <m:t>𝑥</m:t>
+                            </m:r>
+                          </m:e>
+                          <m:sub>
+                            <m:r>
+                              <a:rPr lang="en-US" altLang="ko-KR" sz="1300" b="0" i="1" smtClean="0">
+                                <a:latin typeface="Cambria Math" panose="02040503050406030204" pitchFamily="18" charset="0"/>
+                              </a:rPr>
+                              <m:t>2</m:t>
+                            </m:r>
+                          </m:sub>
+                        </m:sSub>
+                      </m:sup>
+                    </m:sSup>
+                    <m:sSup>
+                      <m:sSupPr>
+                        <m:ctrlPr>
+                          <a:rPr lang="en-US" altLang="ko-KR" sz="1300" i="1" smtClean="0">
+                            <a:latin typeface="Cambria Math" panose="02040503050406030204" pitchFamily="18" charset="0"/>
+                          </a:rPr>
+                        </m:ctrlPr>
+                      </m:sSupPr>
+                      <m:e>
+                        <m:r>
+                          <a:rPr lang="en-US" altLang="ko-KR" sz="1300" i="1">
+                            <a:latin typeface="Cambria Math" panose="02040503050406030204" pitchFamily="18" charset="0"/>
+                          </a:rPr>
+                          <m:t>(1−</m:t>
+                        </m:r>
+                        <m:sSub>
+                          <m:sSubPr>
+                            <m:ctrlPr>
+                              <a:rPr lang="en-US" altLang="ko-KR" sz="1300" i="1">
+                                <a:latin typeface="Cambria Math" panose="02040503050406030204" pitchFamily="18" charset="0"/>
+                              </a:rPr>
+                            </m:ctrlPr>
+                          </m:sSubPr>
+                          <m:e>
+                            <m:r>
+                              <a:rPr lang="en-US" altLang="ko-KR" sz="1300" i="1">
+                                <a:latin typeface="Cambria Math" panose="02040503050406030204" pitchFamily="18" charset="0"/>
+                              </a:rPr>
+                              <m:t>𝑝</m:t>
+                            </m:r>
+                          </m:e>
+                          <m:sub>
+                            <m:r>
+                              <a:rPr lang="en-US" altLang="ko-KR" sz="1300" i="1">
+                                <a:latin typeface="Cambria Math" panose="02040503050406030204" pitchFamily="18" charset="0"/>
+                              </a:rPr>
+                              <m:t>1</m:t>
+                            </m:r>
+                          </m:sub>
+                        </m:sSub>
+                        <m:r>
+                          <a:rPr lang="en-US" altLang="ko-KR" sz="1300" i="1">
+                            <a:latin typeface="Cambria Math" panose="02040503050406030204" pitchFamily="18" charset="0"/>
+                          </a:rPr>
+                          <m:t>−</m:t>
+                        </m:r>
+                        <m:sSub>
+                          <m:sSubPr>
+                            <m:ctrlPr>
+                              <a:rPr lang="en-US" altLang="ko-KR" sz="1300" i="1">
+                                <a:latin typeface="Cambria Math" panose="02040503050406030204" pitchFamily="18" charset="0"/>
+                              </a:rPr>
+                            </m:ctrlPr>
+                          </m:sSubPr>
+                          <m:e>
+                            <m:r>
+                              <a:rPr lang="en-US" altLang="ko-KR" sz="1300" i="1">
+                                <a:latin typeface="Cambria Math" panose="02040503050406030204" pitchFamily="18" charset="0"/>
+                              </a:rPr>
+                              <m:t>𝑝</m:t>
+                            </m:r>
+                          </m:e>
+                          <m:sub>
+                            <m:r>
+                              <a:rPr lang="en-US" altLang="ko-KR" sz="1300" i="1">
+                                <a:latin typeface="Cambria Math" panose="02040503050406030204" pitchFamily="18" charset="0"/>
+                              </a:rPr>
+                              <m:t>2</m:t>
+                            </m:r>
+                          </m:sub>
+                        </m:sSub>
+                        <m:r>
+                          <a:rPr lang="en-US" altLang="ko-KR" sz="1300" i="1">
+                            <a:latin typeface="Cambria Math" panose="02040503050406030204" pitchFamily="18" charset="0"/>
+                          </a:rPr>
+                          <m:t>)</m:t>
+                        </m:r>
+                      </m:e>
+                      <m:sup>
+                        <m:r>
+                          <a:rPr lang="en-US" altLang="ko-KR" sz="1300" b="0" i="1" smtClean="0">
+                            <a:latin typeface="Cambria Math" panose="02040503050406030204" pitchFamily="18" charset="0"/>
+                          </a:rPr>
+                          <m:t>(</m:t>
+                        </m:r>
+                        <m:r>
+                          <a:rPr lang="en-US" altLang="ko-KR" sz="1300" b="0" i="1" smtClean="0">
+                            <a:latin typeface="Cambria Math" panose="02040503050406030204" pitchFamily="18" charset="0"/>
+                          </a:rPr>
+                          <m:t>𝑛</m:t>
+                        </m:r>
+                        <m:r>
+                          <a:rPr lang="en-US" altLang="ko-KR" sz="1300" b="0" i="1" smtClean="0">
+                            <a:latin typeface="Cambria Math" panose="02040503050406030204" pitchFamily="18" charset="0"/>
+                          </a:rPr>
+                          <m:t>−</m:t>
+                        </m:r>
+                        <m:sSub>
+                          <m:sSubPr>
+                            <m:ctrlPr>
+                              <a:rPr lang="en-US" altLang="ko-KR" sz="1300" i="1">
+                                <a:latin typeface="Cambria Math" panose="02040503050406030204" pitchFamily="18" charset="0"/>
+                              </a:rPr>
+                            </m:ctrlPr>
+                          </m:sSubPr>
+                          <m:e>
+                            <m:r>
+                              <a:rPr lang="en-US" altLang="ko-KR" sz="1300" i="1">
+                                <a:latin typeface="Cambria Math" panose="02040503050406030204" pitchFamily="18" charset="0"/>
+                              </a:rPr>
+                              <m:t>𝑥</m:t>
+                            </m:r>
+                          </m:e>
+                          <m:sub>
+                            <m:r>
+                              <a:rPr lang="en-US" altLang="ko-KR" sz="1300" i="1">
+                                <a:latin typeface="Cambria Math" panose="02040503050406030204" pitchFamily="18" charset="0"/>
+                              </a:rPr>
+                              <m:t>1</m:t>
+                            </m:r>
+                          </m:sub>
+                        </m:sSub>
+                        <m:r>
+                          <a:rPr lang="en-US" altLang="ko-KR" sz="1300" b="0" i="1" smtClean="0">
+                            <a:latin typeface="Cambria Math" panose="02040503050406030204" pitchFamily="18" charset="0"/>
+                          </a:rPr>
+                          <m:t>−</m:t>
+                        </m:r>
+                        <m:sSub>
+                          <m:sSubPr>
+                            <m:ctrlPr>
+                              <a:rPr lang="en-US" altLang="ko-KR" sz="1300" i="1">
+                                <a:latin typeface="Cambria Math" panose="02040503050406030204" pitchFamily="18" charset="0"/>
+                              </a:rPr>
+                            </m:ctrlPr>
+                          </m:sSubPr>
+                          <m:e>
+                            <m:r>
+                              <a:rPr lang="en-US" altLang="ko-KR" sz="1300" i="1">
+                                <a:latin typeface="Cambria Math" panose="02040503050406030204" pitchFamily="18" charset="0"/>
+                              </a:rPr>
+                              <m:t>𝑥</m:t>
+                            </m:r>
+                          </m:e>
+                          <m:sub>
+                            <m:r>
+                              <a:rPr lang="en-US" altLang="ko-KR" sz="1300" i="1">
+                                <a:latin typeface="Cambria Math" panose="02040503050406030204" pitchFamily="18" charset="0"/>
+                              </a:rPr>
+                              <m:t>2</m:t>
+                            </m:r>
+                          </m:sub>
+                        </m:sSub>
+                        <m:r>
+                          <a:rPr lang="en-US" altLang="ko-KR" sz="1300" b="0" i="1" smtClean="0">
+                            <a:latin typeface="Cambria Math" panose="02040503050406030204" pitchFamily="18" charset="0"/>
+                          </a:rPr>
+                          <m:t>)</m:t>
+                        </m:r>
+                      </m:sup>
+                    </m:sSup>
+                  </m:oMath>
+                </a14:m>
+                <a:r>
+                  <a:rPr lang="ko-KR" altLang="en-US" sz="1300" dirty="0"/>
+                  <a:t>이라고 할 때 </a:t>
+                </a:r>
+                <a:endParaRPr lang="en-US" altLang="ko-KR" sz="1300" dirty="0"/>
+              </a:p>
+              <a:p>
+                <a:r>
+                  <a:rPr lang="en-US" altLang="ko-KR" sz="1300" dirty="0"/>
+                  <a:t>[</a:t>
+                </a:r>
+                <a14:m>
+                  <m:oMath xmlns:m="http://schemas.openxmlformats.org/officeDocument/2006/math">
+                    <m:sSub>
+                      <m:sSubPr>
+                        <m:ctrlPr>
+                          <a:rPr lang="ko-KR" altLang="en-US" sz="1300" i="1">
+                            <a:latin typeface="Cambria Math" panose="02040503050406030204" pitchFamily="18" charset="0"/>
+                          </a:rPr>
+                        </m:ctrlPr>
+                      </m:sSubPr>
+                      <m:e>
+                        <m:r>
+                          <a:rPr lang="en-US" altLang="ko-KR" sz="1300" b="0" i="1" smtClean="0">
+                            <a:latin typeface="Cambria Math" panose="02040503050406030204" pitchFamily="18" charset="0"/>
+                          </a:rPr>
+                          <m:t>(</m:t>
+                        </m:r>
+                        <m:r>
+                          <a:rPr lang="ko-KR" altLang="en-US" sz="1300" i="1">
+                            <a:latin typeface="Cambria Math" panose="02040503050406030204" pitchFamily="18" charset="0"/>
+                          </a:rPr>
+                          <m:t>𝑥</m:t>
+                        </m:r>
+                      </m:e>
+                      <m:sub>
+                        <m:r>
+                          <a:rPr lang="ko-KR" altLang="en-US" sz="1300" i="1">
+                            <a:latin typeface="Cambria Math" panose="02040503050406030204" pitchFamily="18" charset="0"/>
+                          </a:rPr>
+                          <m:t>1</m:t>
+                        </m:r>
+                        <m:r>
+                          <a:rPr lang="en-US" altLang="ko-KR" sz="1300" b="0" i="1" smtClean="0">
+                            <a:latin typeface="Cambria Math" panose="02040503050406030204" pitchFamily="18" charset="0"/>
+                          </a:rPr>
+                          <m:t>1</m:t>
+                        </m:r>
+                      </m:sub>
+                    </m:sSub>
+                    <m:r>
+                      <a:rPr lang="en-US" altLang="ko-KR" sz="1300" i="1">
+                        <a:latin typeface="Cambria Math" panose="02040503050406030204" pitchFamily="18" charset="0"/>
+                      </a:rPr>
+                      <m:t>,</m:t>
+                    </m:r>
+                    <m:sSub>
+                      <m:sSubPr>
+                        <m:ctrlPr>
+                          <a:rPr lang="ko-KR" altLang="en-US" sz="1300" i="1">
+                            <a:latin typeface="Cambria Math" panose="02040503050406030204" pitchFamily="18" charset="0"/>
+                          </a:rPr>
+                        </m:ctrlPr>
+                      </m:sSubPr>
+                      <m:e>
+                        <m:r>
+                          <a:rPr lang="ko-KR" altLang="en-US" sz="1300" i="1">
+                            <a:latin typeface="Cambria Math" panose="02040503050406030204" pitchFamily="18" charset="0"/>
+                          </a:rPr>
+                          <m:t>𝑥</m:t>
+                        </m:r>
+                      </m:e>
+                      <m:sub>
+                        <m:r>
+                          <a:rPr lang="en-US" altLang="ko-KR" sz="1300" i="1">
+                            <a:latin typeface="Cambria Math" panose="02040503050406030204" pitchFamily="18" charset="0"/>
+                          </a:rPr>
+                          <m:t>2</m:t>
+                        </m:r>
+                        <m:r>
+                          <a:rPr lang="en-US" altLang="ko-KR" sz="1300" b="0" i="1" smtClean="0">
+                            <a:latin typeface="Cambria Math" panose="02040503050406030204" pitchFamily="18" charset="0"/>
+                          </a:rPr>
+                          <m:t>1</m:t>
+                        </m:r>
+                      </m:sub>
+                    </m:sSub>
+                    <m:r>
+                      <a:rPr lang="en-US" altLang="ko-KR" sz="1300" b="0" i="1" smtClean="0">
+                        <a:latin typeface="Cambria Math" panose="02040503050406030204" pitchFamily="18" charset="0"/>
+                      </a:rPr>
+                      <m:t>),</m:t>
+                    </m:r>
+                    <m:r>
+                      <a:rPr lang="en-US" altLang="ko-KR" sz="1300" b="0" i="1" smtClean="0">
+                        <a:latin typeface="Cambria Math" panose="02040503050406030204" pitchFamily="18" charset="0"/>
+                        <a:ea typeface="Cambria Math" panose="02040503050406030204" pitchFamily="18" charset="0"/>
+                      </a:rPr>
+                      <m:t>⋯,</m:t>
+                    </m:r>
+                  </m:oMath>
+                </a14:m>
+                <a:r>
+                  <a:rPr lang="ko-KR" altLang="en-US" sz="1300" dirty="0"/>
+                  <a:t> </a:t>
+                </a:r>
+                <a14:m>
+                  <m:oMath xmlns:m="http://schemas.openxmlformats.org/officeDocument/2006/math">
+                    <m:sSub>
+                      <m:sSubPr>
+                        <m:ctrlPr>
+                          <a:rPr lang="ko-KR" altLang="en-US" sz="1300" i="1">
+                            <a:latin typeface="Cambria Math" panose="02040503050406030204" pitchFamily="18" charset="0"/>
+                          </a:rPr>
+                        </m:ctrlPr>
+                      </m:sSubPr>
+                      <m:e>
+                        <m:r>
+                          <a:rPr lang="en-US" altLang="ko-KR" sz="1300" i="1">
+                            <a:latin typeface="Cambria Math" panose="02040503050406030204" pitchFamily="18" charset="0"/>
+                          </a:rPr>
+                          <m:t>(</m:t>
+                        </m:r>
+                        <m:r>
+                          <a:rPr lang="ko-KR" altLang="en-US" sz="1300" i="1">
+                            <a:latin typeface="Cambria Math" panose="02040503050406030204" pitchFamily="18" charset="0"/>
+                          </a:rPr>
+                          <m:t>𝑥</m:t>
+                        </m:r>
+                      </m:e>
+                      <m:sub>
+                        <m:r>
+                          <a:rPr lang="ko-KR" altLang="en-US" sz="1300" i="1">
+                            <a:latin typeface="Cambria Math" panose="02040503050406030204" pitchFamily="18" charset="0"/>
+                          </a:rPr>
+                          <m:t>1</m:t>
+                        </m:r>
+                        <m:r>
+                          <a:rPr lang="en-US" altLang="ko-KR" sz="1300" b="0" i="1" smtClean="0">
+                            <a:latin typeface="Cambria Math" panose="02040503050406030204" pitchFamily="18" charset="0"/>
+                          </a:rPr>
+                          <m:t>𝑛</m:t>
+                        </m:r>
+                      </m:sub>
+                    </m:sSub>
+                    <m:r>
+                      <a:rPr lang="en-US" altLang="ko-KR" sz="1300" i="1">
+                        <a:latin typeface="Cambria Math" panose="02040503050406030204" pitchFamily="18" charset="0"/>
+                      </a:rPr>
+                      <m:t>,</m:t>
+                    </m:r>
+                    <m:sSub>
+                      <m:sSubPr>
+                        <m:ctrlPr>
+                          <a:rPr lang="ko-KR" altLang="en-US" sz="1300" i="1">
+                            <a:latin typeface="Cambria Math" panose="02040503050406030204" pitchFamily="18" charset="0"/>
+                          </a:rPr>
+                        </m:ctrlPr>
+                      </m:sSubPr>
+                      <m:e>
+                        <m:r>
+                          <a:rPr lang="ko-KR" altLang="en-US" sz="1300" i="1">
+                            <a:latin typeface="Cambria Math" panose="02040503050406030204" pitchFamily="18" charset="0"/>
+                          </a:rPr>
+                          <m:t>𝑥</m:t>
+                        </m:r>
+                      </m:e>
+                      <m:sub>
+                        <m:r>
+                          <a:rPr lang="en-US" altLang="ko-KR" sz="1300" i="1">
+                            <a:latin typeface="Cambria Math" panose="02040503050406030204" pitchFamily="18" charset="0"/>
+                          </a:rPr>
+                          <m:t>2</m:t>
+                        </m:r>
+                        <m:r>
+                          <a:rPr lang="en-US" altLang="ko-KR" sz="1300" b="0" i="1" smtClean="0">
+                            <a:latin typeface="Cambria Math" panose="02040503050406030204" pitchFamily="18" charset="0"/>
+                          </a:rPr>
+                          <m:t>𝑛</m:t>
+                        </m:r>
+                      </m:sub>
+                    </m:sSub>
+                    <m:r>
+                      <a:rPr lang="en-US" altLang="ko-KR" sz="1300" i="1">
+                        <a:latin typeface="Cambria Math" panose="02040503050406030204" pitchFamily="18" charset="0"/>
+                      </a:rPr>
+                      <m:t>)</m:t>
+                    </m:r>
+                  </m:oMath>
+                </a14:m>
+                <a:r>
+                  <a:rPr lang="en-US" altLang="ko-KR" sz="1300" dirty="0"/>
+                  <a:t>]</a:t>
+                </a:r>
+                <a:r>
+                  <a:rPr lang="ko-KR" altLang="en-US" sz="1300" dirty="0"/>
+                  <a:t>을 이 분포에서 추출한 확률표본이라고 하자</a:t>
+                </a:r>
+                <a:r>
+                  <a:rPr lang="en-US" altLang="ko-KR" sz="1300" dirty="0"/>
+                  <a:t>.</a:t>
+                </a:r>
+                <a:br>
+                  <a:rPr lang="en-US" altLang="ko-KR" sz="1300" dirty="0"/>
+                </a:br>
+                <a:br>
+                  <a:rPr lang="en-US" altLang="ko-KR" sz="1300" dirty="0"/>
+                </a:br>
+                <a:r>
+                  <a:rPr lang="ko-KR" altLang="en-US" sz="1300" dirty="0"/>
+                  <a:t> </a:t>
+                </a:r>
+                <a14:m>
+                  <m:oMath xmlns:m="http://schemas.openxmlformats.org/officeDocument/2006/math">
+                    <m:sSub>
+                      <m:sSubPr>
+                        <m:ctrlPr>
+                          <a:rPr lang="en-US" altLang="ko-KR" sz="1300" b="0" i="1" smtClean="0">
+                            <a:latin typeface="Cambria Math" panose="02040503050406030204" pitchFamily="18" charset="0"/>
+                          </a:rPr>
+                        </m:ctrlPr>
+                      </m:sSubPr>
+                      <m:e>
+                        <m:r>
+                          <a:rPr lang="en-US" altLang="ko-KR" sz="1300" b="0" i="1" smtClean="0">
+                            <a:latin typeface="Cambria Math" panose="02040503050406030204" pitchFamily="18" charset="0"/>
+                          </a:rPr>
+                          <m:t>𝐻</m:t>
+                        </m:r>
+                      </m:e>
+                      <m:sub>
+                        <m:r>
+                          <a:rPr lang="en-US" altLang="ko-KR" sz="1300" b="0" i="1" smtClean="0">
+                            <a:latin typeface="Cambria Math" panose="02040503050406030204" pitchFamily="18" charset="0"/>
+                          </a:rPr>
+                          <m:t>0</m:t>
+                        </m:r>
+                      </m:sub>
+                    </m:sSub>
+                  </m:oMath>
+                </a14:m>
+                <a:r>
+                  <a:rPr lang="ko-KR" altLang="en-US" sz="1300" dirty="0"/>
+                  <a:t> </a:t>
+                </a:r>
+                <a:r>
+                  <a:rPr lang="en-US" altLang="ko-KR" sz="1300" dirty="0"/>
+                  <a:t>: </a:t>
+                </a:r>
+                <a14:m>
+                  <m:oMath xmlns:m="http://schemas.openxmlformats.org/officeDocument/2006/math">
+                    <m:sSub>
+                      <m:sSubPr>
+                        <m:ctrlPr>
+                          <a:rPr lang="en-US" altLang="ko-KR" sz="1300" i="1">
+                            <a:latin typeface="Cambria Math" panose="02040503050406030204" pitchFamily="18" charset="0"/>
+                          </a:rPr>
+                        </m:ctrlPr>
+                      </m:sSubPr>
+                      <m:e>
+                        <m:r>
+                          <a:rPr lang="en-US" altLang="ko-KR" sz="1300" b="0" i="1" smtClean="0">
+                            <a:latin typeface="Cambria Math" panose="02040503050406030204" pitchFamily="18" charset="0"/>
+                          </a:rPr>
+                          <m:t>𝑝</m:t>
+                        </m:r>
+                      </m:e>
+                      <m:sub>
+                        <m:r>
+                          <a:rPr lang="en-US" altLang="ko-KR" sz="1300" b="0" i="1" smtClean="0">
+                            <a:latin typeface="Cambria Math" panose="02040503050406030204" pitchFamily="18" charset="0"/>
+                          </a:rPr>
+                          <m:t>1</m:t>
+                        </m:r>
+                      </m:sub>
+                    </m:sSub>
+                  </m:oMath>
+                </a14:m>
+                <a:r>
+                  <a:rPr lang="en-US" altLang="ko-KR" sz="1300" dirty="0"/>
+                  <a:t>=</a:t>
+                </a:r>
+                <a:r>
+                  <a:rPr lang="ko-KR" altLang="en-US" sz="1300" dirty="0"/>
+                  <a:t> </a:t>
+                </a:r>
+                <a14:m>
+                  <m:oMath xmlns:m="http://schemas.openxmlformats.org/officeDocument/2006/math">
+                    <m:sSub>
+                      <m:sSubPr>
+                        <m:ctrlPr>
+                          <a:rPr lang="en-US" altLang="ko-KR" sz="1300" i="1">
+                            <a:latin typeface="Cambria Math" panose="02040503050406030204" pitchFamily="18" charset="0"/>
+                          </a:rPr>
+                        </m:ctrlPr>
+                      </m:sSubPr>
+                      <m:e>
+                        <m:r>
+                          <a:rPr lang="en-US" altLang="ko-KR" sz="1300" i="1">
+                            <a:latin typeface="Cambria Math" panose="02040503050406030204" pitchFamily="18" charset="0"/>
+                          </a:rPr>
+                          <m:t>𝑝</m:t>
+                        </m:r>
+                      </m:e>
+                      <m:sub>
+                        <m:r>
+                          <a:rPr lang="en-US" altLang="ko-KR" sz="1300" b="0" i="1" smtClean="0">
+                            <a:latin typeface="Cambria Math" panose="02040503050406030204" pitchFamily="18" charset="0"/>
+                          </a:rPr>
+                          <m:t>2</m:t>
+                        </m:r>
+                      </m:sub>
+                    </m:sSub>
+                    <m:r>
+                      <a:rPr lang="en-US" altLang="ko-KR" sz="1300" i="1">
+                        <a:latin typeface="Cambria Math" panose="02040503050406030204" pitchFamily="18" charset="0"/>
+                      </a:rPr>
+                      <m:t> </m:t>
+                    </m:r>
+                  </m:oMath>
+                </a14:m>
+                <a:r>
+                  <a:rPr lang="en-US" altLang="ko-KR" sz="1300" dirty="0"/>
+                  <a:t>VS </a:t>
+                </a:r>
+                <a14:m>
+                  <m:oMath xmlns:m="http://schemas.openxmlformats.org/officeDocument/2006/math">
+                    <m:sSub>
+                      <m:sSubPr>
+                        <m:ctrlPr>
+                          <a:rPr lang="en-US" altLang="ko-KR" sz="1300" b="0" i="1" smtClean="0">
+                            <a:latin typeface="Cambria Math" panose="02040503050406030204" pitchFamily="18" charset="0"/>
+                          </a:rPr>
+                        </m:ctrlPr>
+                      </m:sSubPr>
+                      <m:e>
+                        <m:r>
+                          <a:rPr lang="en-US" altLang="ko-KR" sz="1300" b="0" i="1" smtClean="0">
+                            <a:latin typeface="Cambria Math" panose="02040503050406030204" pitchFamily="18" charset="0"/>
+                          </a:rPr>
+                          <m:t>𝐻</m:t>
+                        </m:r>
+                      </m:e>
+                      <m:sub>
+                        <m:r>
+                          <a:rPr lang="en-US" altLang="ko-KR" sz="1300" b="0" i="1" smtClean="0">
+                            <a:latin typeface="Cambria Math" panose="02040503050406030204" pitchFamily="18" charset="0"/>
+                          </a:rPr>
+                          <m:t>1</m:t>
+                        </m:r>
+                      </m:sub>
+                    </m:sSub>
+                  </m:oMath>
+                </a14:m>
+                <a:r>
+                  <a:rPr lang="ko-KR" altLang="en-US" sz="1300" dirty="0"/>
+                  <a:t> </a:t>
+                </a:r>
+                <a:r>
+                  <a:rPr lang="en-US" altLang="ko-KR" sz="1300" dirty="0"/>
+                  <a:t>:</a:t>
+                </a:r>
+                <a14:m>
+                  <m:oMath xmlns:m="http://schemas.openxmlformats.org/officeDocument/2006/math">
+                    <m:sSub>
+                      <m:sSubPr>
+                        <m:ctrlPr>
+                          <a:rPr lang="en-US" altLang="ko-KR" sz="1300" i="1">
+                            <a:latin typeface="Cambria Math" panose="02040503050406030204" pitchFamily="18" charset="0"/>
+                          </a:rPr>
+                        </m:ctrlPr>
+                      </m:sSubPr>
+                      <m:e>
+                        <m:r>
+                          <a:rPr lang="en-US" altLang="ko-KR" sz="1300" i="1">
+                            <a:latin typeface="Cambria Math" panose="02040503050406030204" pitchFamily="18" charset="0"/>
+                          </a:rPr>
+                          <m:t>𝑝</m:t>
+                        </m:r>
+                      </m:e>
+                      <m:sub>
+                        <m:r>
+                          <a:rPr lang="en-US" altLang="ko-KR" sz="1300" i="1">
+                            <a:latin typeface="Cambria Math" panose="02040503050406030204" pitchFamily="18" charset="0"/>
+                          </a:rPr>
+                          <m:t>1</m:t>
+                        </m:r>
+                      </m:sub>
+                    </m:sSub>
+                    <m:r>
+                      <a:rPr lang="ko-KR" altLang="en-US" sz="1300" i="1" dirty="0" smtClean="0">
+                        <a:latin typeface="Cambria Math" panose="02040503050406030204" pitchFamily="18" charset="0"/>
+                      </a:rPr>
+                      <m:t>≠</m:t>
+                    </m:r>
+                    <m:sSub>
+                      <m:sSubPr>
+                        <m:ctrlPr>
+                          <a:rPr lang="en-US" altLang="ko-KR" sz="1300" i="1">
+                            <a:latin typeface="Cambria Math" panose="02040503050406030204" pitchFamily="18" charset="0"/>
+                          </a:rPr>
+                        </m:ctrlPr>
+                      </m:sSubPr>
+                      <m:e>
+                        <m:r>
+                          <a:rPr lang="en-US" altLang="ko-KR" sz="1300" i="1">
+                            <a:latin typeface="Cambria Math" panose="02040503050406030204" pitchFamily="18" charset="0"/>
+                          </a:rPr>
+                          <m:t>𝑝</m:t>
+                        </m:r>
+                      </m:e>
+                      <m:sub>
+                        <m:r>
+                          <a:rPr lang="en-US" altLang="ko-KR" sz="1300" i="1">
+                            <a:latin typeface="Cambria Math" panose="02040503050406030204" pitchFamily="18" charset="0"/>
+                          </a:rPr>
+                          <m:t>2</m:t>
+                        </m:r>
+                      </m:sub>
+                    </m:sSub>
+                    <m:r>
+                      <a:rPr lang="ko-KR" altLang="en-US" sz="1300" i="1">
+                        <a:latin typeface="Cambria Math" panose="02040503050406030204" pitchFamily="18" charset="0"/>
+                      </a:rPr>
+                      <m:t>를</m:t>
+                    </m:r>
+                  </m:oMath>
+                </a14:m>
+                <a:r>
+                  <a:rPr lang="en-US" altLang="ko-KR" sz="1300" dirty="0"/>
+                  <a:t> </a:t>
+                </a:r>
+                <a:r>
+                  <a:rPr lang="ko-KR" altLang="en-US" sz="1300" dirty="0"/>
+                  <a:t>검증하면</a:t>
+                </a:r>
+                <a:endParaRPr lang="en-US" altLang="ko-KR" sz="2000" dirty="0"/>
+              </a:p>
+              <a:p>
+                <a:pPr marL="0" indent="0">
+                  <a:buNone/>
+                </a:pPr>
+                <a:r>
+                  <a:rPr lang="en-US" altLang="ko-KR" sz="2000" dirty="0"/>
+                  <a:t>4)</a:t>
+                </a:r>
+                <a:r>
+                  <a:rPr lang="ko-KR" altLang="en-US" sz="2000" dirty="0"/>
+                  <a:t>우도 함수를 정의하면</a:t>
+                </a:r>
+                <a:endParaRPr lang="en-US" altLang="ko-KR" sz="2000" dirty="0"/>
+              </a:p>
+              <a:p>
+                <a:pPr marL="457200" indent="-457200">
+                  <a:buAutoNum type="arabicParenBoth"/>
+                </a:pPr>
+                <a14:m>
+                  <m:oMath xmlns:m="http://schemas.openxmlformats.org/officeDocument/2006/math">
+                    <m:r>
+                      <a:rPr lang="en-US" altLang="ko-KR" sz="2000" i="1" smtClean="0">
+                        <a:latin typeface="Cambria Math" panose="02040503050406030204" pitchFamily="18" charset="0"/>
+                      </a:rPr>
+                      <m:t>𝛬</m:t>
+                    </m:r>
+                  </m:oMath>
+                </a14:m>
+                <a:r>
+                  <a:rPr lang="en-US" altLang="ko-KR" sz="2000" dirty="0"/>
+                  <a:t>=</a:t>
+                </a:r>
+                <a:r>
+                  <a:rPr lang="en-US" altLang="ko-KR" sz="2000" b="0" dirty="0"/>
+                  <a:t> </a:t>
+                </a:r>
+                <a14:m>
+                  <m:oMath xmlns:m="http://schemas.openxmlformats.org/officeDocument/2006/math">
+                    <m:f>
+                      <m:fPr>
+                        <m:ctrlPr>
+                          <a:rPr lang="en-US" altLang="ko-KR" sz="2000" b="0" i="1" smtClean="0">
+                            <a:latin typeface="Cambria Math" panose="02040503050406030204" pitchFamily="18" charset="0"/>
+                          </a:rPr>
+                        </m:ctrlPr>
+                      </m:fPr>
+                      <m:num>
+                        <m:r>
+                          <a:rPr lang="en-US" altLang="ko-KR" sz="2000" b="0" i="1" smtClean="0">
+                            <a:latin typeface="Cambria Math" panose="02040503050406030204" pitchFamily="18" charset="0"/>
+                          </a:rPr>
+                          <m:t>𝐿</m:t>
+                        </m:r>
+                        <m:r>
+                          <a:rPr lang="en-US" altLang="ko-KR" sz="2000" b="0" i="1" smtClean="0">
+                            <a:latin typeface="Cambria Math" panose="02040503050406030204" pitchFamily="18" charset="0"/>
+                          </a:rPr>
+                          <m:t>(</m:t>
+                        </m:r>
+                        <m:acc>
+                          <m:accPr>
+                            <m:chr m:val="̂"/>
+                            <m:ctrlPr>
+                              <a:rPr lang="en-US" altLang="ko-KR" sz="2000" b="0" i="1" smtClean="0">
+                                <a:latin typeface="Cambria Math" panose="02040503050406030204" pitchFamily="18" charset="0"/>
+                              </a:rPr>
+                            </m:ctrlPr>
+                          </m:accPr>
+                          <m:e>
+                            <m:r>
+                              <a:rPr lang="en-US" altLang="ko-KR" sz="2000" b="0" i="1" smtClean="0">
+                                <a:latin typeface="Cambria Math" panose="02040503050406030204" pitchFamily="18" charset="0"/>
+                              </a:rPr>
+                              <m:t>𝑤</m:t>
+                            </m:r>
+                          </m:e>
+                        </m:acc>
+                        <m:r>
+                          <a:rPr lang="en-US" altLang="ko-KR" sz="2000" b="0" i="1" smtClean="0">
+                            <a:latin typeface="Cambria Math" panose="02040503050406030204" pitchFamily="18" charset="0"/>
+                          </a:rPr>
+                          <m:t>)</m:t>
+                        </m:r>
+                      </m:num>
+                      <m:den>
+                        <m:r>
+                          <a:rPr lang="en-US" altLang="ko-KR" sz="2000" b="0" i="1" smtClean="0">
+                            <a:latin typeface="Cambria Math" panose="02040503050406030204" pitchFamily="18" charset="0"/>
+                          </a:rPr>
+                          <m:t>𝐿</m:t>
+                        </m:r>
+                        <m:r>
+                          <a:rPr lang="en-US" altLang="ko-KR" sz="2000" b="0" i="1" smtClean="0">
+                            <a:latin typeface="Cambria Math" panose="02040503050406030204" pitchFamily="18" charset="0"/>
+                          </a:rPr>
+                          <m:t>(</m:t>
+                        </m:r>
+                        <m:acc>
+                          <m:accPr>
+                            <m:chr m:val="̂"/>
+                            <m:ctrlPr>
+                              <a:rPr lang="en-US" altLang="ko-KR" sz="2000" b="0" i="1" smtClean="0">
+                                <a:latin typeface="Cambria Math" panose="02040503050406030204" pitchFamily="18" charset="0"/>
+                              </a:rPr>
+                            </m:ctrlPr>
+                          </m:accPr>
+                          <m:e>
+                            <m:r>
+                              <a:rPr lang="ko-KR" altLang="en-US" sz="2000" b="0" i="1" smtClean="0">
+                                <a:latin typeface="Cambria Math" panose="02040503050406030204" pitchFamily="18" charset="0"/>
+                              </a:rPr>
+                              <m:t>𝛺</m:t>
+                            </m:r>
+                          </m:e>
+                        </m:acc>
+                        <m:r>
+                          <a:rPr lang="en-US" altLang="ko-KR" sz="2000" b="0" i="1" smtClean="0">
+                            <a:latin typeface="Cambria Math" panose="02040503050406030204" pitchFamily="18" charset="0"/>
+                          </a:rPr>
+                          <m:t>)</m:t>
+                        </m:r>
+                      </m:den>
+                    </m:f>
+                  </m:oMath>
+                </a14:m>
+                <a:r>
+                  <a:rPr lang="en-US" altLang="ko-KR" sz="2000" dirty="0"/>
+                  <a:t>=</a:t>
+                </a:r>
+                <a:r>
+                  <a:rPr lang="en-US" altLang="ko-KR" sz="2000" b="0" dirty="0"/>
+                  <a:t> </a:t>
+                </a:r>
+                <a14:m>
+                  <m:oMath xmlns:m="http://schemas.openxmlformats.org/officeDocument/2006/math">
+                    <m:f>
+                      <m:fPr>
+                        <m:ctrlPr>
+                          <a:rPr lang="en-US" altLang="ko-KR" sz="2000" b="0" i="1" smtClean="0">
+                            <a:latin typeface="Cambria Math" panose="02040503050406030204" pitchFamily="18" charset="0"/>
+                          </a:rPr>
+                        </m:ctrlPr>
+                      </m:fPr>
+                      <m:num>
+                        <m:sSup>
+                          <m:sSupPr>
+                            <m:ctrlPr>
+                              <a:rPr lang="en-US" altLang="ko-KR" sz="2000" i="1">
+                                <a:latin typeface="Cambria Math" panose="02040503050406030204" pitchFamily="18" charset="0"/>
+                              </a:rPr>
+                            </m:ctrlPr>
+                          </m:sSupPr>
+                          <m:e>
+                            <m:acc>
+                              <m:accPr>
+                                <m:chr m:val="̂"/>
+                                <m:ctrlPr>
+                                  <a:rPr lang="en-US" altLang="ko-KR" sz="2000" i="1">
+                                    <a:latin typeface="Cambria Math" panose="02040503050406030204" pitchFamily="18" charset="0"/>
+                                  </a:rPr>
+                                </m:ctrlPr>
+                              </m:accPr>
+                              <m:e>
+                                <m:sSub>
+                                  <m:sSubPr>
+                                    <m:ctrlPr>
+                                      <a:rPr lang="en-US" altLang="ko-KR" sz="2000" i="1">
+                                        <a:latin typeface="Cambria Math" panose="02040503050406030204" pitchFamily="18" charset="0"/>
+                                      </a:rPr>
+                                    </m:ctrlPr>
+                                  </m:sSubPr>
+                                  <m:e>
+                                    <m:r>
+                                      <a:rPr lang="en-US" altLang="ko-KR" sz="2000" i="1">
+                                        <a:latin typeface="Cambria Math" panose="02040503050406030204" pitchFamily="18" charset="0"/>
+                                      </a:rPr>
+                                      <m:t>𝑝</m:t>
+                                    </m:r>
+                                  </m:e>
+                                  <m:sub>
+                                    <m:r>
+                                      <a:rPr lang="en-US" altLang="ko-KR" sz="2000" i="1">
+                                        <a:latin typeface="Cambria Math" panose="02040503050406030204" pitchFamily="18" charset="0"/>
+                                      </a:rPr>
+                                      <m:t>1</m:t>
+                                    </m:r>
+                                  </m:sub>
+                                </m:sSub>
+                              </m:e>
+                            </m:acc>
+                          </m:e>
+                          <m:sup>
+                            <m:r>
+                              <a:rPr lang="en-US" altLang="ko-KR" sz="2000" i="1">
+                                <a:latin typeface="Cambria Math" panose="02040503050406030204" pitchFamily="18" charset="0"/>
+                              </a:rPr>
+                              <m:t>𝑛</m:t>
+                            </m:r>
+                            <m:acc>
+                              <m:accPr>
+                                <m:chr m:val="̂"/>
+                                <m:ctrlPr>
+                                  <a:rPr lang="en-US" altLang="ko-KR" sz="2000" i="1">
+                                    <a:latin typeface="Cambria Math" panose="02040503050406030204" pitchFamily="18" charset="0"/>
+                                  </a:rPr>
+                                </m:ctrlPr>
+                              </m:accPr>
+                              <m:e>
+                                <m:sSub>
+                                  <m:sSubPr>
+                                    <m:ctrlPr>
+                                      <a:rPr lang="en-US" altLang="ko-KR" sz="2000" i="1">
+                                        <a:latin typeface="Cambria Math" panose="02040503050406030204" pitchFamily="18" charset="0"/>
+                                      </a:rPr>
+                                    </m:ctrlPr>
+                                  </m:sSubPr>
+                                  <m:e>
+                                    <m:r>
+                                      <a:rPr lang="en-US" altLang="ko-KR" sz="2000" i="1">
+                                        <a:latin typeface="Cambria Math" panose="02040503050406030204" pitchFamily="18" charset="0"/>
+                                      </a:rPr>
+                                      <m:t>𝑝</m:t>
+                                    </m:r>
+                                  </m:e>
+                                  <m:sub>
+                                    <m:r>
+                                      <a:rPr lang="en-US" altLang="ko-KR" sz="2000" i="1">
+                                        <a:latin typeface="Cambria Math" panose="02040503050406030204" pitchFamily="18" charset="0"/>
+                                      </a:rPr>
+                                      <m:t>1</m:t>
+                                    </m:r>
+                                  </m:sub>
+                                </m:sSub>
+                              </m:e>
+                            </m:acc>
+                          </m:sup>
+                        </m:sSup>
+                        <m:sSup>
+                          <m:sSupPr>
+                            <m:ctrlPr>
+                              <a:rPr lang="en-US" altLang="ko-KR" sz="2000" i="1">
+                                <a:latin typeface="Cambria Math" panose="02040503050406030204" pitchFamily="18" charset="0"/>
+                              </a:rPr>
+                            </m:ctrlPr>
+                          </m:sSupPr>
+                          <m:e>
+                            <m:acc>
+                              <m:accPr>
+                                <m:chr m:val="̂"/>
+                                <m:ctrlPr>
+                                  <a:rPr lang="en-US" altLang="ko-KR" sz="2000" i="1">
+                                    <a:latin typeface="Cambria Math" panose="02040503050406030204" pitchFamily="18" charset="0"/>
+                                  </a:rPr>
+                                </m:ctrlPr>
+                              </m:accPr>
+                              <m:e>
+                                <m:sSub>
+                                  <m:sSubPr>
+                                    <m:ctrlPr>
+                                      <a:rPr lang="en-US" altLang="ko-KR" sz="2000" i="1">
+                                        <a:latin typeface="Cambria Math" panose="02040503050406030204" pitchFamily="18" charset="0"/>
+                                      </a:rPr>
+                                    </m:ctrlPr>
+                                  </m:sSubPr>
+                                  <m:e>
+                                    <m:r>
+                                      <a:rPr lang="en-US" altLang="ko-KR" sz="2000" i="1">
+                                        <a:latin typeface="Cambria Math" panose="02040503050406030204" pitchFamily="18" charset="0"/>
+                                      </a:rPr>
+                                      <m:t>𝑝</m:t>
+                                    </m:r>
+                                  </m:e>
+                                  <m:sub>
+                                    <m:r>
+                                      <a:rPr lang="en-US" altLang="ko-KR" sz="2000" i="1">
+                                        <a:latin typeface="Cambria Math" panose="02040503050406030204" pitchFamily="18" charset="0"/>
+                                      </a:rPr>
+                                      <m:t>2</m:t>
+                                    </m:r>
+                                  </m:sub>
+                                </m:sSub>
+                              </m:e>
+                            </m:acc>
+                          </m:e>
+                          <m:sup>
+                            <m:r>
+                              <a:rPr lang="en-US" altLang="ko-KR" sz="2000" i="1">
+                                <a:latin typeface="Cambria Math" panose="02040503050406030204" pitchFamily="18" charset="0"/>
+                              </a:rPr>
+                              <m:t>𝑛</m:t>
+                            </m:r>
+                            <m:acc>
+                              <m:accPr>
+                                <m:chr m:val="̂"/>
+                                <m:ctrlPr>
+                                  <a:rPr lang="en-US" altLang="ko-KR" sz="2000" i="1">
+                                    <a:latin typeface="Cambria Math" panose="02040503050406030204" pitchFamily="18" charset="0"/>
+                                  </a:rPr>
+                                </m:ctrlPr>
+                              </m:accPr>
+                              <m:e>
+                                <m:sSub>
+                                  <m:sSubPr>
+                                    <m:ctrlPr>
+                                      <a:rPr lang="en-US" altLang="ko-KR" sz="2000" i="1">
+                                        <a:latin typeface="Cambria Math" panose="02040503050406030204" pitchFamily="18" charset="0"/>
+                                      </a:rPr>
+                                    </m:ctrlPr>
+                                  </m:sSubPr>
+                                  <m:e>
+                                    <m:r>
+                                      <a:rPr lang="en-US" altLang="ko-KR" sz="2000" i="1">
+                                        <a:latin typeface="Cambria Math" panose="02040503050406030204" pitchFamily="18" charset="0"/>
+                                      </a:rPr>
+                                      <m:t>𝑝</m:t>
+                                    </m:r>
+                                  </m:e>
+                                  <m:sub>
+                                    <m:r>
+                                      <a:rPr lang="en-US" altLang="ko-KR" sz="2000" i="1">
+                                        <a:latin typeface="Cambria Math" panose="02040503050406030204" pitchFamily="18" charset="0"/>
+                                      </a:rPr>
+                                      <m:t>2</m:t>
+                                    </m:r>
+                                  </m:sub>
+                                </m:sSub>
+                              </m:e>
+                            </m:acc>
+                          </m:sup>
+                        </m:sSup>
+                        <m:sSup>
+                          <m:sSupPr>
+                            <m:ctrlPr>
+                              <a:rPr lang="en-US" altLang="ko-KR" sz="2000" i="1">
+                                <a:latin typeface="Cambria Math" panose="02040503050406030204" pitchFamily="18" charset="0"/>
+                              </a:rPr>
+                            </m:ctrlPr>
+                          </m:sSupPr>
+                          <m:e>
+                            <m:r>
+                              <a:rPr lang="en-US" altLang="ko-KR" sz="2000" i="1">
+                                <a:latin typeface="Cambria Math" panose="02040503050406030204" pitchFamily="18" charset="0"/>
+                              </a:rPr>
+                              <m:t>(1−</m:t>
+                            </m:r>
+                            <m:acc>
+                              <m:accPr>
+                                <m:chr m:val="̂"/>
+                                <m:ctrlPr>
+                                  <a:rPr lang="en-US" altLang="ko-KR" sz="2000" i="1">
+                                    <a:latin typeface="Cambria Math" panose="02040503050406030204" pitchFamily="18" charset="0"/>
+                                  </a:rPr>
+                                </m:ctrlPr>
+                              </m:accPr>
+                              <m:e>
+                                <m:sSub>
+                                  <m:sSubPr>
+                                    <m:ctrlPr>
+                                      <a:rPr lang="en-US" altLang="ko-KR" sz="2000" i="1">
+                                        <a:latin typeface="Cambria Math" panose="02040503050406030204" pitchFamily="18" charset="0"/>
+                                      </a:rPr>
+                                    </m:ctrlPr>
+                                  </m:sSubPr>
+                                  <m:e>
+                                    <m:r>
+                                      <a:rPr lang="en-US" altLang="ko-KR" sz="2000" i="1">
+                                        <a:latin typeface="Cambria Math" panose="02040503050406030204" pitchFamily="18" charset="0"/>
+                                      </a:rPr>
+                                      <m:t>𝑝</m:t>
+                                    </m:r>
+                                  </m:e>
+                                  <m:sub>
+                                    <m:r>
+                                      <a:rPr lang="en-US" altLang="ko-KR" sz="2000" i="1">
+                                        <a:latin typeface="Cambria Math" panose="02040503050406030204" pitchFamily="18" charset="0"/>
+                                      </a:rPr>
+                                      <m:t>1</m:t>
+                                    </m:r>
+                                  </m:sub>
+                                </m:sSub>
+                              </m:e>
+                            </m:acc>
+                            <m:r>
+                              <a:rPr lang="en-US" altLang="ko-KR" sz="2000" i="1">
+                                <a:latin typeface="Cambria Math" panose="02040503050406030204" pitchFamily="18" charset="0"/>
+                              </a:rPr>
+                              <m:t>−</m:t>
+                            </m:r>
+                            <m:acc>
+                              <m:accPr>
+                                <m:chr m:val="̂"/>
+                                <m:ctrlPr>
+                                  <a:rPr lang="en-US" altLang="ko-KR" sz="2000" i="1">
+                                    <a:latin typeface="Cambria Math" panose="02040503050406030204" pitchFamily="18" charset="0"/>
+                                  </a:rPr>
+                                </m:ctrlPr>
+                              </m:accPr>
+                              <m:e>
+                                <m:sSub>
+                                  <m:sSubPr>
+                                    <m:ctrlPr>
+                                      <a:rPr lang="en-US" altLang="ko-KR" sz="2000" i="1">
+                                        <a:latin typeface="Cambria Math" panose="02040503050406030204" pitchFamily="18" charset="0"/>
+                                      </a:rPr>
+                                    </m:ctrlPr>
+                                  </m:sSubPr>
+                                  <m:e>
+                                    <m:r>
+                                      <a:rPr lang="en-US" altLang="ko-KR" sz="2000" i="1">
+                                        <a:latin typeface="Cambria Math" panose="02040503050406030204" pitchFamily="18" charset="0"/>
+                                      </a:rPr>
+                                      <m:t>𝑝</m:t>
+                                    </m:r>
+                                  </m:e>
+                                  <m:sub>
+                                    <m:r>
+                                      <a:rPr lang="en-US" altLang="ko-KR" sz="2000" i="1">
+                                        <a:latin typeface="Cambria Math" panose="02040503050406030204" pitchFamily="18" charset="0"/>
+                                      </a:rPr>
+                                      <m:t>2</m:t>
+                                    </m:r>
+                                  </m:sub>
+                                </m:sSub>
+                              </m:e>
+                            </m:acc>
+                            <m:r>
+                              <a:rPr lang="en-US" altLang="ko-KR" sz="2000" i="1">
+                                <a:latin typeface="Cambria Math" panose="02040503050406030204" pitchFamily="18" charset="0"/>
+                              </a:rPr>
+                              <m:t>)</m:t>
+                            </m:r>
+                          </m:e>
+                          <m:sup>
+                            <m:r>
+                              <a:rPr lang="en-US" altLang="ko-KR" sz="2000" i="1">
+                                <a:latin typeface="Cambria Math" panose="02040503050406030204" pitchFamily="18" charset="0"/>
+                              </a:rPr>
+                              <m:t>𝑛</m:t>
+                            </m:r>
+                            <m:r>
+                              <a:rPr lang="en-US" altLang="ko-KR" sz="2000" i="1">
+                                <a:latin typeface="Cambria Math" panose="02040503050406030204" pitchFamily="18" charset="0"/>
+                              </a:rPr>
+                              <m:t>(1−</m:t>
+                            </m:r>
+                            <m:acc>
+                              <m:accPr>
+                                <m:chr m:val="̂"/>
+                                <m:ctrlPr>
+                                  <a:rPr lang="en-US" altLang="ko-KR" sz="2000" i="1">
+                                    <a:latin typeface="Cambria Math" panose="02040503050406030204" pitchFamily="18" charset="0"/>
+                                  </a:rPr>
+                                </m:ctrlPr>
+                              </m:accPr>
+                              <m:e>
+                                <m:sSub>
+                                  <m:sSubPr>
+                                    <m:ctrlPr>
+                                      <a:rPr lang="en-US" altLang="ko-KR" sz="2000" i="1">
+                                        <a:latin typeface="Cambria Math" panose="02040503050406030204" pitchFamily="18" charset="0"/>
+                                      </a:rPr>
+                                    </m:ctrlPr>
+                                  </m:sSubPr>
+                                  <m:e>
+                                    <m:r>
+                                      <a:rPr lang="en-US" altLang="ko-KR" sz="2000" i="1">
+                                        <a:latin typeface="Cambria Math" panose="02040503050406030204" pitchFamily="18" charset="0"/>
+                                      </a:rPr>
+                                      <m:t>𝑝</m:t>
+                                    </m:r>
+                                  </m:e>
+                                  <m:sub>
+                                    <m:r>
+                                      <a:rPr lang="en-US" altLang="ko-KR" sz="2000" i="1">
+                                        <a:latin typeface="Cambria Math" panose="02040503050406030204" pitchFamily="18" charset="0"/>
+                                      </a:rPr>
+                                      <m:t>1</m:t>
+                                    </m:r>
+                                  </m:sub>
+                                </m:sSub>
+                              </m:e>
+                            </m:acc>
+                            <m:r>
+                              <a:rPr lang="en-US" altLang="ko-KR" sz="2000" i="1">
+                                <a:latin typeface="Cambria Math" panose="02040503050406030204" pitchFamily="18" charset="0"/>
+                              </a:rPr>
+                              <m:t>−</m:t>
+                            </m:r>
+                            <m:acc>
+                              <m:accPr>
+                                <m:chr m:val="̂"/>
+                                <m:ctrlPr>
+                                  <a:rPr lang="en-US" altLang="ko-KR" sz="2000" i="1">
+                                    <a:latin typeface="Cambria Math" panose="02040503050406030204" pitchFamily="18" charset="0"/>
+                                  </a:rPr>
+                                </m:ctrlPr>
+                              </m:accPr>
+                              <m:e>
+                                <m:sSub>
+                                  <m:sSubPr>
+                                    <m:ctrlPr>
+                                      <a:rPr lang="en-US" altLang="ko-KR" sz="2000" i="1">
+                                        <a:latin typeface="Cambria Math" panose="02040503050406030204" pitchFamily="18" charset="0"/>
+                                      </a:rPr>
+                                    </m:ctrlPr>
+                                  </m:sSubPr>
+                                  <m:e>
+                                    <m:r>
+                                      <a:rPr lang="en-US" altLang="ko-KR" sz="2000" i="1">
+                                        <a:latin typeface="Cambria Math" panose="02040503050406030204" pitchFamily="18" charset="0"/>
+                                      </a:rPr>
+                                      <m:t>𝑝</m:t>
+                                    </m:r>
+                                  </m:e>
+                                  <m:sub>
+                                    <m:r>
+                                      <a:rPr lang="en-US" altLang="ko-KR" sz="2000" i="1">
+                                        <a:latin typeface="Cambria Math" panose="02040503050406030204" pitchFamily="18" charset="0"/>
+                                      </a:rPr>
+                                      <m:t>2</m:t>
+                                    </m:r>
+                                  </m:sub>
+                                </m:sSub>
+                              </m:e>
+                            </m:acc>
+                            <m:r>
+                              <a:rPr lang="en-US" altLang="ko-KR" sz="2000" i="1">
+                                <a:latin typeface="Cambria Math" panose="02040503050406030204" pitchFamily="18" charset="0"/>
+                              </a:rPr>
+                              <m:t>)</m:t>
+                            </m:r>
+                          </m:sup>
+                        </m:sSup>
+                      </m:num>
+                      <m:den>
+                        <m:sSup>
+                          <m:sSupPr>
+                            <m:ctrlPr>
+                              <a:rPr lang="en-US" altLang="ko-KR" sz="2000" i="1">
+                                <a:latin typeface="Cambria Math" panose="02040503050406030204" pitchFamily="18" charset="0"/>
+                              </a:rPr>
+                            </m:ctrlPr>
+                          </m:sSupPr>
+                          <m:e>
+                            <m:f>
+                              <m:fPr>
+                                <m:ctrlPr>
+                                  <a:rPr lang="en-US" altLang="ko-KR" sz="2000" i="1" dirty="0">
+                                    <a:latin typeface="Cambria Math" panose="02040503050406030204" pitchFamily="18" charset="0"/>
+                                  </a:rPr>
+                                </m:ctrlPr>
+                              </m:fPr>
+                              <m:num>
+                                <m:sSub>
+                                  <m:sSubPr>
+                                    <m:ctrlPr>
+                                      <a:rPr lang="en-US" altLang="ko-KR" sz="2000" i="1" dirty="0">
+                                        <a:latin typeface="Cambria Math" panose="02040503050406030204" pitchFamily="18" charset="0"/>
+                                      </a:rPr>
+                                    </m:ctrlPr>
+                                  </m:sSubPr>
+                                  <m:e>
+                                    <m:r>
+                                      <a:rPr lang="en-US" altLang="ko-KR" sz="2000" i="1" dirty="0">
+                                        <a:latin typeface="Cambria Math" panose="02040503050406030204" pitchFamily="18" charset="0"/>
+                                      </a:rPr>
+                                      <m:t>(</m:t>
+                                    </m:r>
+                                    <m:acc>
+                                      <m:accPr>
+                                        <m:chr m:val="̂"/>
+                                        <m:ctrlPr>
+                                          <a:rPr lang="en-US" altLang="ko-KR" sz="2000" i="1">
+                                            <a:latin typeface="Cambria Math" panose="02040503050406030204" pitchFamily="18" charset="0"/>
+                                          </a:rPr>
+                                        </m:ctrlPr>
+                                      </m:accPr>
+                                      <m:e>
+                                        <m:r>
+                                          <a:rPr lang="en-US" altLang="ko-KR" sz="2000" i="1">
+                                            <a:latin typeface="Cambria Math" panose="02040503050406030204" pitchFamily="18" charset="0"/>
+                                          </a:rPr>
+                                          <m:t>𝑝</m:t>
+                                        </m:r>
+                                      </m:e>
+                                    </m:acc>
+                                  </m:e>
+                                  <m:sub>
+                                    <m:r>
+                                      <a:rPr lang="en-US" altLang="ko-KR" sz="2000" i="1" dirty="0">
+                                        <a:latin typeface="Cambria Math" panose="02040503050406030204" pitchFamily="18" charset="0"/>
+                                      </a:rPr>
+                                      <m:t>1</m:t>
+                                    </m:r>
+                                  </m:sub>
+                                </m:sSub>
+                                <m:r>
+                                  <a:rPr lang="en-US" altLang="ko-KR" sz="2000" i="1" dirty="0">
+                                    <a:latin typeface="Cambria Math" panose="02040503050406030204" pitchFamily="18" charset="0"/>
+                                  </a:rPr>
+                                  <m:t>+</m:t>
+                                </m:r>
+                                <m:sSub>
+                                  <m:sSubPr>
+                                    <m:ctrlPr>
+                                      <a:rPr lang="en-US" altLang="ko-KR" sz="2000" i="1" dirty="0">
+                                        <a:latin typeface="Cambria Math" panose="02040503050406030204" pitchFamily="18" charset="0"/>
+                                      </a:rPr>
+                                    </m:ctrlPr>
+                                  </m:sSubPr>
+                                  <m:e>
+                                    <m:acc>
+                                      <m:accPr>
+                                        <m:chr m:val="̂"/>
+                                        <m:ctrlPr>
+                                          <a:rPr lang="en-US" altLang="ko-KR" sz="2000" i="1">
+                                            <a:latin typeface="Cambria Math" panose="02040503050406030204" pitchFamily="18" charset="0"/>
+                                          </a:rPr>
+                                        </m:ctrlPr>
+                                      </m:accPr>
+                                      <m:e>
+                                        <m:r>
+                                          <a:rPr lang="en-US" altLang="ko-KR" sz="2000" i="1">
+                                            <a:latin typeface="Cambria Math" panose="02040503050406030204" pitchFamily="18" charset="0"/>
+                                          </a:rPr>
+                                          <m:t>𝑝</m:t>
+                                        </m:r>
+                                      </m:e>
+                                    </m:acc>
+                                  </m:e>
+                                  <m:sub>
+                                    <m:r>
+                                      <a:rPr lang="en-US" altLang="ko-KR" sz="2000" i="1" dirty="0">
+                                        <a:latin typeface="Cambria Math" panose="02040503050406030204" pitchFamily="18" charset="0"/>
+                                      </a:rPr>
+                                      <m:t>2</m:t>
+                                    </m:r>
+                                  </m:sub>
+                                </m:sSub>
+                                <m:r>
+                                  <a:rPr lang="en-US" altLang="ko-KR" sz="2000" i="1" dirty="0">
+                                    <a:latin typeface="Cambria Math" panose="02040503050406030204" pitchFamily="18" charset="0"/>
+                                  </a:rPr>
+                                  <m:t>)</m:t>
+                                </m:r>
+                              </m:num>
+                              <m:den>
+                                <m:r>
+                                  <a:rPr lang="en-US" altLang="ko-KR" sz="2000" i="1" dirty="0">
+                                    <a:latin typeface="Cambria Math" panose="02040503050406030204" pitchFamily="18" charset="0"/>
+                                  </a:rPr>
+                                  <m:t>2</m:t>
+                                </m:r>
+                              </m:den>
+                            </m:f>
+                          </m:e>
+                          <m:sup>
+                            <m:r>
+                              <a:rPr lang="en-US" altLang="ko-KR" sz="2000" i="1">
+                                <a:latin typeface="Cambria Math" panose="02040503050406030204" pitchFamily="18" charset="0"/>
+                              </a:rPr>
+                              <m:t>𝑛</m:t>
+                            </m:r>
+                            <m:r>
+                              <a:rPr lang="en-US" altLang="ko-KR" sz="2000" i="1">
+                                <a:latin typeface="Cambria Math" panose="02040503050406030204" pitchFamily="18" charset="0"/>
+                              </a:rPr>
+                              <m:t>(</m:t>
+                            </m:r>
+                            <m:sSub>
+                              <m:sSubPr>
+                                <m:ctrlPr>
+                                  <a:rPr lang="en-US" altLang="ko-KR" sz="2000" i="1" dirty="0">
+                                    <a:latin typeface="Cambria Math" panose="02040503050406030204" pitchFamily="18" charset="0"/>
+                                  </a:rPr>
+                                </m:ctrlPr>
+                              </m:sSubPr>
+                              <m:e>
+                                <m:acc>
+                                  <m:accPr>
+                                    <m:chr m:val="̂"/>
+                                    <m:ctrlPr>
+                                      <a:rPr lang="en-US" altLang="ko-KR" sz="2000" i="1">
+                                        <a:latin typeface="Cambria Math" panose="02040503050406030204" pitchFamily="18" charset="0"/>
+                                      </a:rPr>
+                                    </m:ctrlPr>
+                                  </m:accPr>
+                                  <m:e>
+                                    <m:r>
+                                      <a:rPr lang="en-US" altLang="ko-KR" sz="2000" i="1">
+                                        <a:latin typeface="Cambria Math" panose="02040503050406030204" pitchFamily="18" charset="0"/>
+                                      </a:rPr>
+                                      <m:t>𝑝</m:t>
+                                    </m:r>
+                                  </m:e>
+                                </m:acc>
+                              </m:e>
+                              <m:sub>
+                                <m:r>
+                                  <a:rPr lang="en-US" altLang="ko-KR" sz="2000" i="1" dirty="0">
+                                    <a:latin typeface="Cambria Math" panose="02040503050406030204" pitchFamily="18" charset="0"/>
+                                  </a:rPr>
+                                  <m:t>1</m:t>
+                                </m:r>
+                              </m:sub>
+                            </m:sSub>
+                            <m:r>
+                              <a:rPr lang="en-US" altLang="ko-KR" sz="2000" i="1" dirty="0">
+                                <a:latin typeface="Cambria Math" panose="02040503050406030204" pitchFamily="18" charset="0"/>
+                              </a:rPr>
+                              <m:t>+</m:t>
+                            </m:r>
+                            <m:sSub>
+                              <m:sSubPr>
+                                <m:ctrlPr>
+                                  <a:rPr lang="en-US" altLang="ko-KR" sz="2000" i="1" dirty="0">
+                                    <a:latin typeface="Cambria Math" panose="02040503050406030204" pitchFamily="18" charset="0"/>
+                                  </a:rPr>
+                                </m:ctrlPr>
+                              </m:sSubPr>
+                              <m:e>
+                                <m:acc>
+                                  <m:accPr>
+                                    <m:chr m:val="̂"/>
+                                    <m:ctrlPr>
+                                      <a:rPr lang="en-US" altLang="ko-KR" sz="2000" i="1">
+                                        <a:latin typeface="Cambria Math" panose="02040503050406030204" pitchFamily="18" charset="0"/>
+                                      </a:rPr>
+                                    </m:ctrlPr>
+                                  </m:accPr>
+                                  <m:e>
+                                    <m:r>
+                                      <a:rPr lang="en-US" altLang="ko-KR" sz="2000" i="1">
+                                        <a:latin typeface="Cambria Math" panose="02040503050406030204" pitchFamily="18" charset="0"/>
+                                      </a:rPr>
+                                      <m:t>𝑝</m:t>
+                                    </m:r>
+                                  </m:e>
+                                </m:acc>
+                              </m:e>
+                              <m:sub>
+                                <m:r>
+                                  <a:rPr lang="en-US" altLang="ko-KR" sz="2000" i="1" dirty="0">
+                                    <a:latin typeface="Cambria Math" panose="02040503050406030204" pitchFamily="18" charset="0"/>
+                                  </a:rPr>
+                                  <m:t>2</m:t>
+                                </m:r>
+                              </m:sub>
+                            </m:sSub>
+                            <m:r>
+                              <a:rPr lang="en-US" altLang="ko-KR" sz="2000" i="1" dirty="0">
+                                <a:latin typeface="Cambria Math" panose="02040503050406030204" pitchFamily="18" charset="0"/>
+                              </a:rPr>
+                              <m:t>)</m:t>
+                            </m:r>
+                          </m:sup>
+                        </m:sSup>
+                        <m:sSup>
+                          <m:sSupPr>
+                            <m:ctrlPr>
+                              <a:rPr lang="en-US" altLang="ko-KR" sz="2000" i="1">
+                                <a:latin typeface="Cambria Math" panose="02040503050406030204" pitchFamily="18" charset="0"/>
+                              </a:rPr>
+                            </m:ctrlPr>
+                          </m:sSupPr>
+                          <m:e>
+                            <m:r>
+                              <m:rPr>
+                                <m:nor/>
+                              </m:rPr>
+                              <a:rPr lang="en-US" altLang="ko-KR" sz="2000" i="1" dirty="0">
+                                <a:latin typeface="Cambria Math" panose="02040503050406030204" pitchFamily="18" charset="0"/>
+                              </a:rPr>
+                              <m:t>(1−</m:t>
+                            </m:r>
+                            <m:sSub>
+                              <m:sSubPr>
+                                <m:ctrlPr>
+                                  <a:rPr lang="en-US" altLang="ko-KR" sz="2000" i="1" dirty="0">
+                                    <a:latin typeface="Cambria Math" panose="02040503050406030204" pitchFamily="18" charset="0"/>
+                                  </a:rPr>
+                                </m:ctrlPr>
+                              </m:sSubPr>
+                              <m:e>
+                                <m:r>
+                                  <a:rPr lang="en-US" altLang="ko-KR" sz="2000" i="1" dirty="0">
+                                    <a:latin typeface="Cambria Math" panose="02040503050406030204" pitchFamily="18" charset="0"/>
+                                  </a:rPr>
+                                  <m:t> </m:t>
+                                </m:r>
+                                <m:acc>
+                                  <m:accPr>
+                                    <m:chr m:val="̂"/>
+                                    <m:ctrlPr>
+                                      <a:rPr lang="en-US" altLang="ko-KR" sz="2000" i="1">
+                                        <a:latin typeface="Cambria Math" panose="02040503050406030204" pitchFamily="18" charset="0"/>
+                                      </a:rPr>
+                                    </m:ctrlPr>
+                                  </m:accPr>
+                                  <m:e>
+                                    <m:r>
+                                      <a:rPr lang="en-US" altLang="ko-KR" sz="2000" i="1">
+                                        <a:latin typeface="Cambria Math" panose="02040503050406030204" pitchFamily="18" charset="0"/>
+                                      </a:rPr>
+                                      <m:t>𝑝</m:t>
+                                    </m:r>
+                                  </m:e>
+                                </m:acc>
+                              </m:e>
+                              <m:sub>
+                                <m:r>
+                                  <a:rPr lang="en-US" altLang="ko-KR" sz="2000" i="1" dirty="0">
+                                    <a:latin typeface="Cambria Math" panose="02040503050406030204" pitchFamily="18" charset="0"/>
+                                  </a:rPr>
+                                  <m:t>1</m:t>
+                                </m:r>
+                              </m:sub>
+                            </m:sSub>
+                            <m:r>
+                              <a:rPr lang="en-US" altLang="ko-KR" sz="2000" i="1" dirty="0">
+                                <a:latin typeface="Cambria Math" panose="02040503050406030204" pitchFamily="18" charset="0"/>
+                              </a:rPr>
+                              <m:t>+</m:t>
+                            </m:r>
+                            <m:sSub>
+                              <m:sSubPr>
+                                <m:ctrlPr>
+                                  <a:rPr lang="en-US" altLang="ko-KR" sz="2000" i="1" dirty="0">
+                                    <a:latin typeface="Cambria Math" panose="02040503050406030204" pitchFamily="18" charset="0"/>
+                                  </a:rPr>
+                                </m:ctrlPr>
+                              </m:sSubPr>
+                              <m:e>
+                                <m:acc>
+                                  <m:accPr>
+                                    <m:chr m:val="̂"/>
+                                    <m:ctrlPr>
+                                      <a:rPr lang="en-US" altLang="ko-KR" sz="2000" i="1">
+                                        <a:latin typeface="Cambria Math" panose="02040503050406030204" pitchFamily="18" charset="0"/>
+                                      </a:rPr>
+                                    </m:ctrlPr>
+                                  </m:accPr>
+                                  <m:e>
+                                    <m:r>
+                                      <a:rPr lang="en-US" altLang="ko-KR" sz="2000" i="1">
+                                        <a:latin typeface="Cambria Math" panose="02040503050406030204" pitchFamily="18" charset="0"/>
+                                      </a:rPr>
+                                      <m:t>𝑝</m:t>
+                                    </m:r>
+                                  </m:e>
+                                </m:acc>
+                              </m:e>
+                              <m:sub>
+                                <m:r>
+                                  <a:rPr lang="en-US" altLang="ko-KR" sz="2000" i="1" dirty="0">
+                                    <a:latin typeface="Cambria Math" panose="02040503050406030204" pitchFamily="18" charset="0"/>
+                                  </a:rPr>
+                                  <m:t>2</m:t>
+                                </m:r>
+                              </m:sub>
+                            </m:sSub>
+                            <m:r>
+                              <m:rPr>
+                                <m:nor/>
+                              </m:rPr>
+                              <a:rPr lang="en-US" altLang="ko-KR" sz="2000" i="1" dirty="0">
+                                <a:latin typeface="Cambria Math" panose="02040503050406030204" pitchFamily="18" charset="0"/>
+                              </a:rPr>
+                              <m:t>) </m:t>
+                            </m:r>
+                          </m:e>
+                          <m:sup>
+                            <m:r>
+                              <a:rPr lang="en-US" altLang="ko-KR" sz="2000" i="1">
+                                <a:latin typeface="Cambria Math" panose="02040503050406030204" pitchFamily="18" charset="0"/>
+                              </a:rPr>
+                              <m:t>𝑛</m:t>
+                            </m:r>
+                            <m:r>
+                              <a:rPr lang="en-US" altLang="ko-KR" sz="2000" i="1">
+                                <a:latin typeface="Cambria Math" panose="02040503050406030204" pitchFamily="18" charset="0"/>
+                              </a:rPr>
+                              <m:t>(</m:t>
+                            </m:r>
+                            <m:sSub>
+                              <m:sSubPr>
+                                <m:ctrlPr>
+                                  <a:rPr lang="en-US" altLang="ko-KR" sz="2000" i="1" dirty="0">
+                                    <a:latin typeface="Cambria Math" panose="02040503050406030204" pitchFamily="18" charset="0"/>
+                                  </a:rPr>
+                                </m:ctrlPr>
+                              </m:sSubPr>
+                              <m:e>
+                                <m:r>
+                                  <a:rPr lang="en-US" altLang="ko-KR" sz="2000" i="1">
+                                    <a:latin typeface="Cambria Math" panose="02040503050406030204" pitchFamily="18" charset="0"/>
+                                  </a:rPr>
+                                  <m:t>1−</m:t>
+                                </m:r>
+                                <m:acc>
+                                  <m:accPr>
+                                    <m:chr m:val="̂"/>
+                                    <m:ctrlPr>
+                                      <a:rPr lang="en-US" altLang="ko-KR" sz="2000" i="1">
+                                        <a:latin typeface="Cambria Math" panose="02040503050406030204" pitchFamily="18" charset="0"/>
+                                      </a:rPr>
+                                    </m:ctrlPr>
+                                  </m:accPr>
+                                  <m:e>
+                                    <m:r>
+                                      <a:rPr lang="en-US" altLang="ko-KR" sz="2000" i="1">
+                                        <a:latin typeface="Cambria Math" panose="02040503050406030204" pitchFamily="18" charset="0"/>
+                                      </a:rPr>
+                                      <m:t>𝑝</m:t>
+                                    </m:r>
+                                  </m:e>
+                                </m:acc>
+                              </m:e>
+                              <m:sub>
+                                <m:r>
+                                  <a:rPr lang="en-US" altLang="ko-KR" sz="2000" i="1" dirty="0">
+                                    <a:latin typeface="Cambria Math" panose="02040503050406030204" pitchFamily="18" charset="0"/>
+                                  </a:rPr>
+                                  <m:t>1</m:t>
+                                </m:r>
+                              </m:sub>
+                            </m:sSub>
+                            <m:r>
+                              <a:rPr lang="en-US" altLang="ko-KR" sz="2000" i="1" dirty="0">
+                                <a:latin typeface="Cambria Math" panose="02040503050406030204" pitchFamily="18" charset="0"/>
+                              </a:rPr>
+                              <m:t>−</m:t>
+                            </m:r>
+                            <m:sSub>
+                              <m:sSubPr>
+                                <m:ctrlPr>
+                                  <a:rPr lang="en-US" altLang="ko-KR" sz="2000" i="1" dirty="0">
+                                    <a:latin typeface="Cambria Math" panose="02040503050406030204" pitchFamily="18" charset="0"/>
+                                  </a:rPr>
+                                </m:ctrlPr>
+                              </m:sSubPr>
+                              <m:e>
+                                <m:acc>
+                                  <m:accPr>
+                                    <m:chr m:val="̂"/>
+                                    <m:ctrlPr>
+                                      <a:rPr lang="en-US" altLang="ko-KR" sz="2000" i="1">
+                                        <a:latin typeface="Cambria Math" panose="02040503050406030204" pitchFamily="18" charset="0"/>
+                                      </a:rPr>
+                                    </m:ctrlPr>
+                                  </m:accPr>
+                                  <m:e>
+                                    <m:r>
+                                      <a:rPr lang="en-US" altLang="ko-KR" sz="2000" i="1">
+                                        <a:latin typeface="Cambria Math" panose="02040503050406030204" pitchFamily="18" charset="0"/>
+                                      </a:rPr>
+                                      <m:t>𝑝</m:t>
+                                    </m:r>
+                                  </m:e>
+                                </m:acc>
+                              </m:e>
+                              <m:sub>
+                                <m:r>
+                                  <a:rPr lang="en-US" altLang="ko-KR" sz="2000" i="1" dirty="0">
+                                    <a:latin typeface="Cambria Math" panose="02040503050406030204" pitchFamily="18" charset="0"/>
+                                  </a:rPr>
+                                  <m:t>2</m:t>
+                                </m:r>
+                              </m:sub>
+                            </m:sSub>
+                            <m:r>
+                              <a:rPr lang="en-US" altLang="ko-KR" sz="2000" i="1" dirty="0">
+                                <a:latin typeface="Cambria Math" panose="02040503050406030204" pitchFamily="18" charset="0"/>
+                              </a:rPr>
+                              <m:t>)</m:t>
+                            </m:r>
+                          </m:sup>
+                        </m:sSup>
+                      </m:den>
+                    </m:f>
+                  </m:oMath>
+                </a14:m>
+                <a:r>
+                  <a:rPr lang="en-US" altLang="ko-KR" sz="2000" dirty="0"/>
+                  <a:t> = </a:t>
+                </a:r>
+                <a14:m>
+                  <m:oMath xmlns:m="http://schemas.openxmlformats.org/officeDocument/2006/math">
+                    <m:sSup>
+                      <m:sSupPr>
+                        <m:ctrlPr>
+                          <a:rPr lang="en-US" altLang="ko-KR" sz="2000" b="0" i="1" smtClean="0">
+                            <a:latin typeface="Cambria Math" panose="02040503050406030204" pitchFamily="18" charset="0"/>
+                          </a:rPr>
+                        </m:ctrlPr>
+                      </m:sSupPr>
+                      <m:e>
+                        <m:d>
+                          <m:dPr>
+                            <m:begChr m:val="["/>
+                            <m:endChr m:val="]"/>
+                            <m:ctrlPr>
+                              <a:rPr lang="en-US" altLang="ko-KR" sz="2000" b="0" i="1" smtClean="0">
+                                <a:latin typeface="Cambria Math" panose="02040503050406030204" pitchFamily="18" charset="0"/>
+                              </a:rPr>
+                            </m:ctrlPr>
+                          </m:dPr>
+                          <m:e>
+                            <m:f>
+                              <m:fPr>
+                                <m:ctrlPr>
+                                  <a:rPr lang="en-US" altLang="ko-KR" sz="2000" b="0" i="1" smtClean="0">
+                                    <a:latin typeface="Cambria Math" panose="02040503050406030204" pitchFamily="18" charset="0"/>
+                                  </a:rPr>
+                                </m:ctrlPr>
+                              </m:fPr>
+                              <m:num>
+                                <m:r>
+                                  <a:rPr lang="en-US" altLang="ko-KR" sz="2000" b="0" i="1" smtClean="0">
+                                    <a:latin typeface="Cambria Math" panose="02040503050406030204" pitchFamily="18" charset="0"/>
+                                  </a:rPr>
+                                  <m:t>2</m:t>
+                                </m:r>
+                                <m:acc>
+                                  <m:accPr>
+                                    <m:chr m:val="̂"/>
+                                    <m:ctrlPr>
+                                      <a:rPr lang="en-US" altLang="ko-KR" sz="2000" i="1">
+                                        <a:latin typeface="Cambria Math" panose="02040503050406030204" pitchFamily="18" charset="0"/>
+                                      </a:rPr>
+                                    </m:ctrlPr>
+                                  </m:accPr>
+                                  <m:e>
+                                    <m:sSub>
+                                      <m:sSubPr>
+                                        <m:ctrlPr>
+                                          <a:rPr lang="en-US" altLang="ko-KR" sz="2000" i="1">
+                                            <a:latin typeface="Cambria Math" panose="02040503050406030204" pitchFamily="18" charset="0"/>
+                                          </a:rPr>
+                                        </m:ctrlPr>
+                                      </m:sSubPr>
+                                      <m:e>
+                                        <m:r>
+                                          <a:rPr lang="en-US" altLang="ko-KR" sz="2000" i="1">
+                                            <a:latin typeface="Cambria Math" panose="02040503050406030204" pitchFamily="18" charset="0"/>
+                                          </a:rPr>
+                                          <m:t>𝑝</m:t>
+                                        </m:r>
+                                      </m:e>
+                                      <m:sub>
+                                        <m:r>
+                                          <a:rPr lang="en-US" altLang="ko-KR" sz="2000" i="1">
+                                            <a:latin typeface="Cambria Math" panose="02040503050406030204" pitchFamily="18" charset="0"/>
+                                          </a:rPr>
+                                          <m:t>1</m:t>
+                                        </m:r>
+                                      </m:sub>
+                                    </m:sSub>
+                                  </m:e>
+                                </m:acc>
+                              </m:num>
+                              <m:den>
+                                <m:sSub>
+                                  <m:sSubPr>
+                                    <m:ctrlPr>
+                                      <a:rPr lang="en-US" altLang="ko-KR" sz="2000" i="1" dirty="0">
+                                        <a:latin typeface="Cambria Math" panose="02040503050406030204" pitchFamily="18" charset="0"/>
+                                      </a:rPr>
+                                    </m:ctrlPr>
+                                  </m:sSubPr>
+                                  <m:e>
+                                    <m:r>
+                                      <a:rPr lang="en-US" altLang="ko-KR" sz="2000" i="1" dirty="0">
+                                        <a:latin typeface="Cambria Math" panose="02040503050406030204" pitchFamily="18" charset="0"/>
+                                      </a:rPr>
+                                      <m:t>(</m:t>
+                                    </m:r>
+                                    <m:acc>
+                                      <m:accPr>
+                                        <m:chr m:val="̂"/>
+                                        <m:ctrlPr>
+                                          <a:rPr lang="en-US" altLang="ko-KR" sz="2000" i="1">
+                                            <a:latin typeface="Cambria Math" panose="02040503050406030204" pitchFamily="18" charset="0"/>
+                                          </a:rPr>
+                                        </m:ctrlPr>
+                                      </m:accPr>
+                                      <m:e>
+                                        <m:r>
+                                          <a:rPr lang="en-US" altLang="ko-KR" sz="2000" i="1">
+                                            <a:latin typeface="Cambria Math" panose="02040503050406030204" pitchFamily="18" charset="0"/>
+                                          </a:rPr>
+                                          <m:t>𝑝</m:t>
+                                        </m:r>
+                                      </m:e>
+                                    </m:acc>
+                                  </m:e>
+                                  <m:sub>
+                                    <m:r>
+                                      <a:rPr lang="en-US" altLang="ko-KR" sz="2000" i="1" dirty="0">
+                                        <a:latin typeface="Cambria Math" panose="02040503050406030204" pitchFamily="18" charset="0"/>
+                                      </a:rPr>
+                                      <m:t>1</m:t>
+                                    </m:r>
+                                  </m:sub>
+                                </m:sSub>
+                                <m:r>
+                                  <a:rPr lang="en-US" altLang="ko-KR" sz="2000" i="1" dirty="0">
+                                    <a:latin typeface="Cambria Math" panose="02040503050406030204" pitchFamily="18" charset="0"/>
+                                  </a:rPr>
+                                  <m:t>+</m:t>
+                                </m:r>
+                                <m:sSub>
+                                  <m:sSubPr>
+                                    <m:ctrlPr>
+                                      <a:rPr lang="en-US" altLang="ko-KR" sz="2000" i="1" dirty="0">
+                                        <a:latin typeface="Cambria Math" panose="02040503050406030204" pitchFamily="18" charset="0"/>
+                                      </a:rPr>
+                                    </m:ctrlPr>
+                                  </m:sSubPr>
+                                  <m:e>
+                                    <m:acc>
+                                      <m:accPr>
+                                        <m:chr m:val="̂"/>
+                                        <m:ctrlPr>
+                                          <a:rPr lang="en-US" altLang="ko-KR" sz="2000" i="1">
+                                            <a:latin typeface="Cambria Math" panose="02040503050406030204" pitchFamily="18" charset="0"/>
+                                          </a:rPr>
+                                        </m:ctrlPr>
+                                      </m:accPr>
+                                      <m:e>
+                                        <m:r>
+                                          <a:rPr lang="en-US" altLang="ko-KR" sz="2000" i="1">
+                                            <a:latin typeface="Cambria Math" panose="02040503050406030204" pitchFamily="18" charset="0"/>
+                                          </a:rPr>
+                                          <m:t>𝑝</m:t>
+                                        </m:r>
+                                      </m:e>
+                                    </m:acc>
+                                  </m:e>
+                                  <m:sub>
+                                    <m:r>
+                                      <a:rPr lang="en-US" altLang="ko-KR" sz="2000" i="1" dirty="0">
+                                        <a:latin typeface="Cambria Math" panose="02040503050406030204" pitchFamily="18" charset="0"/>
+                                      </a:rPr>
+                                      <m:t>2</m:t>
+                                    </m:r>
+                                  </m:sub>
+                                </m:sSub>
+                                <m:r>
+                                  <a:rPr lang="en-US" altLang="ko-KR" sz="2000" i="1" dirty="0">
+                                    <a:latin typeface="Cambria Math" panose="02040503050406030204" pitchFamily="18" charset="0"/>
+                                  </a:rPr>
+                                  <m:t>)</m:t>
+                                </m:r>
+                              </m:den>
+                            </m:f>
+                          </m:e>
+                        </m:d>
+                      </m:e>
+                      <m:sup>
+                        <m:r>
+                          <a:rPr lang="en-US" altLang="ko-KR" sz="2000" i="1">
+                            <a:latin typeface="Cambria Math" panose="02040503050406030204" pitchFamily="18" charset="0"/>
+                          </a:rPr>
+                          <m:t>𝑛</m:t>
+                        </m:r>
+                        <m:acc>
+                          <m:accPr>
+                            <m:chr m:val="̂"/>
+                            <m:ctrlPr>
+                              <a:rPr lang="en-US" altLang="ko-KR" sz="2000" i="1">
+                                <a:latin typeface="Cambria Math" panose="02040503050406030204" pitchFamily="18" charset="0"/>
+                              </a:rPr>
+                            </m:ctrlPr>
+                          </m:accPr>
+                          <m:e>
+                            <m:sSub>
+                              <m:sSubPr>
+                                <m:ctrlPr>
+                                  <a:rPr lang="en-US" altLang="ko-KR" sz="2000" i="1">
+                                    <a:latin typeface="Cambria Math" panose="02040503050406030204" pitchFamily="18" charset="0"/>
+                                  </a:rPr>
+                                </m:ctrlPr>
+                              </m:sSubPr>
+                              <m:e>
+                                <m:r>
+                                  <a:rPr lang="en-US" altLang="ko-KR" sz="2000" i="1">
+                                    <a:latin typeface="Cambria Math" panose="02040503050406030204" pitchFamily="18" charset="0"/>
+                                  </a:rPr>
+                                  <m:t>𝑝</m:t>
+                                </m:r>
+                              </m:e>
+                              <m:sub>
+                                <m:r>
+                                  <a:rPr lang="en-US" altLang="ko-KR" sz="2000" i="1">
+                                    <a:latin typeface="Cambria Math" panose="02040503050406030204" pitchFamily="18" charset="0"/>
+                                  </a:rPr>
+                                  <m:t>1</m:t>
+                                </m:r>
+                              </m:sub>
+                            </m:sSub>
+                          </m:e>
+                        </m:acc>
+                      </m:sup>
+                    </m:sSup>
+                    <m:sSup>
+                      <m:sSupPr>
+                        <m:ctrlPr>
+                          <a:rPr lang="en-US" altLang="ko-KR" sz="2000" i="1">
+                            <a:latin typeface="Cambria Math" panose="02040503050406030204" pitchFamily="18" charset="0"/>
+                          </a:rPr>
+                        </m:ctrlPr>
+                      </m:sSupPr>
+                      <m:e>
+                        <m:d>
+                          <m:dPr>
+                            <m:begChr m:val="["/>
+                            <m:endChr m:val="]"/>
+                            <m:ctrlPr>
+                              <a:rPr lang="en-US" altLang="ko-KR" sz="2000" i="1">
+                                <a:latin typeface="Cambria Math" panose="02040503050406030204" pitchFamily="18" charset="0"/>
+                              </a:rPr>
+                            </m:ctrlPr>
+                          </m:dPr>
+                          <m:e>
+                            <m:f>
+                              <m:fPr>
+                                <m:ctrlPr>
+                                  <a:rPr lang="en-US" altLang="ko-KR" sz="2000" i="1">
+                                    <a:latin typeface="Cambria Math" panose="02040503050406030204" pitchFamily="18" charset="0"/>
+                                  </a:rPr>
+                                </m:ctrlPr>
+                              </m:fPr>
+                              <m:num>
+                                <m:r>
+                                  <a:rPr lang="en-US" altLang="ko-KR" sz="2000" i="1">
+                                    <a:latin typeface="Cambria Math" panose="02040503050406030204" pitchFamily="18" charset="0"/>
+                                  </a:rPr>
+                                  <m:t>2</m:t>
+                                </m:r>
+                                <m:acc>
+                                  <m:accPr>
+                                    <m:chr m:val="̂"/>
+                                    <m:ctrlPr>
+                                      <a:rPr lang="en-US" altLang="ko-KR" sz="2000" i="1">
+                                        <a:latin typeface="Cambria Math" panose="02040503050406030204" pitchFamily="18" charset="0"/>
+                                      </a:rPr>
+                                    </m:ctrlPr>
+                                  </m:accPr>
+                                  <m:e>
+                                    <m:sSub>
+                                      <m:sSubPr>
+                                        <m:ctrlPr>
+                                          <a:rPr lang="en-US" altLang="ko-KR" sz="2000" i="1">
+                                            <a:latin typeface="Cambria Math" panose="02040503050406030204" pitchFamily="18" charset="0"/>
+                                          </a:rPr>
+                                        </m:ctrlPr>
+                                      </m:sSubPr>
+                                      <m:e>
+                                        <m:r>
+                                          <a:rPr lang="en-US" altLang="ko-KR" sz="2000" i="1">
+                                            <a:latin typeface="Cambria Math" panose="02040503050406030204" pitchFamily="18" charset="0"/>
+                                          </a:rPr>
+                                          <m:t>𝑝</m:t>
+                                        </m:r>
+                                      </m:e>
+                                      <m:sub>
+                                        <m:r>
+                                          <a:rPr lang="en-US" altLang="ko-KR" sz="2000" b="0" i="1" smtClean="0">
+                                            <a:latin typeface="Cambria Math" panose="02040503050406030204" pitchFamily="18" charset="0"/>
+                                          </a:rPr>
+                                          <m:t>2</m:t>
+                                        </m:r>
+                                      </m:sub>
+                                    </m:sSub>
+                                  </m:e>
+                                </m:acc>
+                              </m:num>
+                              <m:den>
+                                <m:sSub>
+                                  <m:sSubPr>
+                                    <m:ctrlPr>
+                                      <a:rPr lang="en-US" altLang="ko-KR" sz="2000" i="1" dirty="0">
+                                        <a:latin typeface="Cambria Math" panose="02040503050406030204" pitchFamily="18" charset="0"/>
+                                      </a:rPr>
+                                    </m:ctrlPr>
+                                  </m:sSubPr>
+                                  <m:e>
+                                    <m:r>
+                                      <a:rPr lang="en-US" altLang="ko-KR" sz="2000" i="1" dirty="0">
+                                        <a:latin typeface="Cambria Math" panose="02040503050406030204" pitchFamily="18" charset="0"/>
+                                      </a:rPr>
+                                      <m:t>(</m:t>
+                                    </m:r>
+                                    <m:acc>
+                                      <m:accPr>
+                                        <m:chr m:val="̂"/>
+                                        <m:ctrlPr>
+                                          <a:rPr lang="en-US" altLang="ko-KR" sz="2000" i="1">
+                                            <a:latin typeface="Cambria Math" panose="02040503050406030204" pitchFamily="18" charset="0"/>
+                                          </a:rPr>
+                                        </m:ctrlPr>
+                                      </m:accPr>
+                                      <m:e>
+                                        <m:r>
+                                          <a:rPr lang="en-US" altLang="ko-KR" sz="2000" i="1">
+                                            <a:latin typeface="Cambria Math" panose="02040503050406030204" pitchFamily="18" charset="0"/>
+                                          </a:rPr>
+                                          <m:t>𝑝</m:t>
+                                        </m:r>
+                                      </m:e>
+                                    </m:acc>
+                                  </m:e>
+                                  <m:sub>
+                                    <m:r>
+                                      <a:rPr lang="en-US" altLang="ko-KR" sz="2000" i="1" dirty="0">
+                                        <a:latin typeface="Cambria Math" panose="02040503050406030204" pitchFamily="18" charset="0"/>
+                                      </a:rPr>
+                                      <m:t>1</m:t>
+                                    </m:r>
+                                  </m:sub>
+                                </m:sSub>
+                                <m:r>
+                                  <a:rPr lang="en-US" altLang="ko-KR" sz="2000" i="1" dirty="0">
+                                    <a:latin typeface="Cambria Math" panose="02040503050406030204" pitchFamily="18" charset="0"/>
+                                  </a:rPr>
+                                  <m:t>+</m:t>
+                                </m:r>
+                                <m:sSub>
+                                  <m:sSubPr>
+                                    <m:ctrlPr>
+                                      <a:rPr lang="en-US" altLang="ko-KR" sz="2000" i="1" dirty="0">
+                                        <a:latin typeface="Cambria Math" panose="02040503050406030204" pitchFamily="18" charset="0"/>
+                                      </a:rPr>
+                                    </m:ctrlPr>
+                                  </m:sSubPr>
+                                  <m:e>
+                                    <m:acc>
+                                      <m:accPr>
+                                        <m:chr m:val="̂"/>
+                                        <m:ctrlPr>
+                                          <a:rPr lang="en-US" altLang="ko-KR" sz="2000" i="1">
+                                            <a:latin typeface="Cambria Math" panose="02040503050406030204" pitchFamily="18" charset="0"/>
+                                          </a:rPr>
+                                        </m:ctrlPr>
+                                      </m:accPr>
+                                      <m:e>
+                                        <m:r>
+                                          <a:rPr lang="en-US" altLang="ko-KR" sz="2000" i="1">
+                                            <a:latin typeface="Cambria Math" panose="02040503050406030204" pitchFamily="18" charset="0"/>
+                                          </a:rPr>
+                                          <m:t>𝑝</m:t>
+                                        </m:r>
+                                      </m:e>
+                                    </m:acc>
+                                  </m:e>
+                                  <m:sub>
+                                    <m:r>
+                                      <a:rPr lang="en-US" altLang="ko-KR" sz="2000" i="1" dirty="0">
+                                        <a:latin typeface="Cambria Math" panose="02040503050406030204" pitchFamily="18" charset="0"/>
+                                      </a:rPr>
+                                      <m:t>2</m:t>
+                                    </m:r>
+                                  </m:sub>
+                                </m:sSub>
+                                <m:r>
+                                  <a:rPr lang="en-US" altLang="ko-KR" sz="2000" i="1" dirty="0">
+                                    <a:latin typeface="Cambria Math" panose="02040503050406030204" pitchFamily="18" charset="0"/>
+                                  </a:rPr>
+                                  <m:t>)</m:t>
+                                </m:r>
+                              </m:den>
+                            </m:f>
+                          </m:e>
+                        </m:d>
+                      </m:e>
+                      <m:sup>
+                        <m:r>
+                          <a:rPr lang="en-US" altLang="ko-KR" sz="2000" i="1">
+                            <a:latin typeface="Cambria Math" panose="02040503050406030204" pitchFamily="18" charset="0"/>
+                          </a:rPr>
+                          <m:t>𝑛</m:t>
+                        </m:r>
+                        <m:acc>
+                          <m:accPr>
+                            <m:chr m:val="̂"/>
+                            <m:ctrlPr>
+                              <a:rPr lang="en-US" altLang="ko-KR" sz="2000" i="1">
+                                <a:latin typeface="Cambria Math" panose="02040503050406030204" pitchFamily="18" charset="0"/>
+                              </a:rPr>
+                            </m:ctrlPr>
+                          </m:accPr>
+                          <m:e>
+                            <m:sSub>
+                              <m:sSubPr>
+                                <m:ctrlPr>
+                                  <a:rPr lang="en-US" altLang="ko-KR" sz="2000" i="1">
+                                    <a:latin typeface="Cambria Math" panose="02040503050406030204" pitchFamily="18" charset="0"/>
+                                  </a:rPr>
+                                </m:ctrlPr>
+                              </m:sSubPr>
+                              <m:e>
+                                <m:r>
+                                  <a:rPr lang="en-US" altLang="ko-KR" sz="2000" i="1">
+                                    <a:latin typeface="Cambria Math" panose="02040503050406030204" pitchFamily="18" charset="0"/>
+                                  </a:rPr>
+                                  <m:t>𝑝</m:t>
+                                </m:r>
+                              </m:e>
+                              <m:sub>
+                                <m:r>
+                                  <a:rPr lang="en-US" altLang="ko-KR" sz="2000" b="0" i="1" smtClean="0">
+                                    <a:latin typeface="Cambria Math" panose="02040503050406030204" pitchFamily="18" charset="0"/>
+                                  </a:rPr>
+                                  <m:t>2</m:t>
+                                </m:r>
+                              </m:sub>
+                            </m:sSub>
+                          </m:e>
+                        </m:acc>
+                      </m:sup>
+                    </m:sSup>
+                  </m:oMath>
+                </a14:m>
+                <a:endParaRPr lang="en-US" altLang="ko-KR" sz="2000" dirty="0"/>
+              </a:p>
+              <a:p>
+                <a:pPr marL="457200" indent="-457200">
+                  <a:buAutoNum type="arabicParenBoth"/>
+                </a:pPr>
+                <a:r>
+                  <a:rPr lang="ko-KR" altLang="en-US" sz="2000" dirty="0"/>
+                  <a:t>이 때</a:t>
+                </a:r>
+                <a:r>
+                  <a:rPr lang="en-US" altLang="ko-KR" sz="2000" dirty="0"/>
+                  <a:t>, </a:t>
+                </a:r>
+                <a14:m>
+                  <m:oMath xmlns:m="http://schemas.openxmlformats.org/officeDocument/2006/math">
+                    <m:r>
+                      <a:rPr lang="en-US" altLang="ko-KR" sz="2000" b="0" i="0" smtClean="0">
+                        <a:latin typeface="Cambria Math" panose="02040503050406030204" pitchFamily="18" charset="0"/>
+                      </a:rPr>
+                      <m:t>−2</m:t>
+                    </m:r>
+                    <m:r>
+                      <m:rPr>
+                        <m:sty m:val="p"/>
+                      </m:rPr>
+                      <a:rPr lang="en-US" altLang="ko-KR" sz="2000" b="0" i="0" smtClean="0">
+                        <a:latin typeface="Cambria Math" panose="02040503050406030204" pitchFamily="18" charset="0"/>
+                      </a:rPr>
+                      <m:t>log</m:t>
+                    </m:r>
+                    <m:d>
+                      <m:dPr>
+                        <m:ctrlPr>
+                          <a:rPr lang="en-US" altLang="ko-KR" sz="2000" b="0" i="1" smtClean="0">
+                            <a:latin typeface="Cambria Math" panose="02040503050406030204" pitchFamily="18" charset="0"/>
+                          </a:rPr>
+                        </m:ctrlPr>
+                      </m:dPr>
+                      <m:e>
+                        <m:r>
+                          <a:rPr lang="en-US" altLang="ko-KR" sz="2000" i="1" smtClean="0">
+                            <a:latin typeface="Cambria Math" panose="02040503050406030204" pitchFamily="18" charset="0"/>
+                          </a:rPr>
+                          <m:t>𝛬</m:t>
+                        </m:r>
+                      </m:e>
+                    </m:d>
+                    <m:r>
+                      <a:rPr lang="en-US" altLang="ko-KR" sz="2000" b="0" i="1" smtClean="0">
+                        <a:latin typeface="Cambria Math" panose="02040503050406030204" pitchFamily="18" charset="0"/>
+                      </a:rPr>
+                      <m:t>→</m:t>
+                    </m:r>
+                    <m:sSup>
+                      <m:sSupPr>
+                        <m:ctrlPr>
+                          <a:rPr lang="en-US" altLang="ko-KR" sz="2000" i="1" smtClean="0">
+                            <a:latin typeface="Cambria Math" panose="02040503050406030204" pitchFamily="18" charset="0"/>
+                          </a:rPr>
+                        </m:ctrlPr>
+                      </m:sSupPr>
+                      <m:e>
+                        <m:r>
+                          <a:rPr lang="en-US" altLang="ko-KR" sz="2000" b="0" i="1" smtClean="0">
+                            <a:latin typeface="Cambria Math" panose="02040503050406030204" pitchFamily="18" charset="0"/>
+                          </a:rPr>
+                          <m:t>𝑥</m:t>
+                        </m:r>
+                      </m:e>
+                      <m:sup>
+                        <m:r>
+                          <a:rPr lang="en-US" altLang="ko-KR" sz="2000" b="0" i="1" smtClean="0">
+                            <a:latin typeface="Cambria Math" panose="02040503050406030204" pitchFamily="18" charset="0"/>
+                          </a:rPr>
+                          <m:t>2</m:t>
+                        </m:r>
+                      </m:sup>
+                    </m:sSup>
+                    <m:d>
+                      <m:dPr>
+                        <m:ctrlPr>
+                          <a:rPr lang="en-US" altLang="ko-KR" sz="2000" b="0" i="1" smtClean="0">
+                            <a:latin typeface="Cambria Math" panose="02040503050406030204" pitchFamily="18" charset="0"/>
+                          </a:rPr>
+                        </m:ctrlPr>
+                      </m:dPr>
+                      <m:e>
+                        <m:r>
+                          <a:rPr lang="en-US" altLang="ko-KR" sz="2000" b="0" i="1" smtClean="0">
+                            <a:latin typeface="Cambria Math" panose="02040503050406030204" pitchFamily="18" charset="0"/>
+                          </a:rPr>
+                          <m:t>𝑞</m:t>
+                        </m:r>
+                      </m:e>
+                    </m:d>
+                  </m:oMath>
+                </a14:m>
+                <a:r>
+                  <a:rPr lang="ko-KR" altLang="en-US" sz="2000" dirty="0"/>
+                  <a:t> 를 이용하여</a:t>
+                </a:r>
+                <a:r>
+                  <a:rPr lang="en-US" altLang="ko-KR" sz="2000" dirty="0"/>
+                  <a:t>, </a:t>
+                </a:r>
+                <a:r>
+                  <a:rPr lang="ko-KR" altLang="en-US" sz="2000" dirty="0"/>
+                  <a:t>이 가설을 검정할 수 있다</a:t>
+                </a:r>
+                <a:r>
+                  <a:rPr lang="en-US" altLang="ko-KR" sz="2000" dirty="0"/>
+                  <a:t>.</a:t>
+                </a:r>
+                <a:endParaRPr lang="ko-KR" altLang="en-US" sz="2000" dirty="0"/>
+              </a:p>
+            </p:txBody>
+          </p:sp>
+        </mc:Choice>
+        <mc:Fallback>
+          <p:sp>
+            <p:nvSpPr>
+              <p:cNvPr id="3" name="내용 개체 틀 2">
+                <a:extLst>
+                  <a:ext uri="{FF2B5EF4-FFF2-40B4-BE49-F238E27FC236}">
+                    <a16:creationId xmlns:a16="http://schemas.microsoft.com/office/drawing/2014/main" id="{991B573B-D922-45B1-A11B-DE1EC8009A32}"/>
+                  </a:ext>
+                </a:extLst>
+              </p:cNvPr>
+              <p:cNvSpPr>
+                <a:spLocks noGrp="1" noRot="1" noChangeAspect="1" noMove="1" noResize="1" noEditPoints="1" noAdjustHandles="1" noChangeArrowheads="1" noChangeShapeType="1" noTextEdit="1"/>
+              </p:cNvSpPr>
+              <p:nvPr>
+                <p:ph idx="1"/>
+              </p:nvPr>
+            </p:nvSpPr>
+            <p:spPr>
+              <a:blipFill>
+                <a:blip r:embed="rId2"/>
+                <a:stretch>
+                  <a:fillRect l="-812" t="-420"/>
+                </a:stretch>
+              </a:blipFill>
+            </p:spPr>
+            <p:txBody>
+              <a:bodyPr/>
+              <a:lstStyle/>
+              <a:p>
+                <a:r>
+                  <a:rPr lang="ko-KR" altLang="en-US">
+                    <a:noFill/>
+                  </a:rPr>
+                  <a:t> </a:t>
+                </a:r>
+              </a:p>
+            </p:txBody>
+          </p:sp>
+        </mc:Fallback>
+      </mc:AlternateContent>
+    </p:spTree>
+    <p:extLst>
+      <p:ext uri="{BB962C8B-B14F-4D97-AF65-F5344CB8AC3E}">
+        <p14:creationId xmlns:p14="http://schemas.microsoft.com/office/powerpoint/2010/main" val="1649074771"/>
       </p:ext>
     </p:extLst>
   </p:cSld>
